--- a/AlgorithDescriptions/UniformDecompositionForCrossSectionSolids.pptx
+++ b/AlgorithDescriptions/UniformDecompositionForCrossSectionSolids.pptx
@@ -10,7 +10,8 @@
     <p:sldId id="258" r:id="rId4"/>
     <p:sldId id="259" r:id="rId5"/>
     <p:sldId id="261" r:id="rId6"/>
-    <p:sldId id="260" r:id="rId7"/>
+    <p:sldId id="263" r:id="rId7"/>
+    <p:sldId id="262" r:id="rId8"/>
   </p:sldIdLst>
   <p:sldSz cx="12192000" cy="6858000"/>
   <p:notesSz cx="6858000" cy="9144000"/>
@@ -4923,6 +4924,169 @@
           </a:p>
         </p:txBody>
       </p:sp>
+      <p:cxnSp>
+        <p:nvCxnSpPr>
+          <p:cNvPr id="23" name="Straight Arrow Connector 22">
+            <a:extLst>
+              <a:ext uri="{FF2B5EF4-FFF2-40B4-BE49-F238E27FC236}">
+                <a16:creationId xmlns:a16="http://schemas.microsoft.com/office/drawing/2014/main" id="{18C9AEB6-A6FD-4ABB-88A1-AA2F482FF82D}"/>
+              </a:ext>
+            </a:extLst>
+          </p:cNvPr>
+          <p:cNvCxnSpPr>
+            <a:cxnSpLocks/>
+          </p:cNvCxnSpPr>
+          <p:nvPr/>
+        </p:nvCxnSpPr>
+        <p:spPr>
+          <a:xfrm flipV="1">
+            <a:off x="11543138" y="5336606"/>
+            <a:ext cx="0" cy="654704"/>
+          </a:xfrm>
+          <a:prstGeom prst="straightConnector1">
+            <a:avLst/>
+          </a:prstGeom>
+          <a:ln>
+            <a:solidFill>
+              <a:srgbClr val="00B050"/>
+            </a:solidFill>
+            <a:tailEnd type="triangle"/>
+          </a:ln>
+        </p:spPr>
+        <p:style>
+          <a:lnRef idx="1">
+            <a:schemeClr val="accent1"/>
+          </a:lnRef>
+          <a:fillRef idx="0">
+            <a:schemeClr val="accent1"/>
+          </a:fillRef>
+          <a:effectRef idx="0">
+            <a:schemeClr val="accent1"/>
+          </a:effectRef>
+          <a:fontRef idx="minor">
+            <a:schemeClr val="tx1"/>
+          </a:fontRef>
+        </p:style>
+      </p:cxnSp>
+      <p:sp>
+        <p:nvSpPr>
+          <p:cNvPr id="24" name="TextBox 23">
+            <a:extLst>
+              <a:ext uri="{FF2B5EF4-FFF2-40B4-BE49-F238E27FC236}">
+                <a16:creationId xmlns:a16="http://schemas.microsoft.com/office/drawing/2014/main" id="{B9A95187-1EFB-41BE-81C9-8A2F657A9C83}"/>
+              </a:ext>
+            </a:extLst>
+          </p:cNvPr>
+          <p:cNvSpPr txBox="1"/>
+          <p:nvPr/>
+        </p:nvSpPr>
+        <p:spPr>
+          <a:xfrm>
+            <a:off x="9389797" y="4358680"/>
+            <a:ext cx="2516907" cy="646331"/>
+          </a:xfrm>
+          <a:prstGeom prst="rect">
+            <a:avLst/>
+          </a:prstGeom>
+          <a:noFill/>
+        </p:spPr>
+        <p:txBody>
+          <a:bodyPr wrap="none" rtlCol="0">
+            <a:spAutoFit/>
+          </a:bodyPr>
+          <a:lstStyle/>
+          <a:p>
+            <a:pPr algn="ctr"/>
+            <a:r>
+              <a:rPr lang="en-US" dirty="0"/>
+              <a:t>Decomposition Direction</a:t>
+            </a:r>
+          </a:p>
+          <a:p>
+            <a:pPr algn="ctr"/>
+            <a:endParaRPr lang="en-US" dirty="0"/>
+          </a:p>
+        </p:txBody>
+      </p:sp>
+      <p:sp>
+        <p:nvSpPr>
+          <p:cNvPr id="25" name="TextBox 24">
+            <a:extLst>
+              <a:ext uri="{FF2B5EF4-FFF2-40B4-BE49-F238E27FC236}">
+                <a16:creationId xmlns:a16="http://schemas.microsoft.com/office/drawing/2014/main" id="{CDB55298-5472-4A3C-A03F-D4F64AF267D1}"/>
+              </a:ext>
+            </a:extLst>
+          </p:cNvPr>
+          <p:cNvSpPr txBox="1"/>
+          <p:nvPr/>
+        </p:nvSpPr>
+        <p:spPr>
+          <a:xfrm>
+            <a:off x="9839234" y="5490047"/>
+            <a:ext cx="1598002" cy="369332"/>
+          </a:xfrm>
+          <a:prstGeom prst="rect">
+            <a:avLst/>
+          </a:prstGeom>
+          <a:noFill/>
+        </p:spPr>
+        <p:txBody>
+          <a:bodyPr wrap="none" rtlCol="0">
+            <a:spAutoFit/>
+          </a:bodyPr>
+          <a:lstStyle/>
+          <a:p>
+            <a:r>
+              <a:rPr lang="en-US" dirty="0"/>
+              <a:t>Layer Direction</a:t>
+            </a:r>
+          </a:p>
+        </p:txBody>
+      </p:sp>
+      <p:cxnSp>
+        <p:nvCxnSpPr>
+          <p:cNvPr id="29" name="Straight Arrow Connector 28">
+            <a:extLst>
+              <a:ext uri="{FF2B5EF4-FFF2-40B4-BE49-F238E27FC236}">
+                <a16:creationId xmlns:a16="http://schemas.microsoft.com/office/drawing/2014/main" id="{2AB4CF3A-7ECA-4FFA-812C-9F614E369A6F}"/>
+              </a:ext>
+            </a:extLst>
+          </p:cNvPr>
+          <p:cNvCxnSpPr>
+            <a:cxnSpLocks/>
+          </p:cNvCxnSpPr>
+          <p:nvPr/>
+        </p:nvCxnSpPr>
+        <p:spPr>
+          <a:xfrm flipV="1">
+            <a:off x="10491536" y="4737923"/>
+            <a:ext cx="234616" cy="377016"/>
+          </a:xfrm>
+          <a:prstGeom prst="straightConnector1">
+            <a:avLst/>
+          </a:prstGeom>
+          <a:ln>
+            <a:solidFill>
+              <a:srgbClr val="FF0000"/>
+            </a:solidFill>
+            <a:tailEnd type="triangle"/>
+          </a:ln>
+        </p:spPr>
+        <p:style>
+          <a:lnRef idx="1">
+            <a:schemeClr val="accent1"/>
+          </a:lnRef>
+          <a:fillRef idx="0">
+            <a:schemeClr val="accent1"/>
+          </a:fillRef>
+          <a:effectRef idx="0">
+            <a:schemeClr val="accent1"/>
+          </a:effectRef>
+          <a:fontRef idx="minor">
+            <a:schemeClr val="tx1"/>
+          </a:fontRef>
+        </p:style>
+      </p:cxnSp>
     </p:spTree>
     <p:extLst>
       <p:ext uri="{BB962C8B-B14F-4D97-AF65-F5344CB8AC3E}">
@@ -7212,41 +7376,6 @@
       </p:cxnSp>
       <p:sp>
         <p:nvSpPr>
-          <p:cNvPr id="48" name="TextBox 47">
-            <a:extLst>
-              <a:ext uri="{FF2B5EF4-FFF2-40B4-BE49-F238E27FC236}">
-                <a16:creationId xmlns:a16="http://schemas.microsoft.com/office/drawing/2014/main" id="{2FFE123C-178E-44B2-87B5-A52846D62618}"/>
-              </a:ext>
-            </a:extLst>
-          </p:cNvPr>
-          <p:cNvSpPr txBox="1"/>
-          <p:nvPr/>
-        </p:nvSpPr>
-        <p:spPr>
-          <a:xfrm>
-            <a:off x="9433045" y="3031958"/>
-            <a:ext cx="2397006" cy="646331"/>
-          </a:xfrm>
-          <a:prstGeom prst="rect">
-            <a:avLst/>
-          </a:prstGeom>
-          <a:noFill/>
-        </p:spPr>
-        <p:txBody>
-          <a:bodyPr wrap="square" rtlCol="0">
-            <a:spAutoFit/>
-          </a:bodyPr>
-          <a:lstStyle/>
-          <a:p>
-            <a:r>
-              <a:rPr lang="en-US" dirty="0"/>
-              <a:t>Sort along perpendicular direction</a:t>
-            </a:r>
-          </a:p>
-        </p:txBody>
-      </p:sp>
-      <p:sp>
-        <p:nvSpPr>
           <p:cNvPr id="49" name="Freeform: Shape 48">
             <a:extLst>
               <a:ext uri="{FF2B5EF4-FFF2-40B4-BE49-F238E27FC236}">
@@ -8665,6 +8794,246 @@
           </a:p>
         </p:txBody>
       </p:sp>
+      <p:cxnSp>
+        <p:nvCxnSpPr>
+          <p:cNvPr id="81" name="Straight Arrow Connector 80">
+            <a:extLst>
+              <a:ext uri="{FF2B5EF4-FFF2-40B4-BE49-F238E27FC236}">
+                <a16:creationId xmlns:a16="http://schemas.microsoft.com/office/drawing/2014/main" id="{BC54583A-7A3E-4BC8-BDA5-C147C34DFEA2}"/>
+              </a:ext>
+            </a:extLst>
+          </p:cNvPr>
+          <p:cNvCxnSpPr>
+            <a:cxnSpLocks/>
+          </p:cNvCxnSpPr>
+          <p:nvPr/>
+        </p:nvCxnSpPr>
+        <p:spPr>
+          <a:xfrm flipV="1">
+            <a:off x="11543138" y="5336606"/>
+            <a:ext cx="0" cy="654704"/>
+          </a:xfrm>
+          <a:prstGeom prst="straightConnector1">
+            <a:avLst/>
+          </a:prstGeom>
+          <a:ln>
+            <a:solidFill>
+              <a:srgbClr val="00B050"/>
+            </a:solidFill>
+            <a:tailEnd type="triangle"/>
+          </a:ln>
+        </p:spPr>
+        <p:style>
+          <a:lnRef idx="1">
+            <a:schemeClr val="accent1"/>
+          </a:lnRef>
+          <a:fillRef idx="0">
+            <a:schemeClr val="accent1"/>
+          </a:fillRef>
+          <a:effectRef idx="0">
+            <a:schemeClr val="accent1"/>
+          </a:effectRef>
+          <a:fontRef idx="minor">
+            <a:schemeClr val="tx1"/>
+          </a:fontRef>
+        </p:style>
+      </p:cxnSp>
+      <p:sp>
+        <p:nvSpPr>
+          <p:cNvPr id="82" name="TextBox 81">
+            <a:extLst>
+              <a:ext uri="{FF2B5EF4-FFF2-40B4-BE49-F238E27FC236}">
+                <a16:creationId xmlns:a16="http://schemas.microsoft.com/office/drawing/2014/main" id="{E45780C5-59EB-40DF-AE4E-E43DB14237DA}"/>
+              </a:ext>
+            </a:extLst>
+          </p:cNvPr>
+          <p:cNvSpPr txBox="1"/>
+          <p:nvPr/>
+        </p:nvSpPr>
+        <p:spPr>
+          <a:xfrm>
+            <a:off x="9389797" y="4358680"/>
+            <a:ext cx="2516907" cy="646331"/>
+          </a:xfrm>
+          <a:prstGeom prst="rect">
+            <a:avLst/>
+          </a:prstGeom>
+          <a:noFill/>
+        </p:spPr>
+        <p:txBody>
+          <a:bodyPr wrap="none" rtlCol="0">
+            <a:spAutoFit/>
+          </a:bodyPr>
+          <a:lstStyle/>
+          <a:p>
+            <a:pPr algn="ctr"/>
+            <a:r>
+              <a:rPr lang="en-US" dirty="0"/>
+              <a:t>Decomposition Direction</a:t>
+            </a:r>
+          </a:p>
+          <a:p>
+            <a:pPr algn="ctr"/>
+            <a:endParaRPr lang="en-US" dirty="0"/>
+          </a:p>
+        </p:txBody>
+      </p:sp>
+      <p:cxnSp>
+        <p:nvCxnSpPr>
+          <p:cNvPr id="83" name="Straight Arrow Connector 82">
+            <a:extLst>
+              <a:ext uri="{FF2B5EF4-FFF2-40B4-BE49-F238E27FC236}">
+                <a16:creationId xmlns:a16="http://schemas.microsoft.com/office/drawing/2014/main" id="{DE82D3E3-90E9-4B0C-BB26-E172A719A22C}"/>
+              </a:ext>
+            </a:extLst>
+          </p:cNvPr>
+          <p:cNvCxnSpPr>
+            <a:cxnSpLocks/>
+          </p:cNvCxnSpPr>
+          <p:nvPr/>
+        </p:nvCxnSpPr>
+        <p:spPr>
+          <a:xfrm flipV="1">
+            <a:off x="9839234" y="3827114"/>
+            <a:ext cx="1267363" cy="1"/>
+          </a:xfrm>
+          <a:prstGeom prst="straightConnector1">
+            <a:avLst/>
+          </a:prstGeom>
+          <a:ln>
+            <a:tailEnd type="triangle"/>
+          </a:ln>
+        </p:spPr>
+        <p:style>
+          <a:lnRef idx="1">
+            <a:schemeClr val="accent1"/>
+          </a:lnRef>
+          <a:fillRef idx="0">
+            <a:schemeClr val="accent1"/>
+          </a:fillRef>
+          <a:effectRef idx="0">
+            <a:schemeClr val="accent1"/>
+          </a:effectRef>
+          <a:fontRef idx="minor">
+            <a:schemeClr val="tx1"/>
+          </a:fontRef>
+        </p:style>
+      </p:cxnSp>
+      <p:sp>
+        <p:nvSpPr>
+          <p:cNvPr id="84" name="TextBox 83">
+            <a:extLst>
+              <a:ext uri="{FF2B5EF4-FFF2-40B4-BE49-F238E27FC236}">
+                <a16:creationId xmlns:a16="http://schemas.microsoft.com/office/drawing/2014/main" id="{10CB1AFF-AAE8-4359-B8B0-9A203DD76937}"/>
+              </a:ext>
+            </a:extLst>
+          </p:cNvPr>
+          <p:cNvSpPr txBox="1"/>
+          <p:nvPr/>
+        </p:nvSpPr>
+        <p:spPr>
+          <a:xfrm>
+            <a:off x="9389797" y="3111899"/>
+            <a:ext cx="2397006" cy="646331"/>
+          </a:xfrm>
+          <a:prstGeom prst="rect">
+            <a:avLst/>
+          </a:prstGeom>
+          <a:noFill/>
+        </p:spPr>
+        <p:txBody>
+          <a:bodyPr wrap="square" rtlCol="0">
+            <a:spAutoFit/>
+          </a:bodyPr>
+          <a:lstStyle/>
+          <a:p>
+            <a:pPr algn="ctr"/>
+            <a:r>
+              <a:rPr lang="en-US" dirty="0"/>
+              <a:t>Perpendicular sorting direction</a:t>
+            </a:r>
+          </a:p>
+        </p:txBody>
+      </p:sp>
+      <p:sp>
+        <p:nvSpPr>
+          <p:cNvPr id="89" name="TextBox 88">
+            <a:extLst>
+              <a:ext uri="{FF2B5EF4-FFF2-40B4-BE49-F238E27FC236}">
+                <a16:creationId xmlns:a16="http://schemas.microsoft.com/office/drawing/2014/main" id="{473308DB-0CB6-45D7-83E0-DA7C7614AAAA}"/>
+              </a:ext>
+            </a:extLst>
+          </p:cNvPr>
+          <p:cNvSpPr txBox="1"/>
+          <p:nvPr/>
+        </p:nvSpPr>
+        <p:spPr>
+          <a:xfrm>
+            <a:off x="9839234" y="5490047"/>
+            <a:ext cx="1598002" cy="369332"/>
+          </a:xfrm>
+          <a:prstGeom prst="rect">
+            <a:avLst/>
+          </a:prstGeom>
+          <a:noFill/>
+        </p:spPr>
+        <p:txBody>
+          <a:bodyPr wrap="none" rtlCol="0">
+            <a:spAutoFit/>
+          </a:bodyPr>
+          <a:lstStyle/>
+          <a:p>
+            <a:r>
+              <a:rPr lang="en-US" dirty="0"/>
+              <a:t>Layer Direction</a:t>
+            </a:r>
+          </a:p>
+        </p:txBody>
+      </p:sp>
+      <p:cxnSp>
+        <p:nvCxnSpPr>
+          <p:cNvPr id="90" name="Straight Arrow Connector 89">
+            <a:extLst>
+              <a:ext uri="{FF2B5EF4-FFF2-40B4-BE49-F238E27FC236}">
+                <a16:creationId xmlns:a16="http://schemas.microsoft.com/office/drawing/2014/main" id="{8F1347E8-3650-405B-A639-0C3C34F34902}"/>
+              </a:ext>
+            </a:extLst>
+          </p:cNvPr>
+          <p:cNvCxnSpPr>
+            <a:cxnSpLocks/>
+          </p:cNvCxnSpPr>
+          <p:nvPr/>
+        </p:nvCxnSpPr>
+        <p:spPr>
+          <a:xfrm flipV="1">
+            <a:off x="10491536" y="4737923"/>
+            <a:ext cx="234616" cy="377016"/>
+          </a:xfrm>
+          <a:prstGeom prst="straightConnector1">
+            <a:avLst/>
+          </a:prstGeom>
+          <a:ln>
+            <a:solidFill>
+              <a:srgbClr val="FF0000"/>
+            </a:solidFill>
+            <a:tailEnd type="triangle"/>
+          </a:ln>
+        </p:spPr>
+        <p:style>
+          <a:lnRef idx="1">
+            <a:schemeClr val="accent1"/>
+          </a:lnRef>
+          <a:fillRef idx="0">
+            <a:schemeClr val="accent1"/>
+          </a:fillRef>
+          <a:effectRef idx="0">
+            <a:schemeClr val="accent1"/>
+          </a:effectRef>
+          <a:fontRef idx="minor">
+            <a:schemeClr val="tx1"/>
+          </a:fontRef>
+        </p:style>
+      </p:cxnSp>
     </p:spTree>
     <p:extLst>
       <p:ext uri="{BB962C8B-B14F-4D97-AF65-F5344CB8AC3E}">
@@ -8711,7 +9080,12 @@
             <p:ph type="title"/>
           </p:nvPr>
         </p:nvSpPr>
-        <p:spPr/>
+        <p:spPr>
+          <a:xfrm>
+            <a:off x="838200" y="365125"/>
+            <a:ext cx="10515600" cy="1325563"/>
+          </a:xfrm>
+        </p:spPr>
         <p:txBody>
           <a:bodyPr/>
           <a:lstStyle/>
@@ -9090,7 +9464,7 @@
         </p:nvCxnSpPr>
         <p:spPr>
           <a:xfrm flipV="1">
-            <a:off x="8701696" y="2049235"/>
+            <a:off x="8649056" y="2153708"/>
             <a:ext cx="0" cy="705241"/>
           </a:xfrm>
           <a:prstGeom prst="straightConnector1">
@@ -9129,7 +9503,7 @@
         </p:nvSpPr>
         <p:spPr>
           <a:xfrm>
-            <a:off x="8829245" y="2108145"/>
+            <a:off x="8776605" y="2212618"/>
             <a:ext cx="2397006" cy="646331"/>
           </a:xfrm>
           <a:prstGeom prst="rect">
@@ -9143,6 +9517,7 @@
           </a:bodyPr>
           <a:lstStyle/>
           <a:p>
+            <a:pPr algn="ctr"/>
             <a:r>
               <a:rPr lang="en-US" dirty="0"/>
               <a:t>Perpendicular sorting direction</a:t>
@@ -10601,6 +10976,47 @@
             <a:r>
               <a:rPr lang="en-US" dirty="0"/>
               <a:t>Odd numbers represent inside shapes, whereas even represent outer </a:t>
+            </a:r>
+          </a:p>
+        </p:txBody>
+      </p:sp>
+      <p:sp>
+        <p:nvSpPr>
+          <p:cNvPr id="51" name="TextBox 50">
+            <a:extLst>
+              <a:ext uri="{FF2B5EF4-FFF2-40B4-BE49-F238E27FC236}">
+                <a16:creationId xmlns:a16="http://schemas.microsoft.com/office/drawing/2014/main" id="{7417E143-C7D9-4F46-AB4C-B78384656735}"/>
+              </a:ext>
+            </a:extLst>
+          </p:cNvPr>
+          <p:cNvSpPr txBox="1"/>
+          <p:nvPr/>
+        </p:nvSpPr>
+        <p:spPr>
+          <a:xfrm>
+            <a:off x="9251461" y="4665778"/>
+            <a:ext cx="1598002" cy="646331"/>
+          </a:xfrm>
+          <a:prstGeom prst="rect">
+            <a:avLst/>
+          </a:prstGeom>
+          <a:noFill/>
+        </p:spPr>
+        <p:txBody>
+          <a:bodyPr wrap="none" rtlCol="0">
+            <a:spAutoFit/>
+          </a:bodyPr>
+          <a:lstStyle/>
+          <a:p>
+            <a:r>
+              <a:rPr lang="en-US" dirty="0"/>
+              <a:t>Layer Direction</a:t>
+            </a:r>
+          </a:p>
+          <a:p>
+            <a:r>
+              <a:rPr lang="en-US" dirty="0"/>
+              <a:t>(into board)</a:t>
             </a:r>
           </a:p>
         </p:txBody>
@@ -10665,82 +11081,6 @@
               <a:t>intersectionsByLayer</a:t>
             </a:r>
             <a:endParaRPr lang="en-US" i="1" dirty="0"/>
-          </a:p>
-        </p:txBody>
-      </p:sp>
-      <p:sp>
-        <p:nvSpPr>
-          <p:cNvPr id="8" name="TextBox 7">
-            <a:extLst>
-              <a:ext uri="{FF2B5EF4-FFF2-40B4-BE49-F238E27FC236}">
-                <a16:creationId xmlns:a16="http://schemas.microsoft.com/office/drawing/2014/main" id="{3DDF41B2-01EE-4768-9C4E-66292CF69131}"/>
-              </a:ext>
-            </a:extLst>
-          </p:cNvPr>
-          <p:cNvSpPr txBox="1"/>
-          <p:nvPr/>
-        </p:nvSpPr>
-        <p:spPr>
-          <a:xfrm>
-            <a:off x="8737280" y="3588984"/>
-            <a:ext cx="2516907" cy="646331"/>
-          </a:xfrm>
-          <a:prstGeom prst="rect">
-            <a:avLst/>
-          </a:prstGeom>
-          <a:noFill/>
-        </p:spPr>
-        <p:txBody>
-          <a:bodyPr wrap="none" rtlCol="0">
-            <a:spAutoFit/>
-          </a:bodyPr>
-          <a:lstStyle/>
-          <a:p>
-            <a:r>
-              <a:rPr lang="en-US" dirty="0"/>
-              <a:t>Decomposition Direction</a:t>
-            </a:r>
-          </a:p>
-          <a:p>
-            <a:r>
-              <a:rPr lang="en-US" dirty="0"/>
-              <a:t>(into board)</a:t>
-            </a:r>
-          </a:p>
-        </p:txBody>
-      </p:sp>
-      <p:sp>
-        <p:nvSpPr>
-          <p:cNvPr id="15" name="TextBox 14">
-            <a:extLst>
-              <a:ext uri="{FF2B5EF4-FFF2-40B4-BE49-F238E27FC236}">
-                <a16:creationId xmlns:a16="http://schemas.microsoft.com/office/drawing/2014/main" id="{CF1DCDB6-0B16-4ADA-B935-8B81BFC559DA}"/>
-              </a:ext>
-            </a:extLst>
-          </p:cNvPr>
-          <p:cNvSpPr txBox="1"/>
-          <p:nvPr/>
-        </p:nvSpPr>
-        <p:spPr>
-          <a:xfrm>
-            <a:off x="8829245" y="2108145"/>
-            <a:ext cx="2397006" cy="646331"/>
-          </a:xfrm>
-          <a:prstGeom prst="rect">
-            <a:avLst/>
-          </a:prstGeom>
-          <a:noFill/>
-        </p:spPr>
-        <p:txBody>
-          <a:bodyPr wrap="square" rtlCol="0">
-            <a:spAutoFit/>
-          </a:bodyPr>
-          <a:lstStyle/>
-          <a:p>
-            <a:r>
-              <a:rPr lang="en-US" dirty="0"/>
-              <a:t>Perpendicular sorting direction</a:t>
-            </a:r>
           </a:p>
         </p:txBody>
       </p:sp>
@@ -11056,47 +11396,6 @@
           </a:p>
         </p:txBody>
       </p:sp>
-      <p:cxnSp>
-        <p:nvCxnSpPr>
-          <p:cNvPr id="51" name="Straight Arrow Connector 50">
-            <a:extLst>
-              <a:ext uri="{FF2B5EF4-FFF2-40B4-BE49-F238E27FC236}">
-                <a16:creationId xmlns:a16="http://schemas.microsoft.com/office/drawing/2014/main" id="{8DD4B89A-54F2-4A73-A9AA-50E2602E46D2}"/>
-              </a:ext>
-            </a:extLst>
-          </p:cNvPr>
-          <p:cNvCxnSpPr>
-            <a:cxnSpLocks/>
-          </p:cNvCxnSpPr>
-          <p:nvPr/>
-        </p:nvCxnSpPr>
-        <p:spPr>
-          <a:xfrm flipH="1" flipV="1">
-            <a:off x="9537031" y="2754475"/>
-            <a:ext cx="768875" cy="1"/>
-          </a:xfrm>
-          <a:prstGeom prst="straightConnector1">
-            <a:avLst/>
-          </a:prstGeom>
-          <a:ln>
-            <a:tailEnd type="triangle"/>
-          </a:ln>
-        </p:spPr>
-        <p:style>
-          <a:lnRef idx="1">
-            <a:schemeClr val="accent1"/>
-          </a:lnRef>
-          <a:fillRef idx="0">
-            <a:schemeClr val="accent1"/>
-          </a:fillRef>
-          <a:effectRef idx="0">
-            <a:schemeClr val="accent1"/>
-          </a:effectRef>
-          <a:fontRef idx="minor">
-            <a:schemeClr val="tx1"/>
-          </a:fontRef>
-        </p:style>
-      </p:cxnSp>
       <p:sp>
         <p:nvSpPr>
           <p:cNvPr id="52" name="Flowchart: Connector 51">
@@ -11552,7 +11851,7 @@
         </p:nvSpPr>
         <p:spPr>
           <a:xfrm>
-            <a:off x="5532088" y="4221971"/>
+            <a:off x="5532088" y="4246910"/>
             <a:ext cx="87481" cy="87481"/>
           </a:xfrm>
           <a:prstGeom prst="flowChartConnector">
@@ -12495,7 +12794,7 @@
         <p:spPr>
           <a:xfrm>
             <a:off x="7977242" y="4944082"/>
-            <a:ext cx="3634393" cy="1477328"/>
+            <a:ext cx="3634393" cy="1754326"/>
           </a:xfrm>
           <a:prstGeom prst="rect">
             <a:avLst/>
@@ -12510,7 +12809,7 @@
           <a:p>
             <a:r>
               <a:rPr lang="en-US" dirty="0"/>
-              <a:t>This could be one, two, or three loops (all positive or one negative), so, the only way to reliably connect these correctly is to use the perpendicular distance.</a:t>
+              <a:t>This could be one, two, or three loops (all positive or one negative), so, the only way to reliably connect these correctly is to use order the intersections along the perpendicular distance BY LAYER.</a:t>
             </a:r>
           </a:p>
         </p:txBody>
@@ -12770,6 +13069,258 @@
               <a:t>LayerIndex</a:t>
             </a:r>
             <a:endParaRPr lang="en-US" dirty="0"/>
+          </a:p>
+        </p:txBody>
+      </p:sp>
+      <p:sp>
+        <p:nvSpPr>
+          <p:cNvPr id="44" name="Flowchart: Connector 43">
+            <a:extLst>
+              <a:ext uri="{FF2B5EF4-FFF2-40B4-BE49-F238E27FC236}">
+                <a16:creationId xmlns:a16="http://schemas.microsoft.com/office/drawing/2014/main" id="{EF578EC0-7F64-440E-9FF4-E57C6551E8BA}"/>
+              </a:ext>
+            </a:extLst>
+          </p:cNvPr>
+          <p:cNvSpPr/>
+          <p:nvPr/>
+        </p:nvSpPr>
+        <p:spPr>
+          <a:xfrm>
+            <a:off x="6952215" y="4251583"/>
+            <a:ext cx="87481" cy="87481"/>
+          </a:xfrm>
+          <a:prstGeom prst="flowChartConnector">
+            <a:avLst/>
+          </a:prstGeom>
+          <a:solidFill>
+            <a:schemeClr val="tx1"/>
+          </a:solidFill>
+        </p:spPr>
+        <p:style>
+          <a:lnRef idx="2">
+            <a:schemeClr val="accent1">
+              <a:shade val="50000"/>
+            </a:schemeClr>
+          </a:lnRef>
+          <a:fillRef idx="1">
+            <a:schemeClr val="accent1"/>
+          </a:fillRef>
+          <a:effectRef idx="0">
+            <a:schemeClr val="accent1"/>
+          </a:effectRef>
+          <a:fontRef idx="minor">
+            <a:schemeClr val="lt1"/>
+          </a:fontRef>
+        </p:style>
+        <p:txBody>
+          <a:bodyPr rtlCol="0" anchor="ctr"/>
+          <a:lstStyle/>
+          <a:p>
+            <a:pPr algn="ctr"/>
+            <a:endParaRPr lang="en-US"/>
+          </a:p>
+        </p:txBody>
+      </p:sp>
+      <p:cxnSp>
+        <p:nvCxnSpPr>
+          <p:cNvPr id="75" name="Straight Arrow Connector 74">
+            <a:extLst>
+              <a:ext uri="{FF2B5EF4-FFF2-40B4-BE49-F238E27FC236}">
+                <a16:creationId xmlns:a16="http://schemas.microsoft.com/office/drawing/2014/main" id="{23CF21D1-AC12-427A-8A81-9BE36869EA9E}"/>
+              </a:ext>
+            </a:extLst>
+          </p:cNvPr>
+          <p:cNvCxnSpPr>
+            <a:cxnSpLocks/>
+          </p:cNvCxnSpPr>
+          <p:nvPr/>
+        </p:nvCxnSpPr>
+        <p:spPr>
+          <a:xfrm flipV="1">
+            <a:off x="10924441" y="3854962"/>
+            <a:ext cx="0" cy="654704"/>
+          </a:xfrm>
+          <a:prstGeom prst="straightConnector1">
+            <a:avLst/>
+          </a:prstGeom>
+          <a:ln>
+            <a:solidFill>
+              <a:srgbClr val="00B050"/>
+            </a:solidFill>
+            <a:tailEnd type="triangle"/>
+          </a:ln>
+        </p:spPr>
+        <p:style>
+          <a:lnRef idx="1">
+            <a:schemeClr val="accent1"/>
+          </a:lnRef>
+          <a:fillRef idx="0">
+            <a:schemeClr val="accent1"/>
+          </a:fillRef>
+          <a:effectRef idx="0">
+            <a:schemeClr val="accent1"/>
+          </a:effectRef>
+          <a:fontRef idx="minor">
+            <a:schemeClr val="tx1"/>
+          </a:fontRef>
+        </p:style>
+      </p:cxnSp>
+      <p:sp>
+        <p:nvSpPr>
+          <p:cNvPr id="76" name="TextBox 75">
+            <a:extLst>
+              <a:ext uri="{FF2B5EF4-FFF2-40B4-BE49-F238E27FC236}">
+                <a16:creationId xmlns:a16="http://schemas.microsoft.com/office/drawing/2014/main" id="{E81928BE-0700-4843-AA5C-EDF3123187C1}"/>
+              </a:ext>
+            </a:extLst>
+          </p:cNvPr>
+          <p:cNvSpPr txBox="1"/>
+          <p:nvPr/>
+        </p:nvSpPr>
+        <p:spPr>
+          <a:xfrm>
+            <a:off x="8771100" y="2877036"/>
+            <a:ext cx="2516907" cy="923330"/>
+          </a:xfrm>
+          <a:prstGeom prst="rect">
+            <a:avLst/>
+          </a:prstGeom>
+          <a:noFill/>
+        </p:spPr>
+        <p:txBody>
+          <a:bodyPr wrap="none" rtlCol="0">
+            <a:spAutoFit/>
+          </a:bodyPr>
+          <a:lstStyle/>
+          <a:p>
+            <a:pPr algn="ctr"/>
+            <a:r>
+              <a:rPr lang="en-US" dirty="0"/>
+              <a:t>Decomposition Direction</a:t>
+            </a:r>
+          </a:p>
+          <a:p>
+            <a:pPr algn="ctr"/>
+            <a:r>
+              <a:rPr lang="en-US" dirty="0"/>
+              <a:t>(into board)</a:t>
+            </a:r>
+          </a:p>
+          <a:p>
+            <a:pPr algn="ctr"/>
+            <a:endParaRPr lang="en-US" dirty="0"/>
+          </a:p>
+        </p:txBody>
+      </p:sp>
+      <p:cxnSp>
+        <p:nvCxnSpPr>
+          <p:cNvPr id="77" name="Straight Arrow Connector 76">
+            <a:extLst>
+              <a:ext uri="{FF2B5EF4-FFF2-40B4-BE49-F238E27FC236}">
+                <a16:creationId xmlns:a16="http://schemas.microsoft.com/office/drawing/2014/main" id="{087199A3-CAFD-45E3-896F-8AF5F22847F2}"/>
+              </a:ext>
+            </a:extLst>
+          </p:cNvPr>
+          <p:cNvCxnSpPr>
+            <a:cxnSpLocks/>
+          </p:cNvCxnSpPr>
+          <p:nvPr/>
+        </p:nvCxnSpPr>
+        <p:spPr>
+          <a:xfrm flipV="1">
+            <a:off x="9220537" y="2345470"/>
+            <a:ext cx="1267363" cy="1"/>
+          </a:xfrm>
+          <a:prstGeom prst="straightConnector1">
+            <a:avLst/>
+          </a:prstGeom>
+          <a:ln>
+            <a:tailEnd type="triangle"/>
+          </a:ln>
+        </p:spPr>
+        <p:style>
+          <a:lnRef idx="1">
+            <a:schemeClr val="accent1"/>
+          </a:lnRef>
+          <a:fillRef idx="0">
+            <a:schemeClr val="accent1"/>
+          </a:fillRef>
+          <a:effectRef idx="0">
+            <a:schemeClr val="accent1"/>
+          </a:effectRef>
+          <a:fontRef idx="minor">
+            <a:schemeClr val="tx1"/>
+          </a:fontRef>
+        </p:style>
+      </p:cxnSp>
+      <p:sp>
+        <p:nvSpPr>
+          <p:cNvPr id="80" name="TextBox 79">
+            <a:extLst>
+              <a:ext uri="{FF2B5EF4-FFF2-40B4-BE49-F238E27FC236}">
+                <a16:creationId xmlns:a16="http://schemas.microsoft.com/office/drawing/2014/main" id="{B210F604-43CC-4976-AD6F-E0A59812BDE9}"/>
+              </a:ext>
+            </a:extLst>
+          </p:cNvPr>
+          <p:cNvSpPr txBox="1"/>
+          <p:nvPr/>
+        </p:nvSpPr>
+        <p:spPr>
+          <a:xfrm>
+            <a:off x="8771100" y="1630255"/>
+            <a:ext cx="2397006" cy="646331"/>
+          </a:xfrm>
+          <a:prstGeom prst="rect">
+            <a:avLst/>
+          </a:prstGeom>
+          <a:noFill/>
+        </p:spPr>
+        <p:txBody>
+          <a:bodyPr wrap="square" rtlCol="0">
+            <a:spAutoFit/>
+          </a:bodyPr>
+          <a:lstStyle/>
+          <a:p>
+            <a:pPr algn="ctr"/>
+            <a:r>
+              <a:rPr lang="en-US" dirty="0"/>
+              <a:t>Perpendicular sorting direction</a:t>
+            </a:r>
+          </a:p>
+        </p:txBody>
+      </p:sp>
+      <p:sp>
+        <p:nvSpPr>
+          <p:cNvPr id="81" name="TextBox 80">
+            <a:extLst>
+              <a:ext uri="{FF2B5EF4-FFF2-40B4-BE49-F238E27FC236}">
+                <a16:creationId xmlns:a16="http://schemas.microsoft.com/office/drawing/2014/main" id="{73D2563E-7351-4604-B117-D4F890DFF824}"/>
+              </a:ext>
+            </a:extLst>
+          </p:cNvPr>
+          <p:cNvSpPr txBox="1"/>
+          <p:nvPr/>
+        </p:nvSpPr>
+        <p:spPr>
+          <a:xfrm>
+            <a:off x="9220537" y="4008403"/>
+            <a:ext cx="1598002" cy="369332"/>
+          </a:xfrm>
+          <a:prstGeom prst="rect">
+            <a:avLst/>
+          </a:prstGeom>
+          <a:noFill/>
+        </p:spPr>
+        <p:txBody>
+          <a:bodyPr wrap="none" rtlCol="0">
+            <a:spAutoFit/>
+          </a:bodyPr>
+          <a:lstStyle/>
+          <a:p>
+            <a:r>
+              <a:rPr lang="en-US" dirty="0"/>
+              <a:t>Layer Direction</a:t>
+            </a:r>
           </a:p>
         </p:txBody>
       </p:sp>
@@ -12808,7 +13359,7 @@
           <p:cNvPr id="2" name="Title 1">
             <a:extLst>
               <a:ext uri="{FF2B5EF4-FFF2-40B4-BE49-F238E27FC236}">
-                <a16:creationId xmlns:a16="http://schemas.microsoft.com/office/drawing/2014/main" id="{C0E105B8-C522-4B1F-ACD5-61428C4229B9}"/>
+                <a16:creationId xmlns:a16="http://schemas.microsoft.com/office/drawing/2014/main" id="{0BCE598F-209B-4EC4-9B2B-5A9213B40FA4}"/>
               </a:ext>
             </a:extLst>
           </p:cNvPr>
@@ -12826,7 +13377,7 @@
           <a:p>
             <a:r>
               <a:rPr lang="en-US" dirty="0"/>
-              <a:t>GetCrossSection3DAtDistance</a:t>
+              <a:t>Major Assumption – Step Size is sufficiently small</a:t>
             </a:r>
           </a:p>
         </p:txBody>
@@ -12836,7 +13387,7 @@
           <p:cNvPr id="3" name="Content Placeholder 2">
             <a:extLst>
               <a:ext uri="{FF2B5EF4-FFF2-40B4-BE49-F238E27FC236}">
-                <a16:creationId xmlns:a16="http://schemas.microsoft.com/office/drawing/2014/main" id="{7357E3F6-983F-43E0-B7AD-1294C31D3FA2}"/>
+                <a16:creationId xmlns:a16="http://schemas.microsoft.com/office/drawing/2014/main" id="{DD78A5B9-203D-4B37-9B96-EFC68F619B89}"/>
               </a:ext>
             </a:extLst>
           </p:cNvPr>
@@ -12859,17 +13410,17 @@
           <a:p>
             <a:r>
               <a:rPr lang="en-US" dirty="0"/>
-              <a:t>Now we need to take the intersections from the prior slide, and connect them in 3D to get a cross section.</a:t>
-            </a:r>
-          </a:p>
-        </p:txBody>
-      </p:sp>
-      <p:sp>
-        <p:nvSpPr>
-          <p:cNvPr id="5" name="Freeform: Shape 4">
-            <a:extLst>
-              <a:ext uri="{FF2B5EF4-FFF2-40B4-BE49-F238E27FC236}">
-                <a16:creationId xmlns:a16="http://schemas.microsoft.com/office/drawing/2014/main" id="{C14F0AC1-3F02-459B-AE54-40CCF7C35229}"/>
+              <a:t>Just as with the Decomposition Segmentation approach, which builds segments in 3D using polygon operations, we need to build segments in 2D. The same kind of issues can arise if the geometry changes too quickly. See the example below: there are three possible solutions.</a:t>
+            </a:r>
+          </a:p>
+        </p:txBody>
+      </p:sp>
+      <p:sp>
+        <p:nvSpPr>
+          <p:cNvPr id="4" name="Flowchart: Connector 3">
+            <a:extLst>
+              <a:ext uri="{FF2B5EF4-FFF2-40B4-BE49-F238E27FC236}">
+                <a16:creationId xmlns:a16="http://schemas.microsoft.com/office/drawing/2014/main" id="{CBEA3ED7-F74E-4078-B2DD-7461330BE595}"/>
               </a:ext>
             </a:extLst>
           </p:cNvPr>
@@ -12878,64 +13429,15 @@
         </p:nvSpPr>
         <p:spPr>
           <a:xfrm>
-            <a:off x="3232484" y="5386137"/>
-            <a:ext cx="2197769" cy="681789"/>
-          </a:xfrm>
-          <a:custGeom>
-            <a:avLst/>
-            <a:gdLst>
-              <a:gd name="connsiteX0" fmla="*/ 2197769 w 2197769"/>
-              <a:gd name="connsiteY0" fmla="*/ 0 h 681789"/>
-              <a:gd name="connsiteX1" fmla="*/ 521369 w 2197769"/>
-              <a:gd name="connsiteY1" fmla="*/ 0 h 681789"/>
-              <a:gd name="connsiteX2" fmla="*/ 0 w 2197769"/>
-              <a:gd name="connsiteY2" fmla="*/ 681789 h 681789"/>
-              <a:gd name="connsiteX3" fmla="*/ 1828800 w 2197769"/>
-              <a:gd name="connsiteY3" fmla="*/ 681789 h 681789"/>
-              <a:gd name="connsiteX4" fmla="*/ 2197769 w 2197769"/>
-              <a:gd name="connsiteY4" fmla="*/ 0 h 681789"/>
-            </a:gdLst>
-            <a:ahLst/>
-            <a:cxnLst>
-              <a:cxn ang="0">
-                <a:pos x="connsiteX0" y="connsiteY0"/>
-              </a:cxn>
-              <a:cxn ang="0">
-                <a:pos x="connsiteX1" y="connsiteY1"/>
-              </a:cxn>
-              <a:cxn ang="0">
-                <a:pos x="connsiteX2" y="connsiteY2"/>
-              </a:cxn>
-              <a:cxn ang="0">
-                <a:pos x="connsiteX3" y="connsiteY3"/>
-              </a:cxn>
-              <a:cxn ang="0">
-                <a:pos x="connsiteX4" y="connsiteY4"/>
-              </a:cxn>
-            </a:cxnLst>
-            <a:rect l="l" t="t" r="r" b="b"/>
-            <a:pathLst>
-              <a:path w="2197769" h="681789">
-                <a:moveTo>
-                  <a:pt x="2197769" y="0"/>
-                </a:moveTo>
-                <a:lnTo>
-                  <a:pt x="521369" y="0"/>
-                </a:lnTo>
-                <a:lnTo>
-                  <a:pt x="0" y="681789"/>
-                </a:lnTo>
-                <a:lnTo>
-                  <a:pt x="1828800" y="681789"/>
-                </a:lnTo>
-                <a:lnTo>
-                  <a:pt x="2197769" y="0"/>
-                </a:lnTo>
-                <a:close/>
-              </a:path>
-            </a:pathLst>
-          </a:custGeom>
-          <a:noFill/>
+            <a:off x="6387518" y="4618637"/>
+            <a:ext cx="87481" cy="87481"/>
+          </a:xfrm>
+          <a:prstGeom prst="flowChartConnector">
+            <a:avLst/>
+          </a:prstGeom>
+          <a:solidFill>
+            <a:schemeClr val="tx1"/>
+          </a:solidFill>
         </p:spPr>
         <p:style>
           <a:lnRef idx="2">
@@ -12964,10 +13466,10 @@
       </p:sp>
       <p:sp>
         <p:nvSpPr>
-          <p:cNvPr id="6" name="Freeform: Shape 5">
-            <a:extLst>
-              <a:ext uri="{FF2B5EF4-FFF2-40B4-BE49-F238E27FC236}">
-                <a16:creationId xmlns:a16="http://schemas.microsoft.com/office/drawing/2014/main" id="{A4FD34B5-1B14-44C6-B972-3DF6B9F0F7BA}"/>
+          <p:cNvPr id="5" name="Flowchart: Connector 4">
+            <a:extLst>
+              <a:ext uri="{FF2B5EF4-FFF2-40B4-BE49-F238E27FC236}">
+                <a16:creationId xmlns:a16="http://schemas.microsoft.com/office/drawing/2014/main" id="{D795B4A1-74D3-4BD2-ADE5-D0933180C01A}"/>
               </a:ext>
             </a:extLst>
           </p:cNvPr>
@@ -12976,64 +13478,15 @@
         </p:nvSpPr>
         <p:spPr>
           <a:xfrm>
-            <a:off x="3232484" y="5177590"/>
-            <a:ext cx="2197769" cy="681789"/>
-          </a:xfrm>
-          <a:custGeom>
-            <a:avLst/>
-            <a:gdLst>
-              <a:gd name="connsiteX0" fmla="*/ 2197769 w 2197769"/>
-              <a:gd name="connsiteY0" fmla="*/ 0 h 681789"/>
-              <a:gd name="connsiteX1" fmla="*/ 521369 w 2197769"/>
-              <a:gd name="connsiteY1" fmla="*/ 0 h 681789"/>
-              <a:gd name="connsiteX2" fmla="*/ 0 w 2197769"/>
-              <a:gd name="connsiteY2" fmla="*/ 681789 h 681789"/>
-              <a:gd name="connsiteX3" fmla="*/ 1828800 w 2197769"/>
-              <a:gd name="connsiteY3" fmla="*/ 681789 h 681789"/>
-              <a:gd name="connsiteX4" fmla="*/ 2197769 w 2197769"/>
-              <a:gd name="connsiteY4" fmla="*/ 0 h 681789"/>
-            </a:gdLst>
-            <a:ahLst/>
-            <a:cxnLst>
-              <a:cxn ang="0">
-                <a:pos x="connsiteX0" y="connsiteY0"/>
-              </a:cxn>
-              <a:cxn ang="0">
-                <a:pos x="connsiteX1" y="connsiteY1"/>
-              </a:cxn>
-              <a:cxn ang="0">
-                <a:pos x="connsiteX2" y="connsiteY2"/>
-              </a:cxn>
-              <a:cxn ang="0">
-                <a:pos x="connsiteX3" y="connsiteY3"/>
-              </a:cxn>
-              <a:cxn ang="0">
-                <a:pos x="connsiteX4" y="connsiteY4"/>
-              </a:cxn>
-            </a:cxnLst>
-            <a:rect l="l" t="t" r="r" b="b"/>
-            <a:pathLst>
-              <a:path w="2197769" h="681789">
-                <a:moveTo>
-                  <a:pt x="2197769" y="0"/>
-                </a:moveTo>
-                <a:lnTo>
-                  <a:pt x="521369" y="0"/>
-                </a:lnTo>
-                <a:lnTo>
-                  <a:pt x="0" y="681789"/>
-                </a:lnTo>
-                <a:lnTo>
-                  <a:pt x="1828800" y="681789"/>
-                </a:lnTo>
-                <a:lnTo>
-                  <a:pt x="2197769" y="0"/>
-                </a:lnTo>
-                <a:close/>
-              </a:path>
-            </a:pathLst>
-          </a:custGeom>
-          <a:noFill/>
+            <a:off x="5903205" y="4193393"/>
+            <a:ext cx="87481" cy="87481"/>
+          </a:xfrm>
+          <a:prstGeom prst="flowChartConnector">
+            <a:avLst/>
+          </a:prstGeom>
+          <a:solidFill>
+            <a:schemeClr val="tx1"/>
+          </a:solidFill>
         </p:spPr>
         <p:style>
           <a:lnRef idx="2">
@@ -13062,10 +13515,10 @@
       </p:sp>
       <p:sp>
         <p:nvSpPr>
-          <p:cNvPr id="7" name="Freeform: Shape 6">
-            <a:extLst>
-              <a:ext uri="{FF2B5EF4-FFF2-40B4-BE49-F238E27FC236}">
-                <a16:creationId xmlns:a16="http://schemas.microsoft.com/office/drawing/2014/main" id="{0912999E-4E85-481B-8283-88F2192E7247}"/>
+          <p:cNvPr id="6" name="Flowchart: Connector 5">
+            <a:extLst>
+              <a:ext uri="{FF2B5EF4-FFF2-40B4-BE49-F238E27FC236}">
+                <a16:creationId xmlns:a16="http://schemas.microsoft.com/office/drawing/2014/main" id="{6270DB03-5C5A-4F8A-A141-82E51AC77CFC}"/>
               </a:ext>
             </a:extLst>
           </p:cNvPr>
@@ -13074,64 +13527,15 @@
         </p:nvSpPr>
         <p:spPr>
           <a:xfrm>
-            <a:off x="3232484" y="4908885"/>
-            <a:ext cx="2197769" cy="681789"/>
-          </a:xfrm>
-          <a:custGeom>
-            <a:avLst/>
-            <a:gdLst>
-              <a:gd name="connsiteX0" fmla="*/ 2197769 w 2197769"/>
-              <a:gd name="connsiteY0" fmla="*/ 0 h 681789"/>
-              <a:gd name="connsiteX1" fmla="*/ 521369 w 2197769"/>
-              <a:gd name="connsiteY1" fmla="*/ 0 h 681789"/>
-              <a:gd name="connsiteX2" fmla="*/ 0 w 2197769"/>
-              <a:gd name="connsiteY2" fmla="*/ 681789 h 681789"/>
-              <a:gd name="connsiteX3" fmla="*/ 1828800 w 2197769"/>
-              <a:gd name="connsiteY3" fmla="*/ 681789 h 681789"/>
-              <a:gd name="connsiteX4" fmla="*/ 2197769 w 2197769"/>
-              <a:gd name="connsiteY4" fmla="*/ 0 h 681789"/>
-            </a:gdLst>
-            <a:ahLst/>
-            <a:cxnLst>
-              <a:cxn ang="0">
-                <a:pos x="connsiteX0" y="connsiteY0"/>
-              </a:cxn>
-              <a:cxn ang="0">
-                <a:pos x="connsiteX1" y="connsiteY1"/>
-              </a:cxn>
-              <a:cxn ang="0">
-                <a:pos x="connsiteX2" y="connsiteY2"/>
-              </a:cxn>
-              <a:cxn ang="0">
-                <a:pos x="connsiteX3" y="connsiteY3"/>
-              </a:cxn>
-              <a:cxn ang="0">
-                <a:pos x="connsiteX4" y="connsiteY4"/>
-              </a:cxn>
-            </a:cxnLst>
-            <a:rect l="l" t="t" r="r" b="b"/>
-            <a:pathLst>
-              <a:path w="2197769" h="681789">
-                <a:moveTo>
-                  <a:pt x="2197769" y="0"/>
-                </a:moveTo>
-                <a:lnTo>
-                  <a:pt x="521369" y="0"/>
-                </a:lnTo>
-                <a:lnTo>
-                  <a:pt x="0" y="681789"/>
-                </a:lnTo>
-                <a:lnTo>
-                  <a:pt x="1828800" y="681789"/>
-                </a:lnTo>
-                <a:lnTo>
-                  <a:pt x="2197769" y="0"/>
-                </a:lnTo>
-                <a:close/>
-              </a:path>
-            </a:pathLst>
-          </a:custGeom>
-          <a:noFill/>
+            <a:off x="6708969" y="4618638"/>
+            <a:ext cx="87481" cy="87481"/>
+          </a:xfrm>
+          <a:prstGeom prst="flowChartConnector">
+            <a:avLst/>
+          </a:prstGeom>
+          <a:solidFill>
+            <a:schemeClr val="tx1"/>
+          </a:solidFill>
         </p:spPr>
         <p:style>
           <a:lnRef idx="2">
@@ -13160,10 +13564,10 @@
       </p:sp>
       <p:sp>
         <p:nvSpPr>
-          <p:cNvPr id="8" name="Freeform: Shape 7">
-            <a:extLst>
-              <a:ext uri="{FF2B5EF4-FFF2-40B4-BE49-F238E27FC236}">
-                <a16:creationId xmlns:a16="http://schemas.microsoft.com/office/drawing/2014/main" id="{D441405E-EAA0-422E-B6EC-2F224B76526C}"/>
+          <p:cNvPr id="8" name="Flowchart: Connector 7">
+            <a:extLst>
+              <a:ext uri="{FF2B5EF4-FFF2-40B4-BE49-F238E27FC236}">
+                <a16:creationId xmlns:a16="http://schemas.microsoft.com/office/drawing/2014/main" id="{6C725A1D-E5F8-4FDA-B341-AE60DE0F180B}"/>
               </a:ext>
             </a:extLst>
           </p:cNvPr>
@@ -13172,64 +13576,15 @@
         </p:nvSpPr>
         <p:spPr>
           <a:xfrm>
-            <a:off x="3232483" y="4640180"/>
-            <a:ext cx="2197769" cy="681789"/>
-          </a:xfrm>
-          <a:custGeom>
-            <a:avLst/>
-            <a:gdLst>
-              <a:gd name="connsiteX0" fmla="*/ 2197769 w 2197769"/>
-              <a:gd name="connsiteY0" fmla="*/ 0 h 681789"/>
-              <a:gd name="connsiteX1" fmla="*/ 521369 w 2197769"/>
-              <a:gd name="connsiteY1" fmla="*/ 0 h 681789"/>
-              <a:gd name="connsiteX2" fmla="*/ 0 w 2197769"/>
-              <a:gd name="connsiteY2" fmla="*/ 681789 h 681789"/>
-              <a:gd name="connsiteX3" fmla="*/ 1828800 w 2197769"/>
-              <a:gd name="connsiteY3" fmla="*/ 681789 h 681789"/>
-              <a:gd name="connsiteX4" fmla="*/ 2197769 w 2197769"/>
-              <a:gd name="connsiteY4" fmla="*/ 0 h 681789"/>
-            </a:gdLst>
-            <a:ahLst/>
-            <a:cxnLst>
-              <a:cxn ang="0">
-                <a:pos x="connsiteX0" y="connsiteY0"/>
-              </a:cxn>
-              <a:cxn ang="0">
-                <a:pos x="connsiteX1" y="connsiteY1"/>
-              </a:cxn>
-              <a:cxn ang="0">
-                <a:pos x="connsiteX2" y="connsiteY2"/>
-              </a:cxn>
-              <a:cxn ang="0">
-                <a:pos x="connsiteX3" y="connsiteY3"/>
-              </a:cxn>
-              <a:cxn ang="0">
-                <a:pos x="connsiteX4" y="connsiteY4"/>
-              </a:cxn>
-            </a:cxnLst>
-            <a:rect l="l" t="t" r="r" b="b"/>
-            <a:pathLst>
-              <a:path w="2197769" h="681789">
-                <a:moveTo>
-                  <a:pt x="2197769" y="0"/>
-                </a:moveTo>
-                <a:lnTo>
-                  <a:pt x="521369" y="0"/>
-                </a:lnTo>
-                <a:lnTo>
-                  <a:pt x="0" y="681789"/>
-                </a:lnTo>
-                <a:lnTo>
-                  <a:pt x="1828800" y="681789"/>
-                </a:lnTo>
-                <a:lnTo>
-                  <a:pt x="2197769" y="0"/>
-                </a:lnTo>
-                <a:close/>
-              </a:path>
-            </a:pathLst>
-          </a:custGeom>
-          <a:noFill/>
+            <a:off x="6182472" y="4193394"/>
+            <a:ext cx="87481" cy="87481"/>
+          </a:xfrm>
+          <a:prstGeom prst="flowChartConnector">
+            <a:avLst/>
+          </a:prstGeom>
+          <a:solidFill>
+            <a:schemeClr val="tx1"/>
+          </a:solidFill>
         </p:spPr>
         <p:style>
           <a:lnRef idx="2">
@@ -13258,10 +13613,10 @@
       </p:sp>
       <p:sp>
         <p:nvSpPr>
-          <p:cNvPr id="9" name="Freeform: Shape 8">
-            <a:extLst>
-              <a:ext uri="{FF2B5EF4-FFF2-40B4-BE49-F238E27FC236}">
-                <a16:creationId xmlns:a16="http://schemas.microsoft.com/office/drawing/2014/main" id="{37DA0DEE-F7F6-4FF7-AC63-ECC7D43C2B21}"/>
+          <p:cNvPr id="9" name="Flowchart: Connector 8">
+            <a:extLst>
+              <a:ext uri="{FF2B5EF4-FFF2-40B4-BE49-F238E27FC236}">
+                <a16:creationId xmlns:a16="http://schemas.microsoft.com/office/drawing/2014/main" id="{B140EFF4-1508-49E2-BCD1-B4A733AF2468}"/>
               </a:ext>
             </a:extLst>
           </p:cNvPr>
@@ -13270,64 +13625,15 @@
         </p:nvSpPr>
         <p:spPr>
           <a:xfrm>
-            <a:off x="6657473" y="5386137"/>
-            <a:ext cx="2197769" cy="681789"/>
-          </a:xfrm>
-          <a:custGeom>
-            <a:avLst/>
-            <a:gdLst>
-              <a:gd name="connsiteX0" fmla="*/ 2197769 w 2197769"/>
-              <a:gd name="connsiteY0" fmla="*/ 0 h 681789"/>
-              <a:gd name="connsiteX1" fmla="*/ 521369 w 2197769"/>
-              <a:gd name="connsiteY1" fmla="*/ 0 h 681789"/>
-              <a:gd name="connsiteX2" fmla="*/ 0 w 2197769"/>
-              <a:gd name="connsiteY2" fmla="*/ 681789 h 681789"/>
-              <a:gd name="connsiteX3" fmla="*/ 1828800 w 2197769"/>
-              <a:gd name="connsiteY3" fmla="*/ 681789 h 681789"/>
-              <a:gd name="connsiteX4" fmla="*/ 2197769 w 2197769"/>
-              <a:gd name="connsiteY4" fmla="*/ 0 h 681789"/>
-            </a:gdLst>
-            <a:ahLst/>
-            <a:cxnLst>
-              <a:cxn ang="0">
-                <a:pos x="connsiteX0" y="connsiteY0"/>
-              </a:cxn>
-              <a:cxn ang="0">
-                <a:pos x="connsiteX1" y="connsiteY1"/>
-              </a:cxn>
-              <a:cxn ang="0">
-                <a:pos x="connsiteX2" y="connsiteY2"/>
-              </a:cxn>
-              <a:cxn ang="0">
-                <a:pos x="connsiteX3" y="connsiteY3"/>
-              </a:cxn>
-              <a:cxn ang="0">
-                <a:pos x="connsiteX4" y="connsiteY4"/>
-              </a:cxn>
-            </a:cxnLst>
-            <a:rect l="l" t="t" r="r" b="b"/>
-            <a:pathLst>
-              <a:path w="2197769" h="681789">
-                <a:moveTo>
-                  <a:pt x="2197769" y="0"/>
-                </a:moveTo>
-                <a:lnTo>
-                  <a:pt x="521369" y="0"/>
-                </a:lnTo>
-                <a:lnTo>
-                  <a:pt x="0" y="681789"/>
-                </a:lnTo>
-                <a:lnTo>
-                  <a:pt x="1828800" y="681789"/>
-                </a:lnTo>
-                <a:lnTo>
-                  <a:pt x="2197769" y="0"/>
-                </a:lnTo>
-                <a:close/>
-              </a:path>
-            </a:pathLst>
-          </a:custGeom>
-          <a:noFill/>
+            <a:off x="6884415" y="4193393"/>
+            <a:ext cx="87481" cy="87481"/>
+          </a:xfrm>
+          <a:prstGeom prst="flowChartConnector">
+            <a:avLst/>
+          </a:prstGeom>
+          <a:solidFill>
+            <a:schemeClr val="tx1"/>
+          </a:solidFill>
         </p:spPr>
         <p:style>
           <a:lnRef idx="2">
@@ -13356,10 +13662,10 @@
       </p:sp>
       <p:sp>
         <p:nvSpPr>
-          <p:cNvPr id="10" name="Freeform: Shape 9">
-            <a:extLst>
-              <a:ext uri="{FF2B5EF4-FFF2-40B4-BE49-F238E27FC236}">
-                <a16:creationId xmlns:a16="http://schemas.microsoft.com/office/drawing/2014/main" id="{823F5791-2B95-4054-9D09-5F401DD8A13D}"/>
+          <p:cNvPr id="10" name="Flowchart: Connector 9">
+            <a:extLst>
+              <a:ext uri="{FF2B5EF4-FFF2-40B4-BE49-F238E27FC236}">
+                <a16:creationId xmlns:a16="http://schemas.microsoft.com/office/drawing/2014/main" id="{4ACA0567-0675-4718-A0CF-4AA8A71ACEF7}"/>
               </a:ext>
             </a:extLst>
           </p:cNvPr>
@@ -13368,64 +13674,15 @@
         </p:nvSpPr>
         <p:spPr>
           <a:xfrm>
-            <a:off x="6657473" y="5177590"/>
-            <a:ext cx="2197769" cy="681789"/>
-          </a:xfrm>
-          <a:custGeom>
-            <a:avLst/>
-            <a:gdLst>
-              <a:gd name="connsiteX0" fmla="*/ 2197769 w 2197769"/>
-              <a:gd name="connsiteY0" fmla="*/ 0 h 681789"/>
-              <a:gd name="connsiteX1" fmla="*/ 521369 w 2197769"/>
-              <a:gd name="connsiteY1" fmla="*/ 0 h 681789"/>
-              <a:gd name="connsiteX2" fmla="*/ 0 w 2197769"/>
-              <a:gd name="connsiteY2" fmla="*/ 681789 h 681789"/>
-              <a:gd name="connsiteX3" fmla="*/ 1828800 w 2197769"/>
-              <a:gd name="connsiteY3" fmla="*/ 681789 h 681789"/>
-              <a:gd name="connsiteX4" fmla="*/ 2197769 w 2197769"/>
-              <a:gd name="connsiteY4" fmla="*/ 0 h 681789"/>
-            </a:gdLst>
-            <a:ahLst/>
-            <a:cxnLst>
-              <a:cxn ang="0">
-                <a:pos x="connsiteX0" y="connsiteY0"/>
-              </a:cxn>
-              <a:cxn ang="0">
-                <a:pos x="connsiteX1" y="connsiteY1"/>
-              </a:cxn>
-              <a:cxn ang="0">
-                <a:pos x="connsiteX2" y="connsiteY2"/>
-              </a:cxn>
-              <a:cxn ang="0">
-                <a:pos x="connsiteX3" y="connsiteY3"/>
-              </a:cxn>
-              <a:cxn ang="0">
-                <a:pos x="connsiteX4" y="connsiteY4"/>
-              </a:cxn>
-            </a:cxnLst>
-            <a:rect l="l" t="t" r="r" b="b"/>
-            <a:pathLst>
-              <a:path w="2197769" h="681789">
-                <a:moveTo>
-                  <a:pt x="2197769" y="0"/>
-                </a:moveTo>
-                <a:lnTo>
-                  <a:pt x="521369" y="0"/>
-                </a:lnTo>
-                <a:lnTo>
-                  <a:pt x="0" y="681789"/>
-                </a:lnTo>
-                <a:lnTo>
-                  <a:pt x="1828800" y="681789"/>
-                </a:lnTo>
-                <a:lnTo>
-                  <a:pt x="2197769" y="0"/>
-                </a:lnTo>
-                <a:close/>
-              </a:path>
-            </a:pathLst>
-          </a:custGeom>
-          <a:noFill/>
+            <a:off x="7183653" y="4193392"/>
+            <a:ext cx="87481" cy="87481"/>
+          </a:xfrm>
+          <a:prstGeom prst="flowChartConnector">
+            <a:avLst/>
+          </a:prstGeom>
+          <a:solidFill>
+            <a:schemeClr val="tx1"/>
+          </a:solidFill>
         </p:spPr>
         <p:style>
           <a:lnRef idx="2">
@@ -13454,10 +13711,10 @@
       </p:sp>
       <p:sp>
         <p:nvSpPr>
-          <p:cNvPr id="11" name="Freeform: Shape 10">
-            <a:extLst>
-              <a:ext uri="{FF2B5EF4-FFF2-40B4-BE49-F238E27FC236}">
-                <a16:creationId xmlns:a16="http://schemas.microsoft.com/office/drawing/2014/main" id="{A194BE94-EEF8-4954-BDBF-451ACBB95049}"/>
+          <p:cNvPr id="11" name="Flowchart: Connector 10">
+            <a:extLst>
+              <a:ext uri="{FF2B5EF4-FFF2-40B4-BE49-F238E27FC236}">
+                <a16:creationId xmlns:a16="http://schemas.microsoft.com/office/drawing/2014/main" id="{8A6679D0-7FBC-4028-9B51-2A143B95315F}"/>
               </a:ext>
             </a:extLst>
           </p:cNvPr>
@@ -13466,64 +13723,15 @@
         </p:nvSpPr>
         <p:spPr>
           <a:xfrm>
-            <a:off x="6657473" y="4908885"/>
-            <a:ext cx="2197769" cy="681789"/>
-          </a:xfrm>
-          <a:custGeom>
-            <a:avLst/>
-            <a:gdLst>
-              <a:gd name="connsiteX0" fmla="*/ 2197769 w 2197769"/>
-              <a:gd name="connsiteY0" fmla="*/ 0 h 681789"/>
-              <a:gd name="connsiteX1" fmla="*/ 521369 w 2197769"/>
-              <a:gd name="connsiteY1" fmla="*/ 0 h 681789"/>
-              <a:gd name="connsiteX2" fmla="*/ 0 w 2197769"/>
-              <a:gd name="connsiteY2" fmla="*/ 681789 h 681789"/>
-              <a:gd name="connsiteX3" fmla="*/ 1828800 w 2197769"/>
-              <a:gd name="connsiteY3" fmla="*/ 681789 h 681789"/>
-              <a:gd name="connsiteX4" fmla="*/ 2197769 w 2197769"/>
-              <a:gd name="connsiteY4" fmla="*/ 0 h 681789"/>
-            </a:gdLst>
-            <a:ahLst/>
-            <a:cxnLst>
-              <a:cxn ang="0">
-                <a:pos x="connsiteX0" y="connsiteY0"/>
-              </a:cxn>
-              <a:cxn ang="0">
-                <a:pos x="connsiteX1" y="connsiteY1"/>
-              </a:cxn>
-              <a:cxn ang="0">
-                <a:pos x="connsiteX2" y="connsiteY2"/>
-              </a:cxn>
-              <a:cxn ang="0">
-                <a:pos x="connsiteX3" y="connsiteY3"/>
-              </a:cxn>
-              <a:cxn ang="0">
-                <a:pos x="connsiteX4" y="connsiteY4"/>
-              </a:cxn>
-            </a:cxnLst>
-            <a:rect l="l" t="t" r="r" b="b"/>
-            <a:pathLst>
-              <a:path w="2197769" h="681789">
-                <a:moveTo>
-                  <a:pt x="2197769" y="0"/>
-                </a:moveTo>
-                <a:lnTo>
-                  <a:pt x="521369" y="0"/>
-                </a:lnTo>
-                <a:lnTo>
-                  <a:pt x="0" y="681789"/>
-                </a:lnTo>
-                <a:lnTo>
-                  <a:pt x="1828800" y="681789"/>
-                </a:lnTo>
-                <a:lnTo>
-                  <a:pt x="2197769" y="0"/>
-                </a:lnTo>
-                <a:close/>
-              </a:path>
-            </a:pathLst>
-          </a:custGeom>
-          <a:noFill/>
+            <a:off x="3512037" y="4618637"/>
+            <a:ext cx="87481" cy="87481"/>
+          </a:xfrm>
+          <a:prstGeom prst="flowChartConnector">
+            <a:avLst/>
+          </a:prstGeom>
+          <a:solidFill>
+            <a:schemeClr val="tx1"/>
+          </a:solidFill>
         </p:spPr>
         <p:style>
           <a:lnRef idx="2">
@@ -13552,10 +13760,10 @@
       </p:sp>
       <p:sp>
         <p:nvSpPr>
-          <p:cNvPr id="12" name="Freeform: Shape 11">
-            <a:extLst>
-              <a:ext uri="{FF2B5EF4-FFF2-40B4-BE49-F238E27FC236}">
-                <a16:creationId xmlns:a16="http://schemas.microsoft.com/office/drawing/2014/main" id="{0ACFE4CD-5A2A-4E8F-A82B-30F1048CD0A4}"/>
+          <p:cNvPr id="12" name="Flowchart: Connector 11">
+            <a:extLst>
+              <a:ext uri="{FF2B5EF4-FFF2-40B4-BE49-F238E27FC236}">
+                <a16:creationId xmlns:a16="http://schemas.microsoft.com/office/drawing/2014/main" id="{70AA7A6C-9547-4084-9FEC-5575E7D0C96B}"/>
               </a:ext>
             </a:extLst>
           </p:cNvPr>
@@ -13564,64 +13772,15 @@
         </p:nvSpPr>
         <p:spPr>
           <a:xfrm>
-            <a:off x="6657472" y="4640180"/>
-            <a:ext cx="2197769" cy="681789"/>
-          </a:xfrm>
-          <a:custGeom>
-            <a:avLst/>
-            <a:gdLst>
-              <a:gd name="connsiteX0" fmla="*/ 2197769 w 2197769"/>
-              <a:gd name="connsiteY0" fmla="*/ 0 h 681789"/>
-              <a:gd name="connsiteX1" fmla="*/ 521369 w 2197769"/>
-              <a:gd name="connsiteY1" fmla="*/ 0 h 681789"/>
-              <a:gd name="connsiteX2" fmla="*/ 0 w 2197769"/>
-              <a:gd name="connsiteY2" fmla="*/ 681789 h 681789"/>
-              <a:gd name="connsiteX3" fmla="*/ 1828800 w 2197769"/>
-              <a:gd name="connsiteY3" fmla="*/ 681789 h 681789"/>
-              <a:gd name="connsiteX4" fmla="*/ 2197769 w 2197769"/>
-              <a:gd name="connsiteY4" fmla="*/ 0 h 681789"/>
-            </a:gdLst>
-            <a:ahLst/>
-            <a:cxnLst>
-              <a:cxn ang="0">
-                <a:pos x="connsiteX0" y="connsiteY0"/>
-              </a:cxn>
-              <a:cxn ang="0">
-                <a:pos x="connsiteX1" y="connsiteY1"/>
-              </a:cxn>
-              <a:cxn ang="0">
-                <a:pos x="connsiteX2" y="connsiteY2"/>
-              </a:cxn>
-              <a:cxn ang="0">
-                <a:pos x="connsiteX3" y="connsiteY3"/>
-              </a:cxn>
-              <a:cxn ang="0">
-                <a:pos x="connsiteX4" y="connsiteY4"/>
-              </a:cxn>
-            </a:cxnLst>
-            <a:rect l="l" t="t" r="r" b="b"/>
-            <a:pathLst>
-              <a:path w="2197769" h="681789">
-                <a:moveTo>
-                  <a:pt x="2197769" y="0"/>
-                </a:moveTo>
-                <a:lnTo>
-                  <a:pt x="521369" y="0"/>
-                </a:lnTo>
-                <a:lnTo>
-                  <a:pt x="0" y="681789"/>
-                </a:lnTo>
-                <a:lnTo>
-                  <a:pt x="1828800" y="681789"/>
-                </a:lnTo>
-                <a:lnTo>
-                  <a:pt x="2197769" y="0"/>
-                </a:lnTo>
-                <a:close/>
-              </a:path>
-            </a:pathLst>
-          </a:custGeom>
-          <a:noFill/>
+            <a:off x="3027724" y="4193393"/>
+            <a:ext cx="87481" cy="87481"/>
+          </a:xfrm>
+          <a:prstGeom prst="flowChartConnector">
+            <a:avLst/>
+          </a:prstGeom>
+          <a:solidFill>
+            <a:schemeClr val="tx1"/>
+          </a:solidFill>
         </p:spPr>
         <p:style>
           <a:lnRef idx="2">
@@ -13648,248 +13807,225 @@
           </a:p>
         </p:txBody>
       </p:sp>
-      <p:cxnSp>
-        <p:nvCxnSpPr>
-          <p:cNvPr id="13" name="Straight Connector 12">
-            <a:extLst>
-              <a:ext uri="{FF2B5EF4-FFF2-40B4-BE49-F238E27FC236}">
-                <a16:creationId xmlns:a16="http://schemas.microsoft.com/office/drawing/2014/main" id="{359DEADA-FEA8-4E94-A16B-F9D89B912344}"/>
-              </a:ext>
-            </a:extLst>
-          </p:cNvPr>
-          <p:cNvCxnSpPr>
-            <a:cxnSpLocks/>
-          </p:cNvCxnSpPr>
-          <p:nvPr/>
-        </p:nvCxnSpPr>
-        <p:spPr>
-          <a:xfrm>
-            <a:off x="3481137" y="4712369"/>
-            <a:ext cx="5229727" cy="28874"/>
-          </a:xfrm>
-          <a:prstGeom prst="line">
-            <a:avLst/>
-          </a:prstGeom>
-          <a:ln w="28575">
-            <a:solidFill>
-              <a:srgbClr val="FF0000"/>
-            </a:solidFill>
-          </a:ln>
-        </p:spPr>
-        <p:style>
-          <a:lnRef idx="1">
-            <a:schemeClr val="accent1"/>
-          </a:lnRef>
-          <a:fillRef idx="0">
-            <a:schemeClr val="accent1"/>
-          </a:fillRef>
-          <a:effectRef idx="0">
-            <a:schemeClr val="accent1"/>
-          </a:effectRef>
-          <a:fontRef idx="minor">
-            <a:schemeClr val="tx1"/>
-          </a:fontRef>
-        </p:style>
-      </p:cxnSp>
-      <p:cxnSp>
-        <p:nvCxnSpPr>
-          <p:cNvPr id="14" name="Straight Connector 13">
-            <a:extLst>
-              <a:ext uri="{FF2B5EF4-FFF2-40B4-BE49-F238E27FC236}">
-                <a16:creationId xmlns:a16="http://schemas.microsoft.com/office/drawing/2014/main" id="{52876E42-ABCD-4108-873E-77B8FB968EBC}"/>
-              </a:ext>
-            </a:extLst>
-          </p:cNvPr>
-          <p:cNvCxnSpPr>
-            <a:cxnSpLocks/>
-          </p:cNvCxnSpPr>
-          <p:nvPr/>
-        </p:nvCxnSpPr>
-        <p:spPr>
-          <a:xfrm>
-            <a:off x="8686800" y="4730417"/>
-            <a:ext cx="0" cy="984583"/>
-          </a:xfrm>
-          <a:prstGeom prst="line">
-            <a:avLst/>
-          </a:prstGeom>
-          <a:ln w="28575">
-            <a:solidFill>
-              <a:srgbClr val="FF0000"/>
-            </a:solidFill>
-          </a:ln>
-        </p:spPr>
-        <p:style>
-          <a:lnRef idx="1">
-            <a:schemeClr val="accent1"/>
-          </a:lnRef>
-          <a:fillRef idx="0">
-            <a:schemeClr val="accent1"/>
-          </a:fillRef>
-          <a:effectRef idx="0">
-            <a:schemeClr val="accent1"/>
-          </a:effectRef>
-          <a:fontRef idx="minor">
-            <a:schemeClr val="tx1"/>
-          </a:fontRef>
-        </p:style>
-      </p:cxnSp>
-      <p:cxnSp>
-        <p:nvCxnSpPr>
-          <p:cNvPr id="15" name="Straight Connector 14">
-            <a:extLst>
-              <a:ext uri="{FF2B5EF4-FFF2-40B4-BE49-F238E27FC236}">
-                <a16:creationId xmlns:a16="http://schemas.microsoft.com/office/drawing/2014/main" id="{8063E655-F152-4395-9F87-20B54FC0AA7E}"/>
-              </a:ext>
-            </a:extLst>
-          </p:cNvPr>
-          <p:cNvCxnSpPr>
-            <a:cxnSpLocks/>
-          </p:cNvCxnSpPr>
-          <p:nvPr/>
-        </p:nvCxnSpPr>
-        <p:spPr>
-          <a:xfrm>
-            <a:off x="5244709" y="4916906"/>
-            <a:ext cx="1677459" cy="19050"/>
-          </a:xfrm>
-          <a:prstGeom prst="line">
-            <a:avLst/>
-          </a:prstGeom>
-          <a:ln w="28575">
-            <a:solidFill>
-              <a:srgbClr val="FF0000"/>
-            </a:solidFill>
-          </a:ln>
-        </p:spPr>
-        <p:style>
-          <a:lnRef idx="1">
-            <a:schemeClr val="accent1"/>
-          </a:lnRef>
-          <a:fillRef idx="0">
-            <a:schemeClr val="accent1"/>
-          </a:fillRef>
-          <a:effectRef idx="0">
-            <a:schemeClr val="accent1"/>
-          </a:effectRef>
-          <a:fontRef idx="minor">
-            <a:schemeClr val="tx1"/>
-          </a:fontRef>
-        </p:style>
-      </p:cxnSp>
-      <p:cxnSp>
-        <p:nvCxnSpPr>
-          <p:cNvPr id="16" name="Straight Connector 15">
-            <a:extLst>
-              <a:ext uri="{FF2B5EF4-FFF2-40B4-BE49-F238E27FC236}">
-                <a16:creationId xmlns:a16="http://schemas.microsoft.com/office/drawing/2014/main" id="{3E2B339A-7CBC-4C13-83D3-3129F2DB4561}"/>
-              </a:ext>
-            </a:extLst>
-          </p:cNvPr>
-          <p:cNvCxnSpPr>
-            <a:cxnSpLocks/>
-          </p:cNvCxnSpPr>
-          <p:nvPr/>
-        </p:nvCxnSpPr>
-        <p:spPr>
-          <a:xfrm>
-            <a:off x="6922168" y="4981074"/>
-            <a:ext cx="0" cy="745957"/>
-          </a:xfrm>
-          <a:prstGeom prst="line">
-            <a:avLst/>
-          </a:prstGeom>
-          <a:ln w="28575">
-            <a:solidFill>
-              <a:srgbClr val="FF0000"/>
-            </a:solidFill>
-          </a:ln>
-        </p:spPr>
-        <p:style>
-          <a:lnRef idx="1">
-            <a:schemeClr val="accent1"/>
-          </a:lnRef>
-          <a:fillRef idx="0">
-            <a:schemeClr val="accent1"/>
-          </a:fillRef>
-          <a:effectRef idx="0">
-            <a:schemeClr val="accent1"/>
-          </a:effectRef>
-          <a:fontRef idx="minor">
-            <a:schemeClr val="tx1"/>
-          </a:fontRef>
-        </p:style>
-      </p:cxnSp>
-      <p:cxnSp>
-        <p:nvCxnSpPr>
-          <p:cNvPr id="17" name="Straight Connector 16">
-            <a:extLst>
-              <a:ext uri="{FF2B5EF4-FFF2-40B4-BE49-F238E27FC236}">
-                <a16:creationId xmlns:a16="http://schemas.microsoft.com/office/drawing/2014/main" id="{F3FC9DC6-C99C-4B66-BD0A-DE6D40A5FFBC}"/>
-              </a:ext>
-            </a:extLst>
-          </p:cNvPr>
-          <p:cNvCxnSpPr>
-            <a:cxnSpLocks/>
-          </p:cNvCxnSpPr>
-          <p:nvPr/>
-        </p:nvCxnSpPr>
-        <p:spPr>
-          <a:xfrm>
-            <a:off x="6922168" y="5696952"/>
-            <a:ext cx="1764632" cy="18048"/>
-          </a:xfrm>
-          <a:prstGeom prst="line">
-            <a:avLst/>
-          </a:prstGeom>
-          <a:ln w="28575">
-            <a:solidFill>
-              <a:srgbClr val="FF0000"/>
-            </a:solidFill>
-          </a:ln>
-        </p:spPr>
-        <p:style>
-          <a:lnRef idx="1">
-            <a:schemeClr val="accent1"/>
-          </a:lnRef>
-          <a:fillRef idx="0">
-            <a:schemeClr val="accent1"/>
-          </a:fillRef>
-          <a:effectRef idx="0">
-            <a:schemeClr val="accent1"/>
-          </a:effectRef>
-          <a:fontRef idx="minor">
-            <a:schemeClr val="tx1"/>
-          </a:fontRef>
-        </p:style>
-      </p:cxnSp>
+      <p:sp>
+        <p:nvSpPr>
+          <p:cNvPr id="13" name="Flowchart: Connector 12">
+            <a:extLst>
+              <a:ext uri="{FF2B5EF4-FFF2-40B4-BE49-F238E27FC236}">
+                <a16:creationId xmlns:a16="http://schemas.microsoft.com/office/drawing/2014/main" id="{81428B17-6BFE-4FEC-A70E-DF422F74D6FD}"/>
+              </a:ext>
+            </a:extLst>
+          </p:cNvPr>
+          <p:cNvSpPr/>
+          <p:nvPr/>
+        </p:nvSpPr>
+        <p:spPr>
+          <a:xfrm>
+            <a:off x="3833488" y="4618638"/>
+            <a:ext cx="87481" cy="87481"/>
+          </a:xfrm>
+          <a:prstGeom prst="flowChartConnector">
+            <a:avLst/>
+          </a:prstGeom>
+          <a:solidFill>
+            <a:schemeClr val="tx1"/>
+          </a:solidFill>
+        </p:spPr>
+        <p:style>
+          <a:lnRef idx="2">
+            <a:schemeClr val="accent1">
+              <a:shade val="50000"/>
+            </a:schemeClr>
+          </a:lnRef>
+          <a:fillRef idx="1">
+            <a:schemeClr val="accent1"/>
+          </a:fillRef>
+          <a:effectRef idx="0">
+            <a:schemeClr val="accent1"/>
+          </a:effectRef>
+          <a:fontRef idx="minor">
+            <a:schemeClr val="lt1"/>
+          </a:fontRef>
+        </p:style>
+        <p:txBody>
+          <a:bodyPr rtlCol="0" anchor="ctr"/>
+          <a:lstStyle/>
+          <a:p>
+            <a:pPr algn="ctr"/>
+            <a:endParaRPr lang="en-US"/>
+          </a:p>
+        </p:txBody>
+      </p:sp>
+      <p:sp>
+        <p:nvSpPr>
+          <p:cNvPr id="14" name="Flowchart: Connector 13">
+            <a:extLst>
+              <a:ext uri="{FF2B5EF4-FFF2-40B4-BE49-F238E27FC236}">
+                <a16:creationId xmlns:a16="http://schemas.microsoft.com/office/drawing/2014/main" id="{D4BE14EC-28D3-48F9-8C28-C0BDB3F12A82}"/>
+              </a:ext>
+            </a:extLst>
+          </p:cNvPr>
+          <p:cNvSpPr/>
+          <p:nvPr/>
+        </p:nvSpPr>
+        <p:spPr>
+          <a:xfrm>
+            <a:off x="3306991" y="4193394"/>
+            <a:ext cx="87481" cy="87481"/>
+          </a:xfrm>
+          <a:prstGeom prst="flowChartConnector">
+            <a:avLst/>
+          </a:prstGeom>
+          <a:solidFill>
+            <a:schemeClr val="tx1"/>
+          </a:solidFill>
+        </p:spPr>
+        <p:style>
+          <a:lnRef idx="2">
+            <a:schemeClr val="accent1">
+              <a:shade val="50000"/>
+            </a:schemeClr>
+          </a:lnRef>
+          <a:fillRef idx="1">
+            <a:schemeClr val="accent1"/>
+          </a:fillRef>
+          <a:effectRef idx="0">
+            <a:schemeClr val="accent1"/>
+          </a:effectRef>
+          <a:fontRef idx="minor">
+            <a:schemeClr val="lt1"/>
+          </a:fontRef>
+        </p:style>
+        <p:txBody>
+          <a:bodyPr rtlCol="0" anchor="ctr"/>
+          <a:lstStyle/>
+          <a:p>
+            <a:pPr algn="ctr"/>
+            <a:endParaRPr lang="en-US"/>
+          </a:p>
+        </p:txBody>
+      </p:sp>
+      <p:sp>
+        <p:nvSpPr>
+          <p:cNvPr id="15" name="Flowchart: Connector 14">
+            <a:extLst>
+              <a:ext uri="{FF2B5EF4-FFF2-40B4-BE49-F238E27FC236}">
+                <a16:creationId xmlns:a16="http://schemas.microsoft.com/office/drawing/2014/main" id="{D233DAAC-0969-4074-8950-F9207213E7F5}"/>
+              </a:ext>
+            </a:extLst>
+          </p:cNvPr>
+          <p:cNvSpPr/>
+          <p:nvPr/>
+        </p:nvSpPr>
+        <p:spPr>
+          <a:xfrm>
+            <a:off x="4008934" y="4193393"/>
+            <a:ext cx="87481" cy="87481"/>
+          </a:xfrm>
+          <a:prstGeom prst="flowChartConnector">
+            <a:avLst/>
+          </a:prstGeom>
+          <a:solidFill>
+            <a:schemeClr val="tx1"/>
+          </a:solidFill>
+        </p:spPr>
+        <p:style>
+          <a:lnRef idx="2">
+            <a:schemeClr val="accent1">
+              <a:shade val="50000"/>
+            </a:schemeClr>
+          </a:lnRef>
+          <a:fillRef idx="1">
+            <a:schemeClr val="accent1"/>
+          </a:fillRef>
+          <a:effectRef idx="0">
+            <a:schemeClr val="accent1"/>
+          </a:effectRef>
+          <a:fontRef idx="minor">
+            <a:schemeClr val="lt1"/>
+          </a:fontRef>
+        </p:style>
+        <p:txBody>
+          <a:bodyPr rtlCol="0" anchor="ctr"/>
+          <a:lstStyle/>
+          <a:p>
+            <a:pPr algn="ctr"/>
+            <a:endParaRPr lang="en-US"/>
+          </a:p>
+        </p:txBody>
+      </p:sp>
+      <p:sp>
+        <p:nvSpPr>
+          <p:cNvPr id="16" name="Flowchart: Connector 15">
+            <a:extLst>
+              <a:ext uri="{FF2B5EF4-FFF2-40B4-BE49-F238E27FC236}">
+                <a16:creationId xmlns:a16="http://schemas.microsoft.com/office/drawing/2014/main" id="{2ECCFB15-E59B-47AD-95D6-3F27FC2D9F62}"/>
+              </a:ext>
+            </a:extLst>
+          </p:cNvPr>
+          <p:cNvSpPr/>
+          <p:nvPr/>
+        </p:nvSpPr>
+        <p:spPr>
+          <a:xfrm>
+            <a:off x="4308172" y="4193392"/>
+            <a:ext cx="87481" cy="87481"/>
+          </a:xfrm>
+          <a:prstGeom prst="flowChartConnector">
+            <a:avLst/>
+          </a:prstGeom>
+          <a:solidFill>
+            <a:schemeClr val="tx1"/>
+          </a:solidFill>
+        </p:spPr>
+        <p:style>
+          <a:lnRef idx="2">
+            <a:schemeClr val="accent1">
+              <a:shade val="50000"/>
+            </a:schemeClr>
+          </a:lnRef>
+          <a:fillRef idx="1">
+            <a:schemeClr val="accent1"/>
+          </a:fillRef>
+          <a:effectRef idx="0">
+            <a:schemeClr val="accent1"/>
+          </a:effectRef>
+          <a:fontRef idx="minor">
+            <a:schemeClr val="lt1"/>
+          </a:fontRef>
+        </p:style>
+        <p:txBody>
+          <a:bodyPr rtlCol="0" anchor="ctr"/>
+          <a:lstStyle/>
+          <a:p>
+            <a:pPr algn="ctr"/>
+            <a:endParaRPr lang="en-US"/>
+          </a:p>
+        </p:txBody>
+      </p:sp>
       <p:cxnSp>
         <p:nvCxnSpPr>
           <p:cNvPr id="18" name="Straight Connector 17">
             <a:extLst>
               <a:ext uri="{FF2B5EF4-FFF2-40B4-BE49-F238E27FC236}">
-                <a16:creationId xmlns:a16="http://schemas.microsoft.com/office/drawing/2014/main" id="{D903D7DE-B4EB-416C-A4F1-26DA99A7EC32}"/>
+                <a16:creationId xmlns:a16="http://schemas.microsoft.com/office/drawing/2014/main" id="{9B02F34A-2B07-4144-B2AE-5CBEBF1736ED}"/>
               </a:ext>
             </a:extLst>
           </p:cNvPr>
           <p:cNvCxnSpPr>
-            <a:cxnSpLocks/>
+            <a:stCxn id="12" idx="3"/>
+            <a:endCxn id="11" idx="7"/>
           </p:cNvCxnSpPr>
           <p:nvPr/>
         </p:nvCxnSpPr>
         <p:spPr>
           <a:xfrm>
-            <a:off x="3481137" y="5687928"/>
-            <a:ext cx="1764632" cy="18048"/>
+            <a:off x="3040535" y="4268063"/>
+            <a:ext cx="546172" cy="363385"/>
           </a:xfrm>
           <a:prstGeom prst="line">
             <a:avLst/>
           </a:prstGeom>
-          <a:ln w="28575">
-            <a:solidFill>
-              <a:srgbClr val="FF0000"/>
-            </a:solidFill>
-          </a:ln>
         </p:spPr>
         <p:style>
           <a:lnRef idx="1">
@@ -13911,28 +14047,24 @@
           <p:cNvPr id="19" name="Straight Connector 18">
             <a:extLst>
               <a:ext uri="{FF2B5EF4-FFF2-40B4-BE49-F238E27FC236}">
-                <a16:creationId xmlns:a16="http://schemas.microsoft.com/office/drawing/2014/main" id="{833C46F9-6CB9-468E-A7F7-5F069CBC065B}"/>
+                <a16:creationId xmlns:a16="http://schemas.microsoft.com/office/drawing/2014/main" id="{EEAA3D3D-0BC9-4E2B-9075-D834D3724580}"/>
               </a:ext>
             </a:extLst>
           </p:cNvPr>
           <p:cNvCxnSpPr>
             <a:cxnSpLocks/>
+            <a:endCxn id="13" idx="1"/>
           </p:cNvCxnSpPr>
           <p:nvPr/>
         </p:nvCxnSpPr>
         <p:spPr>
           <a:xfrm>
-            <a:off x="5261810" y="4908885"/>
-            <a:ext cx="0" cy="806115"/>
+            <a:off x="3586707" y="4631448"/>
+            <a:ext cx="259592" cy="1"/>
           </a:xfrm>
           <a:prstGeom prst="line">
             <a:avLst/>
           </a:prstGeom>
-          <a:ln w="28575">
-            <a:solidFill>
-              <a:srgbClr val="FF0000"/>
-            </a:solidFill>
-          </a:ln>
         </p:spPr>
         <p:style>
           <a:lnRef idx="1">
@@ -13951,31 +14083,27 @@
       </p:cxnSp>
       <p:cxnSp>
         <p:nvCxnSpPr>
-          <p:cNvPr id="20" name="Straight Connector 19">
-            <a:extLst>
-              <a:ext uri="{FF2B5EF4-FFF2-40B4-BE49-F238E27FC236}">
-                <a16:creationId xmlns:a16="http://schemas.microsoft.com/office/drawing/2014/main" id="{D9036C40-D3A3-4842-A251-0712B66ECE00}"/>
+          <p:cNvPr id="21" name="Straight Connector 20">
+            <a:extLst>
+              <a:ext uri="{FF2B5EF4-FFF2-40B4-BE49-F238E27FC236}">
+                <a16:creationId xmlns:a16="http://schemas.microsoft.com/office/drawing/2014/main" id="{09B997F0-AF6F-4030-BF01-7ADD88CC0936}"/>
               </a:ext>
             </a:extLst>
           </p:cNvPr>
           <p:cNvCxnSpPr>
             <a:cxnSpLocks/>
+            <a:endCxn id="16" idx="0"/>
           </p:cNvCxnSpPr>
           <p:nvPr/>
         </p:nvCxnSpPr>
         <p:spPr>
-          <a:xfrm>
-            <a:off x="3481137" y="4703345"/>
-            <a:ext cx="0" cy="984583"/>
+          <a:xfrm flipV="1">
+            <a:off x="3881853" y="4193392"/>
+            <a:ext cx="470060" cy="457874"/>
           </a:xfrm>
           <a:prstGeom prst="line">
             <a:avLst/>
           </a:prstGeom>
-          <a:ln w="28575">
-            <a:solidFill>
-              <a:srgbClr val="FF0000"/>
-            </a:solidFill>
-          </a:ln>
         </p:spPr>
         <p:style>
           <a:lnRef idx="1">
@@ -13994,32 +14122,141 @@
       </p:cxnSp>
       <p:cxnSp>
         <p:nvCxnSpPr>
-          <p:cNvPr id="21" name="Straight Arrow Connector 20">
-            <a:extLst>
-              <a:ext uri="{FF2B5EF4-FFF2-40B4-BE49-F238E27FC236}">
-                <a16:creationId xmlns:a16="http://schemas.microsoft.com/office/drawing/2014/main" id="{95B75201-8236-43B6-BE64-0EADDBF2F825}"/>
+          <p:cNvPr id="23" name="Straight Connector 22">
+            <a:extLst>
+              <a:ext uri="{FF2B5EF4-FFF2-40B4-BE49-F238E27FC236}">
+                <a16:creationId xmlns:a16="http://schemas.microsoft.com/office/drawing/2014/main" id="{0F95E062-1A8B-4F73-B555-3FD1423C2FB5}"/>
               </a:ext>
             </a:extLst>
           </p:cNvPr>
           <p:cNvCxnSpPr>
             <a:cxnSpLocks/>
+            <a:stCxn id="14" idx="6"/>
           </p:cNvCxnSpPr>
           <p:nvPr/>
         </p:nvCxnSpPr>
         <p:spPr>
+          <a:xfrm>
+            <a:off x="3394472" y="4237135"/>
+            <a:ext cx="670010" cy="4874"/>
+          </a:xfrm>
+          <a:prstGeom prst="line">
+            <a:avLst/>
+          </a:prstGeom>
+        </p:spPr>
+        <p:style>
+          <a:lnRef idx="1">
+            <a:schemeClr val="accent1"/>
+          </a:lnRef>
+          <a:fillRef idx="0">
+            <a:schemeClr val="accent1"/>
+          </a:fillRef>
+          <a:effectRef idx="0">
+            <a:schemeClr val="accent1"/>
+          </a:effectRef>
+          <a:fontRef idx="minor">
+            <a:schemeClr val="tx1"/>
+          </a:fontRef>
+        </p:style>
+      </p:cxnSp>
+      <p:cxnSp>
+        <p:nvCxnSpPr>
+          <p:cNvPr id="26" name="Straight Connector 25">
+            <a:extLst>
+              <a:ext uri="{FF2B5EF4-FFF2-40B4-BE49-F238E27FC236}">
+                <a16:creationId xmlns:a16="http://schemas.microsoft.com/office/drawing/2014/main" id="{93A5F35B-8960-4375-87EF-8A6169541462}"/>
+              </a:ext>
+            </a:extLst>
+          </p:cNvPr>
+          <p:cNvCxnSpPr>
+            <a:cxnSpLocks/>
+            <a:stCxn id="5" idx="4"/>
+          </p:cNvCxnSpPr>
+          <p:nvPr/>
+        </p:nvCxnSpPr>
+        <p:spPr>
+          <a:xfrm>
+            <a:off x="5946946" y="4280874"/>
+            <a:ext cx="502431" cy="381503"/>
+          </a:xfrm>
+          <a:prstGeom prst="line">
+            <a:avLst/>
+          </a:prstGeom>
+        </p:spPr>
+        <p:style>
+          <a:lnRef idx="1">
+            <a:schemeClr val="accent1"/>
+          </a:lnRef>
+          <a:fillRef idx="0">
+            <a:schemeClr val="accent1"/>
+          </a:fillRef>
+          <a:effectRef idx="0">
+            <a:schemeClr val="accent1"/>
+          </a:effectRef>
+          <a:fontRef idx="minor">
+            <a:schemeClr val="tx1"/>
+          </a:fontRef>
+        </p:style>
+      </p:cxnSp>
+      <p:cxnSp>
+        <p:nvCxnSpPr>
+          <p:cNvPr id="28" name="Straight Connector 27">
+            <a:extLst>
+              <a:ext uri="{FF2B5EF4-FFF2-40B4-BE49-F238E27FC236}">
+                <a16:creationId xmlns:a16="http://schemas.microsoft.com/office/drawing/2014/main" id="{3F8C77C7-E4B8-4493-913D-BDB816FFD7E5}"/>
+              </a:ext>
+            </a:extLst>
+          </p:cNvPr>
+          <p:cNvCxnSpPr/>
+          <p:nvPr/>
+        </p:nvCxnSpPr>
+        <p:spPr>
+          <a:xfrm>
+            <a:off x="6226212" y="4287881"/>
+            <a:ext cx="546172" cy="363385"/>
+          </a:xfrm>
+          <a:prstGeom prst="line">
+            <a:avLst/>
+          </a:prstGeom>
+        </p:spPr>
+        <p:style>
+          <a:lnRef idx="1">
+            <a:schemeClr val="accent1"/>
+          </a:lnRef>
+          <a:fillRef idx="0">
+            <a:schemeClr val="accent1"/>
+          </a:fillRef>
+          <a:effectRef idx="0">
+            <a:schemeClr val="accent1"/>
+          </a:effectRef>
+          <a:fontRef idx="minor">
+            <a:schemeClr val="tx1"/>
+          </a:fontRef>
+        </p:style>
+      </p:cxnSp>
+      <p:cxnSp>
+        <p:nvCxnSpPr>
+          <p:cNvPr id="29" name="Straight Connector 28">
+            <a:extLst>
+              <a:ext uri="{FF2B5EF4-FFF2-40B4-BE49-F238E27FC236}">
+                <a16:creationId xmlns:a16="http://schemas.microsoft.com/office/drawing/2014/main" id="{794A4043-BA40-4EE0-8593-17F474ECC38C}"/>
+              </a:ext>
+            </a:extLst>
+          </p:cNvPr>
+          <p:cNvCxnSpPr>
+            <a:cxnSpLocks/>
+            <a:endCxn id="6" idx="1"/>
+          </p:cNvCxnSpPr>
+          <p:nvPr/>
+        </p:nvCxnSpPr>
+        <p:spPr>
           <a:xfrm flipV="1">
-            <a:off x="5909510" y="4767920"/>
-            <a:ext cx="469232" cy="802104"/>
-          </a:xfrm>
-          <a:prstGeom prst="straightConnector1">
-            <a:avLst/>
-          </a:prstGeom>
-          <a:ln>
-            <a:solidFill>
-              <a:srgbClr val="FF0000"/>
-            </a:solidFill>
-            <a:tailEnd type="triangle"/>
-          </a:ln>
+            <a:off x="6448078" y="4631449"/>
+            <a:ext cx="273702" cy="12620"/>
+          </a:xfrm>
+          <a:prstGeom prst="line">
+            <a:avLst/>
+          </a:prstGeom>
         </p:spPr>
         <p:style>
           <a:lnRef idx="1">
@@ -14036,12 +14273,51 @@
           </a:fontRef>
         </p:style>
       </p:cxnSp>
-      <p:sp>
-        <p:nvSpPr>
-          <p:cNvPr id="22" name="Flowchart: Connector 21">
-            <a:extLst>
-              <a:ext uri="{FF2B5EF4-FFF2-40B4-BE49-F238E27FC236}">
-                <a16:creationId xmlns:a16="http://schemas.microsoft.com/office/drawing/2014/main" id="{7FF80C5B-7BAB-4B9F-AB7B-63643B3B9068}"/>
+      <p:cxnSp>
+        <p:nvCxnSpPr>
+          <p:cNvPr id="31" name="Straight Connector 30">
+            <a:extLst>
+              <a:ext uri="{FF2B5EF4-FFF2-40B4-BE49-F238E27FC236}">
+                <a16:creationId xmlns:a16="http://schemas.microsoft.com/office/drawing/2014/main" id="{6D082CA8-3890-45FA-9E4A-D0618CEBB78E}"/>
+              </a:ext>
+            </a:extLst>
+          </p:cNvPr>
+          <p:cNvCxnSpPr>
+            <a:cxnSpLocks/>
+            <a:endCxn id="10" idx="4"/>
+          </p:cNvCxnSpPr>
+          <p:nvPr/>
+        </p:nvCxnSpPr>
+        <p:spPr>
+          <a:xfrm>
+            <a:off x="6904386" y="4256253"/>
+            <a:ext cx="323008" cy="24620"/>
+          </a:xfrm>
+          <a:prstGeom prst="line">
+            <a:avLst/>
+          </a:prstGeom>
+        </p:spPr>
+        <p:style>
+          <a:lnRef idx="1">
+            <a:schemeClr val="accent1"/>
+          </a:lnRef>
+          <a:fillRef idx="0">
+            <a:schemeClr val="accent1"/>
+          </a:fillRef>
+          <a:effectRef idx="0">
+            <a:schemeClr val="accent1"/>
+          </a:effectRef>
+          <a:fontRef idx="minor">
+            <a:schemeClr val="tx1"/>
+          </a:fontRef>
+        </p:style>
+      </p:cxnSp>
+      <p:sp>
+        <p:nvSpPr>
+          <p:cNvPr id="34" name="Flowchart: Connector 33">
+            <a:extLst>
+              <a:ext uri="{FF2B5EF4-FFF2-40B4-BE49-F238E27FC236}">
+                <a16:creationId xmlns:a16="http://schemas.microsoft.com/office/drawing/2014/main" id="{7282254D-63A5-44EB-9E17-BDA489F3D78A}"/>
               </a:ext>
             </a:extLst>
           </p:cNvPr>
@@ -14050,7 +14326,7 @@
         </p:nvSpPr>
         <p:spPr>
           <a:xfrm>
-            <a:off x="3796528" y="3447141"/>
+            <a:off x="9350964" y="4631447"/>
             <a:ext cx="87481" cy="87481"/>
           </a:xfrm>
           <a:prstGeom prst="flowChartConnector">
@@ -14087,10 +14363,10 @@
       </p:sp>
       <p:sp>
         <p:nvSpPr>
-          <p:cNvPr id="23" name="Flowchart: Connector 22">
-            <a:extLst>
-              <a:ext uri="{FF2B5EF4-FFF2-40B4-BE49-F238E27FC236}">
-                <a16:creationId xmlns:a16="http://schemas.microsoft.com/office/drawing/2014/main" id="{53905E9C-B92E-4519-846E-0B1C7784381D}"/>
+          <p:cNvPr id="35" name="Flowchart: Connector 34">
+            <a:extLst>
+              <a:ext uri="{FF2B5EF4-FFF2-40B4-BE49-F238E27FC236}">
+                <a16:creationId xmlns:a16="http://schemas.microsoft.com/office/drawing/2014/main" id="{74E75941-B622-471E-BEC0-22A4E673910E}"/>
               </a:ext>
             </a:extLst>
           </p:cNvPr>
@@ -14099,7 +14375,7 @@
         </p:nvSpPr>
         <p:spPr>
           <a:xfrm>
-            <a:off x="3796528" y="3689872"/>
+            <a:off x="8866651" y="4206203"/>
             <a:ext cx="87481" cy="87481"/>
           </a:xfrm>
           <a:prstGeom prst="flowChartConnector">
@@ -14136,10 +14412,10 @@
       </p:sp>
       <p:sp>
         <p:nvSpPr>
-          <p:cNvPr id="24" name="Flowchart: Connector 23">
-            <a:extLst>
-              <a:ext uri="{FF2B5EF4-FFF2-40B4-BE49-F238E27FC236}">
-                <a16:creationId xmlns:a16="http://schemas.microsoft.com/office/drawing/2014/main" id="{49C68846-D1FE-4810-A1BA-46CC0F0949F6}"/>
+          <p:cNvPr id="36" name="Flowchart: Connector 35">
+            <a:extLst>
+              <a:ext uri="{FF2B5EF4-FFF2-40B4-BE49-F238E27FC236}">
+                <a16:creationId xmlns:a16="http://schemas.microsoft.com/office/drawing/2014/main" id="{1BD6A495-D2EC-400A-B561-B394FC6BE476}"/>
               </a:ext>
             </a:extLst>
           </p:cNvPr>
@@ -14148,7 +14424,7 @@
         </p:nvSpPr>
         <p:spPr>
           <a:xfrm>
-            <a:off x="3796528" y="3932603"/>
+            <a:off x="9672415" y="4631448"/>
             <a:ext cx="87481" cy="87481"/>
           </a:xfrm>
           <a:prstGeom prst="flowChartConnector">
@@ -14185,10 +14461,10 @@
       </p:sp>
       <p:sp>
         <p:nvSpPr>
-          <p:cNvPr id="25" name="Flowchart: Connector 24">
-            <a:extLst>
-              <a:ext uri="{FF2B5EF4-FFF2-40B4-BE49-F238E27FC236}">
-                <a16:creationId xmlns:a16="http://schemas.microsoft.com/office/drawing/2014/main" id="{847697BA-BC12-406E-A162-B05D4C7810E8}"/>
+          <p:cNvPr id="37" name="Flowchart: Connector 36">
+            <a:extLst>
+              <a:ext uri="{FF2B5EF4-FFF2-40B4-BE49-F238E27FC236}">
+                <a16:creationId xmlns:a16="http://schemas.microsoft.com/office/drawing/2014/main" id="{2EFE6FB9-9758-4976-89F9-4D6B1C8E7396}"/>
               </a:ext>
             </a:extLst>
           </p:cNvPr>
@@ -14197,7 +14473,7 @@
         </p:nvSpPr>
         <p:spPr>
           <a:xfrm>
-            <a:off x="3796528" y="4175335"/>
+            <a:off x="9145918" y="4206204"/>
             <a:ext cx="87481" cy="87481"/>
           </a:xfrm>
           <a:prstGeom prst="flowChartConnector">
@@ -14234,10 +14510,10 @@
       </p:sp>
       <p:sp>
         <p:nvSpPr>
-          <p:cNvPr id="26" name="Flowchart: Connector 25">
-            <a:extLst>
-              <a:ext uri="{FF2B5EF4-FFF2-40B4-BE49-F238E27FC236}">
-                <a16:creationId xmlns:a16="http://schemas.microsoft.com/office/drawing/2014/main" id="{F684640B-DC4A-47A4-9CD6-1DF58361DEEC}"/>
+          <p:cNvPr id="38" name="Flowchart: Connector 37">
+            <a:extLst>
+              <a:ext uri="{FF2B5EF4-FFF2-40B4-BE49-F238E27FC236}">
+                <a16:creationId xmlns:a16="http://schemas.microsoft.com/office/drawing/2014/main" id="{91C2DDFF-2748-471C-B109-E26A8B49EAA0}"/>
               </a:ext>
             </a:extLst>
           </p:cNvPr>
@@ -14246,7 +14522,7 @@
         </p:nvSpPr>
         <p:spPr>
           <a:xfrm>
-            <a:off x="3796528" y="3204410"/>
+            <a:off x="9847861" y="4206203"/>
             <a:ext cx="87481" cy="87481"/>
           </a:xfrm>
           <a:prstGeom prst="flowChartConnector">
@@ -14283,10 +14559,10 @@
       </p:sp>
       <p:sp>
         <p:nvSpPr>
-          <p:cNvPr id="27" name="Flowchart: Connector 26">
-            <a:extLst>
-              <a:ext uri="{FF2B5EF4-FFF2-40B4-BE49-F238E27FC236}">
-                <a16:creationId xmlns:a16="http://schemas.microsoft.com/office/drawing/2014/main" id="{21ED731B-3DD9-43C2-8C6C-87CF6E041F18}"/>
+          <p:cNvPr id="39" name="Flowchart: Connector 38">
+            <a:extLst>
+              <a:ext uri="{FF2B5EF4-FFF2-40B4-BE49-F238E27FC236}">
+                <a16:creationId xmlns:a16="http://schemas.microsoft.com/office/drawing/2014/main" id="{EE0D16FE-26A1-448F-9274-953AFC95DD94}"/>
               </a:ext>
             </a:extLst>
           </p:cNvPr>
@@ -14295,7 +14571,7 @@
         </p:nvSpPr>
         <p:spPr>
           <a:xfrm>
-            <a:off x="5158288" y="3447141"/>
+            <a:off x="10147099" y="4206202"/>
             <a:ext cx="87481" cy="87481"/>
           </a:xfrm>
           <a:prstGeom prst="flowChartConnector">
@@ -14330,12 +14606,167 @@
           </a:p>
         </p:txBody>
       </p:sp>
-      <p:sp>
-        <p:nvSpPr>
-          <p:cNvPr id="28" name="Flowchart: Connector 27">
-            <a:extLst>
-              <a:ext uri="{FF2B5EF4-FFF2-40B4-BE49-F238E27FC236}">
-                <a16:creationId xmlns:a16="http://schemas.microsoft.com/office/drawing/2014/main" id="{FEC498CC-89A3-41CC-89D2-DFF0442F4C05}"/>
+      <p:cxnSp>
+        <p:nvCxnSpPr>
+          <p:cNvPr id="40" name="Straight Connector 39">
+            <a:extLst>
+              <a:ext uri="{FF2B5EF4-FFF2-40B4-BE49-F238E27FC236}">
+                <a16:creationId xmlns:a16="http://schemas.microsoft.com/office/drawing/2014/main" id="{CF1675FF-7F5C-4F6F-8497-0874BB8E4802}"/>
+              </a:ext>
+            </a:extLst>
+          </p:cNvPr>
+          <p:cNvCxnSpPr>
+            <a:cxnSpLocks/>
+            <a:stCxn id="38" idx="6"/>
+          </p:cNvCxnSpPr>
+          <p:nvPr/>
+        </p:nvCxnSpPr>
+        <p:spPr>
+          <a:xfrm flipH="1">
+            <a:off x="9412824" y="4249944"/>
+            <a:ext cx="522518" cy="425243"/>
+          </a:xfrm>
+          <a:prstGeom prst="line">
+            <a:avLst/>
+          </a:prstGeom>
+        </p:spPr>
+        <p:style>
+          <a:lnRef idx="1">
+            <a:schemeClr val="accent1"/>
+          </a:lnRef>
+          <a:fillRef idx="0">
+            <a:schemeClr val="accent1"/>
+          </a:fillRef>
+          <a:effectRef idx="0">
+            <a:schemeClr val="accent1"/>
+          </a:effectRef>
+          <a:fontRef idx="minor">
+            <a:schemeClr val="tx1"/>
+          </a:fontRef>
+        </p:style>
+      </p:cxnSp>
+      <p:cxnSp>
+        <p:nvCxnSpPr>
+          <p:cNvPr id="41" name="Straight Connector 40">
+            <a:extLst>
+              <a:ext uri="{FF2B5EF4-FFF2-40B4-BE49-F238E27FC236}">
+                <a16:creationId xmlns:a16="http://schemas.microsoft.com/office/drawing/2014/main" id="{333A227F-CBB1-4E6D-A4B2-E7A37C7749D0}"/>
+              </a:ext>
+            </a:extLst>
+          </p:cNvPr>
+          <p:cNvCxnSpPr>
+            <a:cxnSpLocks/>
+            <a:stCxn id="39" idx="4"/>
+          </p:cNvCxnSpPr>
+          <p:nvPr/>
+        </p:nvCxnSpPr>
+        <p:spPr>
+          <a:xfrm flipH="1">
+            <a:off x="9735830" y="4293683"/>
+            <a:ext cx="455010" cy="370393"/>
+          </a:xfrm>
+          <a:prstGeom prst="line">
+            <a:avLst/>
+          </a:prstGeom>
+        </p:spPr>
+        <p:style>
+          <a:lnRef idx="1">
+            <a:schemeClr val="accent1"/>
+          </a:lnRef>
+          <a:fillRef idx="0">
+            <a:schemeClr val="accent1"/>
+          </a:fillRef>
+          <a:effectRef idx="0">
+            <a:schemeClr val="accent1"/>
+          </a:effectRef>
+          <a:fontRef idx="minor">
+            <a:schemeClr val="tx1"/>
+          </a:fontRef>
+        </p:style>
+      </p:cxnSp>
+      <p:cxnSp>
+        <p:nvCxnSpPr>
+          <p:cNvPr id="42" name="Straight Connector 41">
+            <a:extLst>
+              <a:ext uri="{FF2B5EF4-FFF2-40B4-BE49-F238E27FC236}">
+                <a16:creationId xmlns:a16="http://schemas.microsoft.com/office/drawing/2014/main" id="{0A6DE9D5-8260-4CDE-8EB5-7D125E1FE30E}"/>
+              </a:ext>
+            </a:extLst>
+          </p:cNvPr>
+          <p:cNvCxnSpPr>
+            <a:cxnSpLocks/>
+            <a:endCxn id="36" idx="1"/>
+          </p:cNvCxnSpPr>
+          <p:nvPr/>
+        </p:nvCxnSpPr>
+        <p:spPr>
+          <a:xfrm flipV="1">
+            <a:off x="9411524" y="4644259"/>
+            <a:ext cx="273702" cy="12620"/>
+          </a:xfrm>
+          <a:prstGeom prst="line">
+            <a:avLst/>
+          </a:prstGeom>
+        </p:spPr>
+        <p:style>
+          <a:lnRef idx="1">
+            <a:schemeClr val="accent1"/>
+          </a:lnRef>
+          <a:fillRef idx="0">
+            <a:schemeClr val="accent1"/>
+          </a:fillRef>
+          <a:effectRef idx="0">
+            <a:schemeClr val="accent1"/>
+          </a:effectRef>
+          <a:fontRef idx="minor">
+            <a:schemeClr val="tx1"/>
+          </a:fontRef>
+        </p:style>
+      </p:cxnSp>
+      <p:cxnSp>
+        <p:nvCxnSpPr>
+          <p:cNvPr id="43" name="Straight Connector 42">
+            <a:extLst>
+              <a:ext uri="{FF2B5EF4-FFF2-40B4-BE49-F238E27FC236}">
+                <a16:creationId xmlns:a16="http://schemas.microsoft.com/office/drawing/2014/main" id="{112F390C-B674-44C2-8E29-A5F3B7ABFB5E}"/>
+              </a:ext>
+            </a:extLst>
+          </p:cNvPr>
+          <p:cNvCxnSpPr>
+            <a:cxnSpLocks/>
+          </p:cNvCxnSpPr>
+          <p:nvPr/>
+        </p:nvCxnSpPr>
+        <p:spPr>
+          <a:xfrm>
+            <a:off x="8857129" y="4234480"/>
+            <a:ext cx="365822" cy="5303"/>
+          </a:xfrm>
+          <a:prstGeom prst="line">
+            <a:avLst/>
+          </a:prstGeom>
+        </p:spPr>
+        <p:style>
+          <a:lnRef idx="1">
+            <a:schemeClr val="accent1"/>
+          </a:lnRef>
+          <a:fillRef idx="0">
+            <a:schemeClr val="accent1"/>
+          </a:fillRef>
+          <a:effectRef idx="0">
+            <a:schemeClr val="accent1"/>
+          </a:effectRef>
+          <a:fontRef idx="minor">
+            <a:schemeClr val="tx1"/>
+          </a:fontRef>
+        </p:style>
+      </p:cxnSp>
+      <p:sp>
+        <p:nvSpPr>
+          <p:cNvPr id="47" name="Flowchart: Connector 46">
+            <a:extLst>
+              <a:ext uri="{FF2B5EF4-FFF2-40B4-BE49-F238E27FC236}">
+                <a16:creationId xmlns:a16="http://schemas.microsoft.com/office/drawing/2014/main" id="{86F3C6FB-4E87-438C-A7AB-F5E525D9398E}"/>
               </a:ext>
             </a:extLst>
           </p:cNvPr>
@@ -14344,7 +14775,7 @@
         </p:nvSpPr>
         <p:spPr>
           <a:xfrm>
-            <a:off x="5158288" y="3689872"/>
+            <a:off x="4413242" y="6133222"/>
             <a:ext cx="87481" cy="87481"/>
           </a:xfrm>
           <a:prstGeom prst="flowChartConnector">
@@ -14381,10 +14812,10 @@
       </p:sp>
       <p:sp>
         <p:nvSpPr>
-          <p:cNvPr id="29" name="Flowchart: Connector 28">
-            <a:extLst>
-              <a:ext uri="{FF2B5EF4-FFF2-40B4-BE49-F238E27FC236}">
-                <a16:creationId xmlns:a16="http://schemas.microsoft.com/office/drawing/2014/main" id="{84F328CA-840C-4A94-8123-9EC21E2010C7}"/>
+          <p:cNvPr id="48" name="Flowchart: Connector 47">
+            <a:extLst>
+              <a:ext uri="{FF2B5EF4-FFF2-40B4-BE49-F238E27FC236}">
+                <a16:creationId xmlns:a16="http://schemas.microsoft.com/office/drawing/2014/main" id="{67996ED4-FB36-4812-A709-A04157CB3329}"/>
               </a:ext>
             </a:extLst>
           </p:cNvPr>
@@ -14393,7 +14824,7 @@
         </p:nvSpPr>
         <p:spPr>
           <a:xfrm>
-            <a:off x="5158288" y="3932603"/>
+            <a:off x="3928929" y="5707978"/>
             <a:ext cx="87481" cy="87481"/>
           </a:xfrm>
           <a:prstGeom prst="flowChartConnector">
@@ -14430,10 +14861,10 @@
       </p:sp>
       <p:sp>
         <p:nvSpPr>
-          <p:cNvPr id="30" name="Flowchart: Connector 29">
-            <a:extLst>
-              <a:ext uri="{FF2B5EF4-FFF2-40B4-BE49-F238E27FC236}">
-                <a16:creationId xmlns:a16="http://schemas.microsoft.com/office/drawing/2014/main" id="{33A5E0E9-341F-415D-AF9A-5AC0FFFC893E}"/>
+          <p:cNvPr id="49" name="Flowchart: Connector 48">
+            <a:extLst>
+              <a:ext uri="{FF2B5EF4-FFF2-40B4-BE49-F238E27FC236}">
+                <a16:creationId xmlns:a16="http://schemas.microsoft.com/office/drawing/2014/main" id="{D49A9372-2943-421A-9895-BA9898E50FF0}"/>
               </a:ext>
             </a:extLst>
           </p:cNvPr>
@@ -14442,7 +14873,7 @@
         </p:nvSpPr>
         <p:spPr>
           <a:xfrm>
-            <a:off x="5158288" y="4175335"/>
+            <a:off x="4734693" y="6133223"/>
             <a:ext cx="87481" cy="87481"/>
           </a:xfrm>
           <a:prstGeom prst="flowChartConnector">
@@ -14479,10 +14910,10 @@
       </p:sp>
       <p:sp>
         <p:nvSpPr>
-          <p:cNvPr id="31" name="Flowchart: Connector 30">
-            <a:extLst>
-              <a:ext uri="{FF2B5EF4-FFF2-40B4-BE49-F238E27FC236}">
-                <a16:creationId xmlns:a16="http://schemas.microsoft.com/office/drawing/2014/main" id="{01E52C82-2264-4A2C-9BC7-D9D37DAF536A}"/>
+          <p:cNvPr id="50" name="Flowchart: Connector 49">
+            <a:extLst>
+              <a:ext uri="{FF2B5EF4-FFF2-40B4-BE49-F238E27FC236}">
+                <a16:creationId xmlns:a16="http://schemas.microsoft.com/office/drawing/2014/main" id="{73376DF4-107B-4C02-A8C1-149B34C7C0DA}"/>
               </a:ext>
             </a:extLst>
           </p:cNvPr>
@@ -14491,7 +14922,7 @@
         </p:nvSpPr>
         <p:spPr>
           <a:xfrm>
-            <a:off x="7241568" y="3447141"/>
+            <a:off x="4208196" y="5707979"/>
             <a:ext cx="87481" cy="87481"/>
           </a:xfrm>
           <a:prstGeom prst="flowChartConnector">
@@ -14528,10 +14959,10 @@
       </p:sp>
       <p:sp>
         <p:nvSpPr>
-          <p:cNvPr id="32" name="Flowchart: Connector 31">
-            <a:extLst>
-              <a:ext uri="{FF2B5EF4-FFF2-40B4-BE49-F238E27FC236}">
-                <a16:creationId xmlns:a16="http://schemas.microsoft.com/office/drawing/2014/main" id="{BD381041-2A25-49E6-BD01-B50590840A9F}"/>
+          <p:cNvPr id="51" name="Flowchart: Connector 50">
+            <a:extLst>
+              <a:ext uri="{FF2B5EF4-FFF2-40B4-BE49-F238E27FC236}">
+                <a16:creationId xmlns:a16="http://schemas.microsoft.com/office/drawing/2014/main" id="{89AE7C57-B4CB-449B-86F5-8C5A6846C519}"/>
               </a:ext>
             </a:extLst>
           </p:cNvPr>
@@ -14540,7 +14971,7 @@
         </p:nvSpPr>
         <p:spPr>
           <a:xfrm>
-            <a:off x="7241568" y="3689872"/>
+            <a:off x="4910139" y="5707978"/>
             <a:ext cx="87481" cy="87481"/>
           </a:xfrm>
           <a:prstGeom prst="flowChartConnector">
@@ -14577,10 +15008,10 @@
       </p:sp>
       <p:sp>
         <p:nvSpPr>
-          <p:cNvPr id="33" name="Flowchart: Connector 32">
-            <a:extLst>
-              <a:ext uri="{FF2B5EF4-FFF2-40B4-BE49-F238E27FC236}">
-                <a16:creationId xmlns:a16="http://schemas.microsoft.com/office/drawing/2014/main" id="{E26650FA-BCF5-4F8D-A610-C01FEAA64864}"/>
+          <p:cNvPr id="52" name="Flowchart: Connector 51">
+            <a:extLst>
+              <a:ext uri="{FF2B5EF4-FFF2-40B4-BE49-F238E27FC236}">
+                <a16:creationId xmlns:a16="http://schemas.microsoft.com/office/drawing/2014/main" id="{25C3C864-F7E4-40D0-A104-A18E47A36DE8}"/>
               </a:ext>
             </a:extLst>
           </p:cNvPr>
@@ -14589,7 +15020,7 @@
         </p:nvSpPr>
         <p:spPr>
           <a:xfrm>
-            <a:off x="7241568" y="3932603"/>
+            <a:off x="5209377" y="5707977"/>
             <a:ext cx="87481" cy="87481"/>
           </a:xfrm>
           <a:prstGeom prst="flowChartConnector">
@@ -14624,12 +15055,168 @@
           </a:p>
         </p:txBody>
       </p:sp>
-      <p:sp>
-        <p:nvSpPr>
-          <p:cNvPr id="34" name="Flowchart: Connector 33">
-            <a:extLst>
-              <a:ext uri="{FF2B5EF4-FFF2-40B4-BE49-F238E27FC236}">
-                <a16:creationId xmlns:a16="http://schemas.microsoft.com/office/drawing/2014/main" id="{02B364E6-A821-41B2-BBB5-B57B7186E637}"/>
+      <p:cxnSp>
+        <p:nvCxnSpPr>
+          <p:cNvPr id="53" name="Straight Connector 52">
+            <a:extLst>
+              <a:ext uri="{FF2B5EF4-FFF2-40B4-BE49-F238E27FC236}">
+                <a16:creationId xmlns:a16="http://schemas.microsoft.com/office/drawing/2014/main" id="{F783AF57-FAA5-4BBE-A21B-974302277DDE}"/>
+              </a:ext>
+            </a:extLst>
+          </p:cNvPr>
+          <p:cNvCxnSpPr>
+            <a:cxnSpLocks/>
+            <a:endCxn id="47" idx="7"/>
+          </p:cNvCxnSpPr>
+          <p:nvPr/>
+        </p:nvCxnSpPr>
+        <p:spPr>
+          <a:xfrm>
+            <a:off x="4122379" y="6022697"/>
+            <a:ext cx="365533" cy="123336"/>
+          </a:xfrm>
+          <a:prstGeom prst="line">
+            <a:avLst/>
+          </a:prstGeom>
+        </p:spPr>
+        <p:style>
+          <a:lnRef idx="1">
+            <a:schemeClr val="accent1"/>
+          </a:lnRef>
+          <a:fillRef idx="0">
+            <a:schemeClr val="accent1"/>
+          </a:fillRef>
+          <a:effectRef idx="0">
+            <a:schemeClr val="accent1"/>
+          </a:effectRef>
+          <a:fontRef idx="minor">
+            <a:schemeClr val="tx1"/>
+          </a:fontRef>
+        </p:style>
+      </p:cxnSp>
+      <p:cxnSp>
+        <p:nvCxnSpPr>
+          <p:cNvPr id="54" name="Straight Connector 53">
+            <a:extLst>
+              <a:ext uri="{FF2B5EF4-FFF2-40B4-BE49-F238E27FC236}">
+                <a16:creationId xmlns:a16="http://schemas.microsoft.com/office/drawing/2014/main" id="{B262C3F4-8DC8-4B44-8D04-AA0CE0471073}"/>
+              </a:ext>
+            </a:extLst>
+          </p:cNvPr>
+          <p:cNvCxnSpPr>
+            <a:cxnSpLocks/>
+            <a:endCxn id="49" idx="1"/>
+          </p:cNvCxnSpPr>
+          <p:nvPr/>
+        </p:nvCxnSpPr>
+        <p:spPr>
+          <a:xfrm>
+            <a:off x="4487912" y="6146033"/>
+            <a:ext cx="259592" cy="1"/>
+          </a:xfrm>
+          <a:prstGeom prst="line">
+            <a:avLst/>
+          </a:prstGeom>
+        </p:spPr>
+        <p:style>
+          <a:lnRef idx="1">
+            <a:schemeClr val="accent1"/>
+          </a:lnRef>
+          <a:fillRef idx="0">
+            <a:schemeClr val="accent1"/>
+          </a:fillRef>
+          <a:effectRef idx="0">
+            <a:schemeClr val="accent1"/>
+          </a:effectRef>
+          <a:fontRef idx="minor">
+            <a:schemeClr val="tx1"/>
+          </a:fontRef>
+        </p:style>
+      </p:cxnSp>
+      <p:cxnSp>
+        <p:nvCxnSpPr>
+          <p:cNvPr id="55" name="Straight Connector 54">
+            <a:extLst>
+              <a:ext uri="{FF2B5EF4-FFF2-40B4-BE49-F238E27FC236}">
+                <a16:creationId xmlns:a16="http://schemas.microsoft.com/office/drawing/2014/main" id="{DD985886-61BB-4582-A270-A5049F153C5D}"/>
+              </a:ext>
+            </a:extLst>
+          </p:cNvPr>
+          <p:cNvCxnSpPr>
+            <a:cxnSpLocks/>
+            <a:endCxn id="59" idx="6"/>
+          </p:cNvCxnSpPr>
+          <p:nvPr/>
+        </p:nvCxnSpPr>
+        <p:spPr>
+          <a:xfrm flipV="1">
+            <a:off x="4783058" y="6018567"/>
+            <a:ext cx="272193" cy="147284"/>
+          </a:xfrm>
+          <a:prstGeom prst="line">
+            <a:avLst/>
+          </a:prstGeom>
+        </p:spPr>
+        <p:style>
+          <a:lnRef idx="1">
+            <a:schemeClr val="accent1"/>
+          </a:lnRef>
+          <a:fillRef idx="0">
+            <a:schemeClr val="accent1"/>
+          </a:fillRef>
+          <a:effectRef idx="0">
+            <a:schemeClr val="accent1"/>
+          </a:effectRef>
+          <a:fontRef idx="minor">
+            <a:schemeClr val="tx1"/>
+          </a:fontRef>
+        </p:style>
+      </p:cxnSp>
+      <p:cxnSp>
+        <p:nvCxnSpPr>
+          <p:cNvPr id="56" name="Straight Connector 55">
+            <a:extLst>
+              <a:ext uri="{FF2B5EF4-FFF2-40B4-BE49-F238E27FC236}">
+                <a16:creationId xmlns:a16="http://schemas.microsoft.com/office/drawing/2014/main" id="{94E576DC-90CE-4DE3-962C-49896B73C437}"/>
+              </a:ext>
+            </a:extLst>
+          </p:cNvPr>
+          <p:cNvCxnSpPr>
+            <a:cxnSpLocks/>
+            <a:stCxn id="50" idx="6"/>
+          </p:cNvCxnSpPr>
+          <p:nvPr/>
+        </p:nvCxnSpPr>
+        <p:spPr>
+          <a:xfrm>
+            <a:off x="4295677" y="5751720"/>
+            <a:ext cx="670010" cy="4874"/>
+          </a:xfrm>
+          <a:prstGeom prst="line">
+            <a:avLst/>
+          </a:prstGeom>
+        </p:spPr>
+        <p:style>
+          <a:lnRef idx="1">
+            <a:schemeClr val="accent1"/>
+          </a:lnRef>
+          <a:fillRef idx="0">
+            <a:schemeClr val="accent1"/>
+          </a:fillRef>
+          <a:effectRef idx="0">
+            <a:schemeClr val="accent1"/>
+          </a:effectRef>
+          <a:fontRef idx="minor">
+            <a:schemeClr val="tx1"/>
+          </a:fontRef>
+        </p:style>
+      </p:cxnSp>
+      <p:sp>
+        <p:nvSpPr>
+          <p:cNvPr id="58" name="Flowchart: Connector 57">
+            <a:extLst>
+              <a:ext uri="{FF2B5EF4-FFF2-40B4-BE49-F238E27FC236}">
+                <a16:creationId xmlns:a16="http://schemas.microsoft.com/office/drawing/2014/main" id="{07BA0F6F-9823-4E9D-8B02-E58CF3FECA54}"/>
               </a:ext>
             </a:extLst>
           </p:cNvPr>
@@ -14638,7 +15225,7 @@
         </p:nvSpPr>
         <p:spPr>
           <a:xfrm>
-            <a:off x="7241568" y="4175335"/>
+            <a:off x="4138783" y="5974827"/>
             <a:ext cx="87481" cy="87481"/>
           </a:xfrm>
           <a:prstGeom prst="flowChartConnector">
@@ -14675,10 +15262,10 @@
       </p:sp>
       <p:sp>
         <p:nvSpPr>
-          <p:cNvPr id="35" name="Flowchart: Connector 34">
-            <a:extLst>
-              <a:ext uri="{FF2B5EF4-FFF2-40B4-BE49-F238E27FC236}">
-                <a16:creationId xmlns:a16="http://schemas.microsoft.com/office/drawing/2014/main" id="{E7F9B8D7-4637-4362-90C2-00CBE6994C31}"/>
+          <p:cNvPr id="59" name="Flowchart: Connector 58">
+            <a:extLst>
+              <a:ext uri="{FF2B5EF4-FFF2-40B4-BE49-F238E27FC236}">
+                <a16:creationId xmlns:a16="http://schemas.microsoft.com/office/drawing/2014/main" id="{58BACBB9-647D-4604-9226-472B6DE6387F}"/>
               </a:ext>
             </a:extLst>
           </p:cNvPr>
@@ -14687,7 +15274,7 @@
         </p:nvSpPr>
         <p:spPr>
           <a:xfrm>
-            <a:off x="8603328" y="3447141"/>
+            <a:off x="4967770" y="5974826"/>
             <a:ext cx="87481" cy="87481"/>
           </a:xfrm>
           <a:prstGeom prst="flowChartConnector">
@@ -14722,403 +15309,29 @@
           </a:p>
         </p:txBody>
       </p:sp>
-      <p:sp>
-        <p:nvSpPr>
-          <p:cNvPr id="36" name="Flowchart: Connector 35">
-            <a:extLst>
-              <a:ext uri="{FF2B5EF4-FFF2-40B4-BE49-F238E27FC236}">
-                <a16:creationId xmlns:a16="http://schemas.microsoft.com/office/drawing/2014/main" id="{60A53E9F-8F2C-4AC6-AC69-39548FFFB86D}"/>
-              </a:ext>
-            </a:extLst>
-          </p:cNvPr>
-          <p:cNvSpPr/>
-          <p:nvPr/>
-        </p:nvSpPr>
-        <p:spPr>
-          <a:xfrm>
-            <a:off x="8603328" y="3689872"/>
-            <a:ext cx="87481" cy="87481"/>
-          </a:xfrm>
-          <a:prstGeom prst="flowChartConnector">
-            <a:avLst/>
-          </a:prstGeom>
-          <a:solidFill>
-            <a:schemeClr val="tx1"/>
-          </a:solidFill>
-        </p:spPr>
-        <p:style>
-          <a:lnRef idx="2">
-            <a:schemeClr val="accent1">
-              <a:shade val="50000"/>
-            </a:schemeClr>
-          </a:lnRef>
-          <a:fillRef idx="1">
-            <a:schemeClr val="accent1"/>
-          </a:fillRef>
-          <a:effectRef idx="0">
-            <a:schemeClr val="accent1"/>
-          </a:effectRef>
-          <a:fontRef idx="minor">
-            <a:schemeClr val="lt1"/>
-          </a:fontRef>
-        </p:style>
-        <p:txBody>
-          <a:bodyPr rtlCol="0" anchor="ctr"/>
-          <a:lstStyle/>
-          <a:p>
-            <a:pPr algn="ctr"/>
-            <a:endParaRPr lang="en-US"/>
-          </a:p>
-        </p:txBody>
-      </p:sp>
-      <p:sp>
-        <p:nvSpPr>
-          <p:cNvPr id="37" name="Flowchart: Connector 36">
-            <a:extLst>
-              <a:ext uri="{FF2B5EF4-FFF2-40B4-BE49-F238E27FC236}">
-                <a16:creationId xmlns:a16="http://schemas.microsoft.com/office/drawing/2014/main" id="{3CB4E70B-9806-49DD-8AE6-A90D50067FBE}"/>
-              </a:ext>
-            </a:extLst>
-          </p:cNvPr>
-          <p:cNvSpPr/>
-          <p:nvPr/>
-        </p:nvSpPr>
-        <p:spPr>
-          <a:xfrm>
-            <a:off x="8603328" y="3932603"/>
-            <a:ext cx="87481" cy="87481"/>
-          </a:xfrm>
-          <a:prstGeom prst="flowChartConnector">
-            <a:avLst/>
-          </a:prstGeom>
-          <a:solidFill>
-            <a:schemeClr val="tx1"/>
-          </a:solidFill>
-        </p:spPr>
-        <p:style>
-          <a:lnRef idx="2">
-            <a:schemeClr val="accent1">
-              <a:shade val="50000"/>
-            </a:schemeClr>
-          </a:lnRef>
-          <a:fillRef idx="1">
-            <a:schemeClr val="accent1"/>
-          </a:fillRef>
-          <a:effectRef idx="0">
-            <a:schemeClr val="accent1"/>
-          </a:effectRef>
-          <a:fontRef idx="minor">
-            <a:schemeClr val="lt1"/>
-          </a:fontRef>
-        </p:style>
-        <p:txBody>
-          <a:bodyPr rtlCol="0" anchor="ctr"/>
-          <a:lstStyle/>
-          <a:p>
-            <a:pPr algn="ctr"/>
-            <a:endParaRPr lang="en-US"/>
-          </a:p>
-        </p:txBody>
-      </p:sp>
-      <p:sp>
-        <p:nvSpPr>
-          <p:cNvPr id="38" name="Flowchart: Connector 37">
-            <a:extLst>
-              <a:ext uri="{FF2B5EF4-FFF2-40B4-BE49-F238E27FC236}">
-                <a16:creationId xmlns:a16="http://schemas.microsoft.com/office/drawing/2014/main" id="{88F74377-CB8C-4072-BF0F-0D2BFB1CCED9}"/>
-              </a:ext>
-            </a:extLst>
-          </p:cNvPr>
-          <p:cNvSpPr/>
-          <p:nvPr/>
-        </p:nvSpPr>
-        <p:spPr>
-          <a:xfrm>
-            <a:off x="8603328" y="4175335"/>
-            <a:ext cx="87481" cy="87481"/>
-          </a:xfrm>
-          <a:prstGeom prst="flowChartConnector">
-            <a:avLst/>
-          </a:prstGeom>
-          <a:solidFill>
-            <a:schemeClr val="tx1"/>
-          </a:solidFill>
-        </p:spPr>
-        <p:style>
-          <a:lnRef idx="2">
-            <a:schemeClr val="accent1">
-              <a:shade val="50000"/>
-            </a:schemeClr>
-          </a:lnRef>
-          <a:fillRef idx="1">
-            <a:schemeClr val="accent1"/>
-          </a:fillRef>
-          <a:effectRef idx="0">
-            <a:schemeClr val="accent1"/>
-          </a:effectRef>
-          <a:fontRef idx="minor">
-            <a:schemeClr val="lt1"/>
-          </a:fontRef>
-        </p:style>
-        <p:txBody>
-          <a:bodyPr rtlCol="0" anchor="ctr"/>
-          <a:lstStyle/>
-          <a:p>
-            <a:pPr algn="ctr"/>
-            <a:endParaRPr lang="en-US"/>
-          </a:p>
-        </p:txBody>
-      </p:sp>
-      <p:sp>
-        <p:nvSpPr>
-          <p:cNvPr id="39" name="Flowchart: Connector 38">
-            <a:extLst>
-              <a:ext uri="{FF2B5EF4-FFF2-40B4-BE49-F238E27FC236}">
-                <a16:creationId xmlns:a16="http://schemas.microsoft.com/office/drawing/2014/main" id="{6CE7C077-6FBE-4652-9E7B-D871F5576357}"/>
-              </a:ext>
-            </a:extLst>
-          </p:cNvPr>
-          <p:cNvSpPr/>
-          <p:nvPr/>
-        </p:nvSpPr>
-        <p:spPr>
-          <a:xfrm>
-            <a:off x="8603328" y="3204410"/>
-            <a:ext cx="87481" cy="87481"/>
-          </a:xfrm>
-          <a:prstGeom prst="flowChartConnector">
-            <a:avLst/>
-          </a:prstGeom>
-          <a:solidFill>
-            <a:schemeClr val="tx1"/>
-          </a:solidFill>
-        </p:spPr>
-        <p:style>
-          <a:lnRef idx="2">
-            <a:schemeClr val="accent1">
-              <a:shade val="50000"/>
-            </a:schemeClr>
-          </a:lnRef>
-          <a:fillRef idx="1">
-            <a:schemeClr val="accent1"/>
-          </a:fillRef>
-          <a:effectRef idx="0">
-            <a:schemeClr val="accent1"/>
-          </a:effectRef>
-          <a:fontRef idx="minor">
-            <a:schemeClr val="lt1"/>
-          </a:fontRef>
-        </p:style>
-        <p:txBody>
-          <a:bodyPr rtlCol="0" anchor="ctr"/>
-          <a:lstStyle/>
-          <a:p>
-            <a:pPr algn="ctr"/>
-            <a:endParaRPr lang="en-US"/>
-          </a:p>
-        </p:txBody>
-      </p:sp>
-      <p:sp>
-        <p:nvSpPr>
-          <p:cNvPr id="40" name="TextBox 39">
-            <a:extLst>
-              <a:ext uri="{FF2B5EF4-FFF2-40B4-BE49-F238E27FC236}">
-                <a16:creationId xmlns:a16="http://schemas.microsoft.com/office/drawing/2014/main" id="{8C73F489-EB8F-46A2-9BBA-775F6F9DF940}"/>
-              </a:ext>
-            </a:extLst>
-          </p:cNvPr>
-          <p:cNvSpPr txBox="1"/>
-          <p:nvPr/>
-        </p:nvSpPr>
-        <p:spPr>
-          <a:xfrm>
-            <a:off x="1790181" y="5278054"/>
-            <a:ext cx="1198405" cy="369332"/>
-          </a:xfrm>
-          <a:prstGeom prst="rect">
-            <a:avLst/>
-          </a:prstGeom>
-          <a:noFill/>
-        </p:spPr>
-        <p:txBody>
-          <a:bodyPr wrap="none" rtlCol="0">
-            <a:spAutoFit/>
-          </a:bodyPr>
-          <a:lstStyle/>
-          <a:p>
-            <a:r>
-              <a:rPr lang="en-US" dirty="0" err="1"/>
-              <a:t>LayerIndex</a:t>
-            </a:r>
-            <a:endParaRPr lang="en-US" dirty="0"/>
-          </a:p>
-        </p:txBody>
-      </p:sp>
       <p:cxnSp>
         <p:nvCxnSpPr>
-          <p:cNvPr id="41" name="Straight Arrow Connector 40">
-            <a:extLst>
-              <a:ext uri="{FF2B5EF4-FFF2-40B4-BE49-F238E27FC236}">
-                <a16:creationId xmlns:a16="http://schemas.microsoft.com/office/drawing/2014/main" id="{45C17D85-F247-4EFB-9F62-87FA9FA2B803}"/>
+          <p:cNvPr id="61" name="Straight Connector 60">
+            <a:extLst>
+              <a:ext uri="{FF2B5EF4-FFF2-40B4-BE49-F238E27FC236}">
+                <a16:creationId xmlns:a16="http://schemas.microsoft.com/office/drawing/2014/main" id="{527B0E24-8BA8-4A57-B052-020931DD1ADA}"/>
               </a:ext>
             </a:extLst>
           </p:cNvPr>
           <p:cNvCxnSpPr>
             <a:cxnSpLocks/>
-            <a:endCxn id="27" idx="2"/>
+            <a:endCxn id="52" idx="4"/>
           </p:cNvCxnSpPr>
           <p:nvPr/>
         </p:nvCxnSpPr>
         <p:spPr>
-          <a:xfrm>
-            <a:off x="3840268" y="3490881"/>
-            <a:ext cx="1318020" cy="1"/>
-          </a:xfrm>
-          <a:prstGeom prst="straightConnector1">
-            <a:avLst/>
-          </a:prstGeom>
-          <a:ln>
-            <a:tailEnd type="triangle"/>
-          </a:ln>
-        </p:spPr>
-        <p:style>
-          <a:lnRef idx="1">
-            <a:schemeClr val="accent1"/>
-          </a:lnRef>
-          <a:fillRef idx="0">
-            <a:schemeClr val="accent1"/>
-          </a:fillRef>
-          <a:effectRef idx="0">
-            <a:schemeClr val="accent1"/>
-          </a:effectRef>
-          <a:fontRef idx="minor">
-            <a:schemeClr val="tx1"/>
-          </a:fontRef>
-        </p:style>
-      </p:cxnSp>
-      <p:sp>
-        <p:nvSpPr>
-          <p:cNvPr id="42" name="Freeform: Shape 41">
-            <a:extLst>
-              <a:ext uri="{FF2B5EF4-FFF2-40B4-BE49-F238E27FC236}">
-                <a16:creationId xmlns:a16="http://schemas.microsoft.com/office/drawing/2014/main" id="{F8D50C9E-72F3-435F-BD41-194A4AEA3831}"/>
-              </a:ext>
-            </a:extLst>
-          </p:cNvPr>
-          <p:cNvSpPr/>
-          <p:nvPr/>
-        </p:nvSpPr>
-        <p:spPr>
-          <a:xfrm>
-            <a:off x="3232482" y="4481311"/>
-            <a:ext cx="5576207" cy="555171"/>
-          </a:xfrm>
-          <a:custGeom>
-            <a:avLst/>
-            <a:gdLst>
-              <a:gd name="connsiteX0" fmla="*/ 0 w 5576207"/>
-              <a:gd name="connsiteY0" fmla="*/ 555171 h 555171"/>
-              <a:gd name="connsiteX1" fmla="*/ 5249636 w 5576207"/>
-              <a:gd name="connsiteY1" fmla="*/ 555171 h 555171"/>
-              <a:gd name="connsiteX2" fmla="*/ 5576207 w 5576207"/>
-              <a:gd name="connsiteY2" fmla="*/ 0 h 555171"/>
-              <a:gd name="connsiteX3" fmla="*/ 391886 w 5576207"/>
-              <a:gd name="connsiteY3" fmla="*/ 0 h 555171"/>
-              <a:gd name="connsiteX4" fmla="*/ 0 w 5576207"/>
-              <a:gd name="connsiteY4" fmla="*/ 555171 h 555171"/>
-            </a:gdLst>
-            <a:ahLst/>
-            <a:cxnLst>
-              <a:cxn ang="0">
-                <a:pos x="connsiteX0" y="connsiteY0"/>
-              </a:cxn>
-              <a:cxn ang="0">
-                <a:pos x="connsiteX1" y="connsiteY1"/>
-              </a:cxn>
-              <a:cxn ang="0">
-                <a:pos x="connsiteX2" y="connsiteY2"/>
-              </a:cxn>
-              <a:cxn ang="0">
-                <a:pos x="connsiteX3" y="connsiteY3"/>
-              </a:cxn>
-              <a:cxn ang="0">
-                <a:pos x="connsiteX4" y="connsiteY4"/>
-              </a:cxn>
-            </a:cxnLst>
-            <a:rect l="l" t="t" r="r" b="b"/>
-            <a:pathLst>
-              <a:path w="5576207" h="555171">
-                <a:moveTo>
-                  <a:pt x="0" y="555171"/>
-                </a:moveTo>
-                <a:lnTo>
-                  <a:pt x="5249636" y="555171"/>
-                </a:lnTo>
-                <a:lnTo>
-                  <a:pt x="5576207" y="0"/>
-                </a:lnTo>
-                <a:lnTo>
-                  <a:pt x="391886" y="0"/>
-                </a:lnTo>
-                <a:lnTo>
-                  <a:pt x="0" y="555171"/>
-                </a:lnTo>
-                <a:close/>
-              </a:path>
-            </a:pathLst>
-          </a:custGeom>
-          <a:noFill/>
-        </p:spPr>
-        <p:style>
-          <a:lnRef idx="2">
-            <a:schemeClr val="accent1">
-              <a:shade val="50000"/>
-            </a:schemeClr>
-          </a:lnRef>
-          <a:fillRef idx="1">
-            <a:schemeClr val="accent1"/>
-          </a:fillRef>
-          <a:effectRef idx="0">
-            <a:schemeClr val="accent1"/>
-          </a:effectRef>
-          <a:fontRef idx="minor">
-            <a:schemeClr val="lt1"/>
-          </a:fontRef>
-        </p:style>
-        <p:txBody>
-          <a:bodyPr rtlCol="0" anchor="ctr"/>
-          <a:lstStyle/>
-          <a:p>
-            <a:pPr algn="ctr"/>
-            <a:endParaRPr lang="en-US"/>
-          </a:p>
-        </p:txBody>
-      </p:sp>
-      <p:cxnSp>
-        <p:nvCxnSpPr>
-          <p:cNvPr id="43" name="Straight Arrow Connector 42">
-            <a:extLst>
-              <a:ext uri="{FF2B5EF4-FFF2-40B4-BE49-F238E27FC236}">
-                <a16:creationId xmlns:a16="http://schemas.microsoft.com/office/drawing/2014/main" id="{B545105B-2231-4E37-B183-C39E327E644D}"/>
-              </a:ext>
-            </a:extLst>
-          </p:cNvPr>
-          <p:cNvCxnSpPr>
-            <a:cxnSpLocks/>
-          </p:cNvCxnSpPr>
-          <p:nvPr/>
-        </p:nvCxnSpPr>
-        <p:spPr>
-          <a:xfrm>
-            <a:off x="3884008" y="3243192"/>
-            <a:ext cx="4623178" cy="0"/>
-          </a:xfrm>
-          <a:prstGeom prst="straightConnector1">
-            <a:avLst/>
-          </a:prstGeom>
-          <a:ln>
-            <a:tailEnd type="triangle"/>
-          </a:ln>
+          <a:xfrm flipV="1">
+            <a:off x="5024665" y="5795458"/>
+            <a:ext cx="228453" cy="241898"/>
+          </a:xfrm>
+          <a:prstGeom prst="line">
+            <a:avLst/>
+          </a:prstGeom>
         </p:spPr>
         <p:style>
           <a:lnRef idx="1">
@@ -15137,29 +15350,28 @@
       </p:cxnSp>
       <p:cxnSp>
         <p:nvCxnSpPr>
-          <p:cNvPr id="44" name="Straight Arrow Connector 43">
-            <a:extLst>
-              <a:ext uri="{FF2B5EF4-FFF2-40B4-BE49-F238E27FC236}">
-                <a16:creationId xmlns:a16="http://schemas.microsoft.com/office/drawing/2014/main" id="{8CCD9307-5F5E-493B-BD32-1F69F76EB7DB}"/>
+          <p:cNvPr id="63" name="Straight Connector 62">
+            <a:extLst>
+              <a:ext uri="{FF2B5EF4-FFF2-40B4-BE49-F238E27FC236}">
+                <a16:creationId xmlns:a16="http://schemas.microsoft.com/office/drawing/2014/main" id="{9AA435F6-3FC6-46FD-8B2A-BF88288EBD77}"/>
               </a:ext>
             </a:extLst>
           </p:cNvPr>
           <p:cNvCxnSpPr>
             <a:cxnSpLocks/>
+            <a:stCxn id="58" idx="2"/>
+            <a:endCxn id="48" idx="4"/>
           </p:cNvCxnSpPr>
           <p:nvPr/>
         </p:nvCxnSpPr>
         <p:spPr>
-          <a:xfrm>
-            <a:off x="3840268" y="3738407"/>
-            <a:ext cx="1318020" cy="1"/>
-          </a:xfrm>
-          <a:prstGeom prst="straightConnector1">
-            <a:avLst/>
-          </a:prstGeom>
-          <a:ln>
-            <a:tailEnd type="triangle"/>
-          </a:ln>
+          <a:xfrm flipH="1" flipV="1">
+            <a:off x="3972670" y="5795459"/>
+            <a:ext cx="166113" cy="223109"/>
+          </a:xfrm>
+          <a:prstGeom prst="line">
+            <a:avLst/>
+          </a:prstGeom>
         </p:spPr>
         <p:style>
           <a:lnRef idx="1">
@@ -15176,31 +15388,60 @@
           </a:fontRef>
         </p:style>
       </p:cxnSp>
+      <p:sp>
+        <p:nvSpPr>
+          <p:cNvPr id="67" name="Rectangle 66">
+            <a:extLst>
+              <a:ext uri="{FF2B5EF4-FFF2-40B4-BE49-F238E27FC236}">
+                <a16:creationId xmlns:a16="http://schemas.microsoft.com/office/drawing/2014/main" id="{41AAD490-D7F4-46B4-B69C-0536F327AA18}"/>
+              </a:ext>
+            </a:extLst>
+          </p:cNvPr>
+          <p:cNvSpPr/>
+          <p:nvPr/>
+        </p:nvSpPr>
+        <p:spPr>
+          <a:xfrm>
+            <a:off x="957594" y="5524135"/>
+            <a:ext cx="2724339" cy="923330"/>
+          </a:xfrm>
+          <a:prstGeom prst="rect">
+            <a:avLst/>
+          </a:prstGeom>
+        </p:spPr>
+        <p:txBody>
+          <a:bodyPr wrap="square">
+            <a:spAutoFit/>
+          </a:bodyPr>
+          <a:lstStyle/>
+          <a:p>
+            <a:r>
+              <a:rPr lang="en-US" dirty="0"/>
+              <a:t>BUT, only one solution if step sizes are sufficiently small to capture changes.</a:t>
+            </a:r>
+          </a:p>
+        </p:txBody>
+      </p:sp>
       <p:cxnSp>
         <p:nvCxnSpPr>
-          <p:cNvPr id="45" name="Straight Arrow Connector 44">
-            <a:extLst>
-              <a:ext uri="{FF2B5EF4-FFF2-40B4-BE49-F238E27FC236}">
-                <a16:creationId xmlns:a16="http://schemas.microsoft.com/office/drawing/2014/main" id="{D6974336-A05E-4014-9FBE-A139009796A0}"/>
-              </a:ext>
-            </a:extLst>
-          </p:cNvPr>
-          <p:cNvCxnSpPr>
-            <a:cxnSpLocks/>
-          </p:cNvCxnSpPr>
+          <p:cNvPr id="69" name="Straight Connector 68">
+            <a:extLst>
+              <a:ext uri="{FF2B5EF4-FFF2-40B4-BE49-F238E27FC236}">
+                <a16:creationId xmlns:a16="http://schemas.microsoft.com/office/drawing/2014/main" id="{F3345237-79E5-49DF-A44B-309C1EE1246E}"/>
+              </a:ext>
+            </a:extLst>
+          </p:cNvPr>
+          <p:cNvCxnSpPr/>
           <p:nvPr/>
         </p:nvCxnSpPr>
         <p:spPr>
           <a:xfrm>
-            <a:off x="3840268" y="3978165"/>
-            <a:ext cx="1318020" cy="1"/>
-          </a:xfrm>
-          <a:prstGeom prst="straightConnector1">
-            <a:avLst/>
-          </a:prstGeom>
-          <a:ln>
-            <a:tailEnd type="triangle"/>
-          </a:ln>
+            <a:off x="715827" y="5056692"/>
+            <a:ext cx="10637973" cy="0"/>
+          </a:xfrm>
+          <a:prstGeom prst="line">
+            <a:avLst/>
+          </a:prstGeom>
         </p:spPr>
         <p:style>
           <a:lnRef idx="1">
@@ -15217,2158 +15458,765 @@
           </a:fontRef>
         </p:style>
       </p:cxnSp>
-      <p:cxnSp>
-        <p:nvCxnSpPr>
-          <p:cNvPr id="46" name="Straight Arrow Connector 45">
-            <a:extLst>
-              <a:ext uri="{FF2B5EF4-FFF2-40B4-BE49-F238E27FC236}">
-                <a16:creationId xmlns:a16="http://schemas.microsoft.com/office/drawing/2014/main" id="{EDA3928C-1A19-4A10-8F32-DC912D1C8E51}"/>
-              </a:ext>
-            </a:extLst>
-          </p:cNvPr>
-          <p:cNvCxnSpPr>
-            <a:cxnSpLocks/>
-          </p:cNvCxnSpPr>
-          <p:nvPr/>
-        </p:nvCxnSpPr>
-        <p:spPr>
-          <a:xfrm>
-            <a:off x="3840268" y="4232538"/>
-            <a:ext cx="1318020" cy="1"/>
-          </a:xfrm>
-          <a:prstGeom prst="straightConnector1">
-            <a:avLst/>
-          </a:prstGeom>
-          <a:ln>
-            <a:tailEnd type="triangle"/>
-          </a:ln>
-        </p:spPr>
-        <p:style>
-          <a:lnRef idx="1">
-            <a:schemeClr val="accent1"/>
-          </a:lnRef>
-          <a:fillRef idx="0">
-            <a:schemeClr val="accent1"/>
-          </a:fillRef>
-          <a:effectRef idx="0">
-            <a:schemeClr val="accent1"/>
-          </a:effectRef>
-          <a:fontRef idx="minor">
-            <a:schemeClr val="tx1"/>
-          </a:fontRef>
-        </p:style>
-      </p:cxnSp>
-      <p:cxnSp>
-        <p:nvCxnSpPr>
-          <p:cNvPr id="47" name="Straight Arrow Connector 46">
-            <a:extLst>
-              <a:ext uri="{FF2B5EF4-FFF2-40B4-BE49-F238E27FC236}">
-                <a16:creationId xmlns:a16="http://schemas.microsoft.com/office/drawing/2014/main" id="{06E645EC-9BFF-4260-AF5A-F4A58938DF53}"/>
-              </a:ext>
-            </a:extLst>
-          </p:cNvPr>
-          <p:cNvCxnSpPr>
-            <a:cxnSpLocks/>
-          </p:cNvCxnSpPr>
-          <p:nvPr/>
-        </p:nvCxnSpPr>
-        <p:spPr>
-          <a:xfrm>
-            <a:off x="7285308" y="3490880"/>
-            <a:ext cx="1318020" cy="1"/>
-          </a:xfrm>
-          <a:prstGeom prst="straightConnector1">
-            <a:avLst/>
-          </a:prstGeom>
-          <a:ln>
-            <a:tailEnd type="triangle"/>
-          </a:ln>
-        </p:spPr>
-        <p:style>
-          <a:lnRef idx="1">
-            <a:schemeClr val="accent1"/>
-          </a:lnRef>
-          <a:fillRef idx="0">
-            <a:schemeClr val="accent1"/>
-          </a:fillRef>
-          <a:effectRef idx="0">
-            <a:schemeClr val="accent1"/>
-          </a:effectRef>
-          <a:fontRef idx="minor">
-            <a:schemeClr val="tx1"/>
-          </a:fontRef>
-        </p:style>
-      </p:cxnSp>
-      <p:cxnSp>
-        <p:nvCxnSpPr>
-          <p:cNvPr id="48" name="Straight Arrow Connector 47">
-            <a:extLst>
-              <a:ext uri="{FF2B5EF4-FFF2-40B4-BE49-F238E27FC236}">
-                <a16:creationId xmlns:a16="http://schemas.microsoft.com/office/drawing/2014/main" id="{F4DF5F77-5EC0-4F4D-8E5C-50AD36D755E4}"/>
-              </a:ext>
-            </a:extLst>
-          </p:cNvPr>
-          <p:cNvCxnSpPr>
-            <a:cxnSpLocks/>
-          </p:cNvCxnSpPr>
-          <p:nvPr/>
-        </p:nvCxnSpPr>
-        <p:spPr>
-          <a:xfrm>
-            <a:off x="7285308" y="3720550"/>
-            <a:ext cx="1318020" cy="1"/>
-          </a:xfrm>
-          <a:prstGeom prst="straightConnector1">
-            <a:avLst/>
-          </a:prstGeom>
-          <a:ln>
-            <a:tailEnd type="triangle"/>
-          </a:ln>
-        </p:spPr>
-        <p:style>
-          <a:lnRef idx="1">
-            <a:schemeClr val="accent1"/>
-          </a:lnRef>
-          <a:fillRef idx="0">
-            <a:schemeClr val="accent1"/>
-          </a:fillRef>
-          <a:effectRef idx="0">
-            <a:schemeClr val="accent1"/>
-          </a:effectRef>
-          <a:fontRef idx="minor">
-            <a:schemeClr val="tx1"/>
-          </a:fontRef>
-        </p:style>
-      </p:cxnSp>
-      <p:cxnSp>
-        <p:nvCxnSpPr>
-          <p:cNvPr id="49" name="Straight Arrow Connector 48">
-            <a:extLst>
-              <a:ext uri="{FF2B5EF4-FFF2-40B4-BE49-F238E27FC236}">
-                <a16:creationId xmlns:a16="http://schemas.microsoft.com/office/drawing/2014/main" id="{3D2754EC-483A-49ED-A83E-60E29E70EC51}"/>
-              </a:ext>
-            </a:extLst>
-          </p:cNvPr>
-          <p:cNvCxnSpPr>
-            <a:cxnSpLocks/>
-          </p:cNvCxnSpPr>
-          <p:nvPr/>
-        </p:nvCxnSpPr>
-        <p:spPr>
-          <a:xfrm>
-            <a:off x="7285308" y="3960905"/>
-            <a:ext cx="1318020" cy="1"/>
-          </a:xfrm>
-          <a:prstGeom prst="straightConnector1">
-            <a:avLst/>
-          </a:prstGeom>
-          <a:ln>
-            <a:tailEnd type="triangle"/>
-          </a:ln>
-        </p:spPr>
-        <p:style>
-          <a:lnRef idx="1">
-            <a:schemeClr val="accent1"/>
-          </a:lnRef>
-          <a:fillRef idx="0">
-            <a:schemeClr val="accent1"/>
-          </a:fillRef>
-          <a:effectRef idx="0">
-            <a:schemeClr val="accent1"/>
-          </a:effectRef>
-          <a:fontRef idx="minor">
-            <a:schemeClr val="tx1"/>
-          </a:fontRef>
-        </p:style>
-      </p:cxnSp>
-      <p:cxnSp>
-        <p:nvCxnSpPr>
-          <p:cNvPr id="50" name="Straight Arrow Connector 49">
-            <a:extLst>
-              <a:ext uri="{FF2B5EF4-FFF2-40B4-BE49-F238E27FC236}">
-                <a16:creationId xmlns:a16="http://schemas.microsoft.com/office/drawing/2014/main" id="{921CC939-B6B0-4777-A792-78A8C10BC23A}"/>
-              </a:ext>
-            </a:extLst>
-          </p:cNvPr>
-          <p:cNvCxnSpPr>
-            <a:cxnSpLocks/>
-          </p:cNvCxnSpPr>
-          <p:nvPr/>
-        </p:nvCxnSpPr>
-        <p:spPr>
-          <a:xfrm>
-            <a:off x="7285308" y="4215581"/>
-            <a:ext cx="1318020" cy="1"/>
-          </a:xfrm>
-          <a:prstGeom prst="straightConnector1">
-            <a:avLst/>
-          </a:prstGeom>
-          <a:ln>
-            <a:tailEnd type="triangle"/>
-          </a:ln>
-        </p:spPr>
-        <p:style>
-          <a:lnRef idx="1">
-            <a:schemeClr val="accent1"/>
-          </a:lnRef>
-          <a:fillRef idx="0">
-            <a:schemeClr val="accent1"/>
-          </a:fillRef>
-          <a:effectRef idx="0">
-            <a:schemeClr val="accent1"/>
-          </a:effectRef>
-          <a:fontRef idx="minor">
-            <a:schemeClr val="tx1"/>
-          </a:fontRef>
-        </p:style>
-      </p:cxnSp>
-      <p:sp>
-        <p:nvSpPr>
-          <p:cNvPr id="51" name="Rectangle 50">
-            <a:extLst>
-              <a:ext uri="{FF2B5EF4-FFF2-40B4-BE49-F238E27FC236}">
-                <a16:creationId xmlns:a16="http://schemas.microsoft.com/office/drawing/2014/main" id="{B0C31162-82D2-4925-B791-4E875B1138E2}"/>
-              </a:ext>
-            </a:extLst>
-          </p:cNvPr>
-          <p:cNvSpPr/>
-          <p:nvPr/>
-        </p:nvSpPr>
-        <p:spPr>
-          <a:xfrm>
-            <a:off x="7462157" y="4741243"/>
-            <a:ext cx="620473" cy="984583"/>
-          </a:xfrm>
-          <a:prstGeom prst="rect">
-            <a:avLst/>
-          </a:prstGeom>
-          <a:solidFill>
-            <a:schemeClr val="tx1"/>
-          </a:solidFill>
-        </p:spPr>
-        <p:style>
-          <a:lnRef idx="2">
-            <a:schemeClr val="accent1">
-              <a:shade val="50000"/>
-            </a:schemeClr>
-          </a:lnRef>
-          <a:fillRef idx="1">
-            <a:schemeClr val="accent1"/>
-          </a:fillRef>
-          <a:effectRef idx="0">
-            <a:schemeClr val="accent1"/>
-          </a:effectRef>
-          <a:fontRef idx="minor">
-            <a:schemeClr val="lt1"/>
-          </a:fontRef>
-        </p:style>
-        <p:txBody>
-          <a:bodyPr rtlCol="0" anchor="ctr"/>
-          <a:lstStyle/>
-          <a:p>
-            <a:pPr algn="ctr"/>
-            <a:r>
-              <a:rPr lang="en-US" dirty="0"/>
-              <a:t>hole</a:t>
-            </a:r>
-          </a:p>
-        </p:txBody>
-      </p:sp>
-      <p:sp>
-        <p:nvSpPr>
-          <p:cNvPr id="52" name="Flowchart: Connector 51">
-            <a:extLst>
-              <a:ext uri="{FF2B5EF4-FFF2-40B4-BE49-F238E27FC236}">
-                <a16:creationId xmlns:a16="http://schemas.microsoft.com/office/drawing/2014/main" id="{134B6197-D9E4-4FAB-817A-F9AD5AABACA4}"/>
-              </a:ext>
-            </a:extLst>
-          </p:cNvPr>
-          <p:cNvSpPr/>
-          <p:nvPr/>
-        </p:nvSpPr>
-        <p:spPr>
-          <a:xfrm>
-            <a:off x="7712214" y="3455896"/>
-            <a:ext cx="87481" cy="87481"/>
-          </a:xfrm>
-          <a:prstGeom prst="flowChartConnector">
-            <a:avLst/>
-          </a:prstGeom>
-          <a:solidFill>
-            <a:schemeClr val="tx1"/>
-          </a:solidFill>
-        </p:spPr>
-        <p:style>
-          <a:lnRef idx="2">
-            <a:schemeClr val="accent1">
-              <a:shade val="50000"/>
-            </a:schemeClr>
-          </a:lnRef>
-          <a:fillRef idx="1">
-            <a:schemeClr val="accent1"/>
-          </a:fillRef>
-          <a:effectRef idx="0">
-            <a:schemeClr val="accent1"/>
-          </a:effectRef>
-          <a:fontRef idx="minor">
-            <a:schemeClr val="lt1"/>
-          </a:fontRef>
-        </p:style>
-        <p:txBody>
-          <a:bodyPr rtlCol="0" anchor="ctr"/>
-          <a:lstStyle/>
-          <a:p>
-            <a:pPr algn="ctr"/>
-            <a:endParaRPr lang="en-US"/>
-          </a:p>
-        </p:txBody>
-      </p:sp>
-      <p:sp>
-        <p:nvSpPr>
-          <p:cNvPr id="53" name="Flowchart: Connector 52">
-            <a:extLst>
-              <a:ext uri="{FF2B5EF4-FFF2-40B4-BE49-F238E27FC236}">
-                <a16:creationId xmlns:a16="http://schemas.microsoft.com/office/drawing/2014/main" id="{D6E5053A-9106-4695-85BA-E77ABACDE5C8}"/>
-              </a:ext>
-            </a:extLst>
-          </p:cNvPr>
-          <p:cNvSpPr/>
-          <p:nvPr/>
-        </p:nvSpPr>
-        <p:spPr>
-          <a:xfrm>
-            <a:off x="7712214" y="3698627"/>
-            <a:ext cx="87481" cy="87481"/>
-          </a:xfrm>
-          <a:prstGeom prst="flowChartConnector">
-            <a:avLst/>
-          </a:prstGeom>
-          <a:solidFill>
-            <a:schemeClr val="tx1"/>
-          </a:solidFill>
-        </p:spPr>
-        <p:style>
-          <a:lnRef idx="2">
-            <a:schemeClr val="accent1">
-              <a:shade val="50000"/>
-            </a:schemeClr>
-          </a:lnRef>
-          <a:fillRef idx="1">
-            <a:schemeClr val="accent1"/>
-          </a:fillRef>
-          <a:effectRef idx="0">
-            <a:schemeClr val="accent1"/>
-          </a:effectRef>
-          <a:fontRef idx="minor">
-            <a:schemeClr val="lt1"/>
-          </a:fontRef>
-        </p:style>
-        <p:txBody>
-          <a:bodyPr rtlCol="0" anchor="ctr"/>
-          <a:lstStyle/>
-          <a:p>
-            <a:pPr algn="ctr"/>
-            <a:endParaRPr lang="en-US"/>
-          </a:p>
-        </p:txBody>
-      </p:sp>
-      <p:sp>
-        <p:nvSpPr>
-          <p:cNvPr id="54" name="Flowchart: Connector 53">
-            <a:extLst>
-              <a:ext uri="{FF2B5EF4-FFF2-40B4-BE49-F238E27FC236}">
-                <a16:creationId xmlns:a16="http://schemas.microsoft.com/office/drawing/2014/main" id="{89097364-153D-45D2-BDFE-5822433B3F96}"/>
-              </a:ext>
-            </a:extLst>
-          </p:cNvPr>
-          <p:cNvSpPr/>
-          <p:nvPr/>
-        </p:nvSpPr>
-        <p:spPr>
-          <a:xfrm>
-            <a:off x="7712214" y="3941358"/>
-            <a:ext cx="87481" cy="87481"/>
-          </a:xfrm>
-          <a:prstGeom prst="flowChartConnector">
-            <a:avLst/>
-          </a:prstGeom>
-          <a:solidFill>
-            <a:schemeClr val="tx1"/>
-          </a:solidFill>
-        </p:spPr>
-        <p:style>
-          <a:lnRef idx="2">
-            <a:schemeClr val="accent1">
-              <a:shade val="50000"/>
-            </a:schemeClr>
-          </a:lnRef>
-          <a:fillRef idx="1">
-            <a:schemeClr val="accent1"/>
-          </a:fillRef>
-          <a:effectRef idx="0">
-            <a:schemeClr val="accent1"/>
-          </a:effectRef>
-          <a:fontRef idx="minor">
-            <a:schemeClr val="lt1"/>
-          </a:fontRef>
-        </p:style>
-        <p:txBody>
-          <a:bodyPr rtlCol="0" anchor="ctr"/>
-          <a:lstStyle/>
-          <a:p>
-            <a:pPr algn="ctr"/>
-            <a:endParaRPr lang="en-US"/>
-          </a:p>
-        </p:txBody>
-      </p:sp>
-      <p:sp>
-        <p:nvSpPr>
-          <p:cNvPr id="55" name="Flowchart: Connector 54">
-            <a:extLst>
-              <a:ext uri="{FF2B5EF4-FFF2-40B4-BE49-F238E27FC236}">
-                <a16:creationId xmlns:a16="http://schemas.microsoft.com/office/drawing/2014/main" id="{B002E2E1-6E97-4826-88B7-E98BC324F84D}"/>
-              </a:ext>
-            </a:extLst>
-          </p:cNvPr>
-          <p:cNvSpPr/>
-          <p:nvPr/>
-        </p:nvSpPr>
-        <p:spPr>
-          <a:xfrm>
-            <a:off x="7712214" y="4184090"/>
-            <a:ext cx="87481" cy="87481"/>
-          </a:xfrm>
-          <a:prstGeom prst="flowChartConnector">
-            <a:avLst/>
-          </a:prstGeom>
-          <a:solidFill>
-            <a:schemeClr val="tx1"/>
-          </a:solidFill>
-        </p:spPr>
-        <p:style>
-          <a:lnRef idx="2">
-            <a:schemeClr val="accent1">
-              <a:shade val="50000"/>
-            </a:schemeClr>
-          </a:lnRef>
-          <a:fillRef idx="1">
-            <a:schemeClr val="accent1"/>
-          </a:fillRef>
-          <a:effectRef idx="0">
-            <a:schemeClr val="accent1"/>
-          </a:effectRef>
-          <a:fontRef idx="minor">
-            <a:schemeClr val="lt1"/>
-          </a:fontRef>
-        </p:style>
-        <p:txBody>
-          <a:bodyPr rtlCol="0" anchor="ctr"/>
-          <a:lstStyle/>
-          <a:p>
-            <a:pPr algn="ctr"/>
-            <a:endParaRPr lang="en-US"/>
-          </a:p>
-        </p:txBody>
-      </p:sp>
-      <p:sp>
-        <p:nvSpPr>
-          <p:cNvPr id="56" name="Flowchart: Connector 55">
-            <a:extLst>
-              <a:ext uri="{FF2B5EF4-FFF2-40B4-BE49-F238E27FC236}">
-                <a16:creationId xmlns:a16="http://schemas.microsoft.com/office/drawing/2014/main" id="{FC5EC554-10A4-4D50-8878-DF4B5D4AC17F}"/>
-              </a:ext>
-            </a:extLst>
-          </p:cNvPr>
-          <p:cNvSpPr/>
-          <p:nvPr/>
-        </p:nvSpPr>
-        <p:spPr>
-          <a:xfrm>
-            <a:off x="8132681" y="3455896"/>
-            <a:ext cx="87481" cy="87481"/>
-          </a:xfrm>
-          <a:prstGeom prst="flowChartConnector">
-            <a:avLst/>
-          </a:prstGeom>
-          <a:solidFill>
-            <a:schemeClr val="tx1"/>
-          </a:solidFill>
-        </p:spPr>
-        <p:style>
-          <a:lnRef idx="2">
-            <a:schemeClr val="accent1">
-              <a:shade val="50000"/>
-            </a:schemeClr>
-          </a:lnRef>
-          <a:fillRef idx="1">
-            <a:schemeClr val="accent1"/>
-          </a:fillRef>
-          <a:effectRef idx="0">
-            <a:schemeClr val="accent1"/>
-          </a:effectRef>
-          <a:fontRef idx="minor">
-            <a:schemeClr val="lt1"/>
-          </a:fontRef>
-        </p:style>
-        <p:txBody>
-          <a:bodyPr rtlCol="0" anchor="ctr"/>
-          <a:lstStyle/>
-          <a:p>
-            <a:pPr algn="ctr"/>
-            <a:endParaRPr lang="en-US"/>
-          </a:p>
-        </p:txBody>
-      </p:sp>
-      <p:sp>
-        <p:nvSpPr>
-          <p:cNvPr id="57" name="Flowchart: Connector 56">
-            <a:extLst>
-              <a:ext uri="{FF2B5EF4-FFF2-40B4-BE49-F238E27FC236}">
-                <a16:creationId xmlns:a16="http://schemas.microsoft.com/office/drawing/2014/main" id="{02D67D46-E388-43FE-AEEA-0135A54634BE}"/>
-              </a:ext>
-            </a:extLst>
-          </p:cNvPr>
-          <p:cNvSpPr/>
-          <p:nvPr/>
-        </p:nvSpPr>
-        <p:spPr>
-          <a:xfrm>
-            <a:off x="8132681" y="3698627"/>
-            <a:ext cx="87481" cy="87481"/>
-          </a:xfrm>
-          <a:prstGeom prst="flowChartConnector">
-            <a:avLst/>
-          </a:prstGeom>
-          <a:solidFill>
-            <a:schemeClr val="tx1"/>
-          </a:solidFill>
-        </p:spPr>
-        <p:style>
-          <a:lnRef idx="2">
-            <a:schemeClr val="accent1">
-              <a:shade val="50000"/>
-            </a:schemeClr>
-          </a:lnRef>
-          <a:fillRef idx="1">
-            <a:schemeClr val="accent1"/>
-          </a:fillRef>
-          <a:effectRef idx="0">
-            <a:schemeClr val="accent1"/>
-          </a:effectRef>
-          <a:fontRef idx="minor">
-            <a:schemeClr val="lt1"/>
-          </a:fontRef>
-        </p:style>
-        <p:txBody>
-          <a:bodyPr rtlCol="0" anchor="ctr"/>
-          <a:lstStyle/>
-          <a:p>
-            <a:pPr algn="ctr"/>
-            <a:endParaRPr lang="en-US"/>
-          </a:p>
-        </p:txBody>
-      </p:sp>
-      <p:sp>
-        <p:nvSpPr>
-          <p:cNvPr id="58" name="Flowchart: Connector 57">
-            <a:extLst>
-              <a:ext uri="{FF2B5EF4-FFF2-40B4-BE49-F238E27FC236}">
-                <a16:creationId xmlns:a16="http://schemas.microsoft.com/office/drawing/2014/main" id="{047EB6C1-43E1-44C8-92EB-C3A8F6E307B1}"/>
-              </a:ext>
-            </a:extLst>
-          </p:cNvPr>
-          <p:cNvSpPr/>
-          <p:nvPr/>
-        </p:nvSpPr>
-        <p:spPr>
-          <a:xfrm>
-            <a:off x="8132681" y="3941358"/>
-            <a:ext cx="87481" cy="87481"/>
-          </a:xfrm>
-          <a:prstGeom prst="flowChartConnector">
-            <a:avLst/>
-          </a:prstGeom>
-          <a:solidFill>
-            <a:schemeClr val="tx1"/>
-          </a:solidFill>
-        </p:spPr>
-        <p:style>
-          <a:lnRef idx="2">
-            <a:schemeClr val="accent1">
-              <a:shade val="50000"/>
-            </a:schemeClr>
-          </a:lnRef>
-          <a:fillRef idx="1">
-            <a:schemeClr val="accent1"/>
-          </a:fillRef>
-          <a:effectRef idx="0">
-            <a:schemeClr val="accent1"/>
-          </a:effectRef>
-          <a:fontRef idx="minor">
-            <a:schemeClr val="lt1"/>
-          </a:fontRef>
-        </p:style>
-        <p:txBody>
-          <a:bodyPr rtlCol="0" anchor="ctr"/>
-          <a:lstStyle/>
-          <a:p>
-            <a:pPr algn="ctr"/>
-            <a:endParaRPr lang="en-US"/>
-          </a:p>
-        </p:txBody>
-      </p:sp>
-      <p:sp>
-        <p:nvSpPr>
-          <p:cNvPr id="59" name="Flowchart: Connector 58">
-            <a:extLst>
-              <a:ext uri="{FF2B5EF4-FFF2-40B4-BE49-F238E27FC236}">
-                <a16:creationId xmlns:a16="http://schemas.microsoft.com/office/drawing/2014/main" id="{E8E0F948-21A9-4335-98B6-E9B8E5D02CC5}"/>
-              </a:ext>
-            </a:extLst>
-          </p:cNvPr>
-          <p:cNvSpPr/>
-          <p:nvPr/>
-        </p:nvSpPr>
-        <p:spPr>
-          <a:xfrm>
-            <a:off x="8132681" y="4184090"/>
-            <a:ext cx="87481" cy="87481"/>
-          </a:xfrm>
-          <a:prstGeom prst="flowChartConnector">
-            <a:avLst/>
-          </a:prstGeom>
-          <a:solidFill>
-            <a:schemeClr val="tx1"/>
-          </a:solidFill>
-        </p:spPr>
-        <p:style>
-          <a:lnRef idx="2">
-            <a:schemeClr val="accent1">
-              <a:shade val="50000"/>
-            </a:schemeClr>
-          </a:lnRef>
-          <a:fillRef idx="1">
-            <a:schemeClr val="accent1"/>
-          </a:fillRef>
-          <a:effectRef idx="0">
-            <a:schemeClr val="accent1"/>
-          </a:effectRef>
-          <a:fontRef idx="minor">
-            <a:schemeClr val="lt1"/>
-          </a:fontRef>
-        </p:style>
-        <p:txBody>
-          <a:bodyPr rtlCol="0" anchor="ctr"/>
-          <a:lstStyle/>
-          <a:p>
-            <a:pPr algn="ctr"/>
-            <a:endParaRPr lang="en-US"/>
-          </a:p>
-        </p:txBody>
-      </p:sp>
-      <p:cxnSp>
-        <p:nvCxnSpPr>
-          <p:cNvPr id="60" name="Straight Arrow Connector 59">
-            <a:extLst>
-              <a:ext uri="{FF2B5EF4-FFF2-40B4-BE49-F238E27FC236}">
-                <a16:creationId xmlns:a16="http://schemas.microsoft.com/office/drawing/2014/main" id="{1B9A35FD-8CE9-417C-A632-32AD1B3FFCFC}"/>
-              </a:ext>
-            </a:extLst>
-          </p:cNvPr>
-          <p:cNvCxnSpPr>
-            <a:cxnSpLocks/>
-          </p:cNvCxnSpPr>
-          <p:nvPr/>
-        </p:nvCxnSpPr>
-        <p:spPr>
-          <a:xfrm>
-            <a:off x="7755954" y="3475143"/>
-            <a:ext cx="365760" cy="1"/>
-          </a:xfrm>
-          <a:prstGeom prst="straightConnector1">
-            <a:avLst/>
-          </a:prstGeom>
-          <a:ln>
-            <a:tailEnd type="triangle"/>
-          </a:ln>
-        </p:spPr>
-        <p:style>
-          <a:lnRef idx="1">
-            <a:schemeClr val="accent1"/>
-          </a:lnRef>
-          <a:fillRef idx="0">
-            <a:schemeClr val="accent1"/>
-          </a:fillRef>
-          <a:effectRef idx="0">
-            <a:schemeClr val="accent1"/>
-          </a:effectRef>
-          <a:fontRef idx="minor">
-            <a:schemeClr val="tx1"/>
-          </a:fontRef>
-        </p:style>
-      </p:cxnSp>
-      <p:cxnSp>
-        <p:nvCxnSpPr>
-          <p:cNvPr id="61" name="Straight Arrow Connector 60">
-            <a:extLst>
-              <a:ext uri="{FF2B5EF4-FFF2-40B4-BE49-F238E27FC236}">
-                <a16:creationId xmlns:a16="http://schemas.microsoft.com/office/drawing/2014/main" id="{874EF856-4A2E-4336-BD33-2D1FEEC9F034}"/>
-              </a:ext>
-            </a:extLst>
-          </p:cNvPr>
-          <p:cNvCxnSpPr>
-            <a:cxnSpLocks/>
-          </p:cNvCxnSpPr>
-          <p:nvPr/>
-        </p:nvCxnSpPr>
-        <p:spPr>
-          <a:xfrm>
-            <a:off x="7755954" y="3704813"/>
-            <a:ext cx="365760" cy="1"/>
-          </a:xfrm>
-          <a:prstGeom prst="straightConnector1">
-            <a:avLst/>
-          </a:prstGeom>
-          <a:ln>
-            <a:tailEnd type="triangle"/>
-          </a:ln>
-        </p:spPr>
-        <p:style>
-          <a:lnRef idx="1">
-            <a:schemeClr val="accent1"/>
-          </a:lnRef>
-          <a:fillRef idx="0">
-            <a:schemeClr val="accent1"/>
-          </a:fillRef>
-          <a:effectRef idx="0">
-            <a:schemeClr val="accent1"/>
-          </a:effectRef>
-          <a:fontRef idx="minor">
-            <a:schemeClr val="tx1"/>
-          </a:fontRef>
-        </p:style>
-      </p:cxnSp>
-      <p:cxnSp>
-        <p:nvCxnSpPr>
-          <p:cNvPr id="62" name="Straight Arrow Connector 61">
-            <a:extLst>
-              <a:ext uri="{FF2B5EF4-FFF2-40B4-BE49-F238E27FC236}">
-                <a16:creationId xmlns:a16="http://schemas.microsoft.com/office/drawing/2014/main" id="{3CAA2E1C-554B-4A97-92E6-568B893D2F2E}"/>
-              </a:ext>
-            </a:extLst>
-          </p:cNvPr>
-          <p:cNvCxnSpPr>
-            <a:cxnSpLocks/>
-          </p:cNvCxnSpPr>
-          <p:nvPr/>
-        </p:nvCxnSpPr>
-        <p:spPr>
-          <a:xfrm>
-            <a:off x="7755954" y="3945168"/>
-            <a:ext cx="365760" cy="1"/>
-          </a:xfrm>
-          <a:prstGeom prst="straightConnector1">
-            <a:avLst/>
-          </a:prstGeom>
-          <a:ln>
-            <a:tailEnd type="triangle"/>
-          </a:ln>
-        </p:spPr>
-        <p:style>
-          <a:lnRef idx="1">
-            <a:schemeClr val="accent1"/>
-          </a:lnRef>
-          <a:fillRef idx="0">
-            <a:schemeClr val="accent1"/>
-          </a:fillRef>
-          <a:effectRef idx="0">
-            <a:schemeClr val="accent1"/>
-          </a:effectRef>
-          <a:fontRef idx="minor">
-            <a:schemeClr val="tx1"/>
-          </a:fontRef>
-        </p:style>
-      </p:cxnSp>
-      <p:cxnSp>
-        <p:nvCxnSpPr>
-          <p:cNvPr id="63" name="Straight Arrow Connector 62">
-            <a:extLst>
-              <a:ext uri="{FF2B5EF4-FFF2-40B4-BE49-F238E27FC236}">
-                <a16:creationId xmlns:a16="http://schemas.microsoft.com/office/drawing/2014/main" id="{98DC5E44-D974-412B-AEF2-06086ADB02FD}"/>
-              </a:ext>
-            </a:extLst>
-          </p:cNvPr>
-          <p:cNvCxnSpPr>
-            <a:cxnSpLocks/>
-          </p:cNvCxnSpPr>
-          <p:nvPr/>
-        </p:nvCxnSpPr>
-        <p:spPr>
-          <a:xfrm>
-            <a:off x="7755954" y="4199844"/>
-            <a:ext cx="365760" cy="1"/>
-          </a:xfrm>
-          <a:prstGeom prst="straightConnector1">
-            <a:avLst/>
-          </a:prstGeom>
-          <a:ln>
-            <a:tailEnd type="triangle"/>
-          </a:ln>
-        </p:spPr>
-        <p:style>
-          <a:lnRef idx="1">
-            <a:schemeClr val="accent1"/>
-          </a:lnRef>
-          <a:fillRef idx="0">
-            <a:schemeClr val="accent1"/>
-          </a:fillRef>
-          <a:effectRef idx="0">
-            <a:schemeClr val="accent1"/>
-          </a:effectRef>
-          <a:fontRef idx="minor">
-            <a:schemeClr val="tx1"/>
-          </a:fontRef>
-        </p:style>
-      </p:cxnSp>
-      <p:sp>
-        <p:nvSpPr>
-          <p:cNvPr id="64" name="Flowchart: Connector 63">
-            <a:extLst>
-              <a:ext uri="{FF2B5EF4-FFF2-40B4-BE49-F238E27FC236}">
-                <a16:creationId xmlns:a16="http://schemas.microsoft.com/office/drawing/2014/main" id="{0404B752-F939-4DE3-93A5-47F4A31AC5CD}"/>
-              </a:ext>
-            </a:extLst>
-          </p:cNvPr>
-          <p:cNvSpPr/>
-          <p:nvPr/>
-        </p:nvSpPr>
-        <p:spPr>
-          <a:xfrm>
-            <a:off x="7712214" y="3192649"/>
-            <a:ext cx="87481" cy="87481"/>
-          </a:xfrm>
-          <a:prstGeom prst="flowChartConnector">
-            <a:avLst/>
-          </a:prstGeom>
-          <a:solidFill>
-            <a:schemeClr val="tx1"/>
-          </a:solidFill>
-        </p:spPr>
-        <p:style>
-          <a:lnRef idx="2">
-            <a:schemeClr val="accent1">
-              <a:shade val="50000"/>
-            </a:schemeClr>
-          </a:lnRef>
-          <a:fillRef idx="1">
-            <a:schemeClr val="accent1"/>
-          </a:fillRef>
-          <a:effectRef idx="0">
-            <a:schemeClr val="accent1"/>
-          </a:effectRef>
-          <a:fontRef idx="minor">
-            <a:schemeClr val="lt1"/>
-          </a:fontRef>
-        </p:style>
-        <p:txBody>
-          <a:bodyPr rtlCol="0" anchor="ctr"/>
-          <a:lstStyle/>
-          <a:p>
-            <a:pPr algn="ctr"/>
-            <a:endParaRPr lang="en-US"/>
-          </a:p>
-        </p:txBody>
-      </p:sp>
-      <p:sp>
-        <p:nvSpPr>
-          <p:cNvPr id="65" name="Flowchart: Connector 64">
-            <a:extLst>
-              <a:ext uri="{FF2B5EF4-FFF2-40B4-BE49-F238E27FC236}">
-                <a16:creationId xmlns:a16="http://schemas.microsoft.com/office/drawing/2014/main" id="{2F9250B9-0C83-48DA-9974-B81105164DD4}"/>
-              </a:ext>
-            </a:extLst>
-          </p:cNvPr>
-          <p:cNvSpPr/>
-          <p:nvPr/>
-        </p:nvSpPr>
-        <p:spPr>
-          <a:xfrm>
-            <a:off x="8132681" y="3192649"/>
-            <a:ext cx="87481" cy="87481"/>
-          </a:xfrm>
-          <a:prstGeom prst="flowChartConnector">
-            <a:avLst/>
-          </a:prstGeom>
-          <a:solidFill>
-            <a:schemeClr val="tx1"/>
-          </a:solidFill>
-        </p:spPr>
-        <p:style>
-          <a:lnRef idx="2">
-            <a:schemeClr val="accent1">
-              <a:shade val="50000"/>
-            </a:schemeClr>
-          </a:lnRef>
-          <a:fillRef idx="1">
-            <a:schemeClr val="accent1"/>
-          </a:fillRef>
-          <a:effectRef idx="0">
-            <a:schemeClr val="accent1"/>
-          </a:effectRef>
-          <a:fontRef idx="minor">
-            <a:schemeClr val="lt1"/>
-          </a:fontRef>
-        </p:style>
-        <p:txBody>
-          <a:bodyPr rtlCol="0" anchor="ctr"/>
-          <a:lstStyle/>
-          <a:p>
-            <a:pPr algn="ctr"/>
-            <a:endParaRPr lang="en-US"/>
-          </a:p>
-        </p:txBody>
-      </p:sp>
-      <p:cxnSp>
-        <p:nvCxnSpPr>
-          <p:cNvPr id="66" name="Straight Arrow Connector 65">
-            <a:extLst>
-              <a:ext uri="{FF2B5EF4-FFF2-40B4-BE49-F238E27FC236}">
-                <a16:creationId xmlns:a16="http://schemas.microsoft.com/office/drawing/2014/main" id="{57A21DFD-FF04-4D7B-8743-ED46D6B2B4A8}"/>
-              </a:ext>
-            </a:extLst>
-          </p:cNvPr>
-          <p:cNvCxnSpPr>
-            <a:cxnSpLocks/>
-          </p:cNvCxnSpPr>
-          <p:nvPr/>
-        </p:nvCxnSpPr>
-        <p:spPr>
-          <a:xfrm>
-            <a:off x="7755954" y="3211896"/>
-            <a:ext cx="365760" cy="1"/>
-          </a:xfrm>
-          <a:prstGeom prst="straightConnector1">
-            <a:avLst/>
-          </a:prstGeom>
-          <a:ln>
-            <a:tailEnd type="triangle"/>
-          </a:ln>
-        </p:spPr>
-        <p:style>
-          <a:lnRef idx="1">
-            <a:schemeClr val="accent1"/>
-          </a:lnRef>
-          <a:fillRef idx="0">
-            <a:schemeClr val="accent1"/>
-          </a:fillRef>
-          <a:effectRef idx="0">
-            <a:schemeClr val="accent1"/>
-          </a:effectRef>
-          <a:fontRef idx="minor">
-            <a:schemeClr val="tx1"/>
-          </a:fontRef>
-        </p:style>
-      </p:cxnSp>
-      <p:cxnSp>
-        <p:nvCxnSpPr>
-          <p:cNvPr id="67" name="Straight Arrow Connector 66">
-            <a:extLst>
-              <a:ext uri="{FF2B5EF4-FFF2-40B4-BE49-F238E27FC236}">
-                <a16:creationId xmlns:a16="http://schemas.microsoft.com/office/drawing/2014/main" id="{AF26BF13-AC7A-4F17-9DAA-E1B0043628BA}"/>
-              </a:ext>
-            </a:extLst>
-          </p:cNvPr>
-          <p:cNvCxnSpPr>
-            <a:cxnSpLocks/>
-          </p:cNvCxnSpPr>
-          <p:nvPr/>
-        </p:nvCxnSpPr>
-        <p:spPr>
-          <a:xfrm>
-            <a:off x="7755954" y="3441566"/>
-            <a:ext cx="365760" cy="1"/>
-          </a:xfrm>
-          <a:prstGeom prst="straightConnector1">
-            <a:avLst/>
-          </a:prstGeom>
-          <a:ln>
-            <a:tailEnd type="triangle"/>
-          </a:ln>
-        </p:spPr>
-        <p:style>
-          <a:lnRef idx="1">
-            <a:schemeClr val="accent1"/>
-          </a:lnRef>
-          <a:fillRef idx="0">
-            <a:schemeClr val="accent1"/>
-          </a:fillRef>
-          <a:effectRef idx="0">
-            <a:schemeClr val="accent1"/>
-          </a:effectRef>
-          <a:fontRef idx="minor">
-            <a:schemeClr val="tx1"/>
-          </a:fontRef>
-        </p:style>
-      </p:cxnSp>
-      <p:sp>
-        <p:nvSpPr>
-          <p:cNvPr id="120" name="Flowchart: Connector 119">
-            <a:extLst>
-              <a:ext uri="{FF2B5EF4-FFF2-40B4-BE49-F238E27FC236}">
-                <a16:creationId xmlns:a16="http://schemas.microsoft.com/office/drawing/2014/main" id="{9320DC6E-8C5A-4454-85A1-20F2958BCEDC}"/>
-              </a:ext>
-            </a:extLst>
-          </p:cNvPr>
-          <p:cNvSpPr/>
-          <p:nvPr/>
-        </p:nvSpPr>
-        <p:spPr>
-          <a:xfrm>
-            <a:off x="9772725" y="3169423"/>
-            <a:ext cx="87481" cy="87481"/>
-          </a:xfrm>
-          <a:prstGeom prst="flowChartConnector">
-            <a:avLst/>
-          </a:prstGeom>
-          <a:solidFill>
-            <a:schemeClr val="tx1"/>
-          </a:solidFill>
-        </p:spPr>
-        <p:style>
-          <a:lnRef idx="2">
-            <a:schemeClr val="accent1">
-              <a:shade val="50000"/>
-            </a:schemeClr>
-          </a:lnRef>
-          <a:fillRef idx="1">
-            <a:schemeClr val="accent1"/>
-          </a:fillRef>
-          <a:effectRef idx="0">
-            <a:schemeClr val="accent1"/>
-          </a:effectRef>
-          <a:fontRef idx="minor">
-            <a:schemeClr val="lt1"/>
-          </a:fontRef>
-        </p:style>
-        <p:txBody>
-          <a:bodyPr rtlCol="0" anchor="ctr"/>
-          <a:lstStyle/>
-          <a:p>
-            <a:pPr algn="ctr"/>
-            <a:endParaRPr lang="en-US"/>
-          </a:p>
-        </p:txBody>
-      </p:sp>
-      <p:sp>
-        <p:nvSpPr>
-          <p:cNvPr id="121" name="Flowchart: Connector 120">
-            <a:extLst>
-              <a:ext uri="{FF2B5EF4-FFF2-40B4-BE49-F238E27FC236}">
-                <a16:creationId xmlns:a16="http://schemas.microsoft.com/office/drawing/2014/main" id="{DE29C10A-2FFF-414D-9B24-73BBB831239F}"/>
-              </a:ext>
-            </a:extLst>
-          </p:cNvPr>
-          <p:cNvSpPr/>
-          <p:nvPr/>
-        </p:nvSpPr>
-        <p:spPr>
-          <a:xfrm>
-            <a:off x="9772725" y="3412154"/>
-            <a:ext cx="87481" cy="87481"/>
-          </a:xfrm>
-          <a:prstGeom prst="flowChartConnector">
-            <a:avLst/>
-          </a:prstGeom>
-          <a:solidFill>
-            <a:schemeClr val="tx1"/>
-          </a:solidFill>
-        </p:spPr>
-        <p:style>
-          <a:lnRef idx="2">
-            <a:schemeClr val="accent1">
-              <a:shade val="50000"/>
-            </a:schemeClr>
-          </a:lnRef>
-          <a:fillRef idx="1">
-            <a:schemeClr val="accent1"/>
-          </a:fillRef>
-          <a:effectRef idx="0">
-            <a:schemeClr val="accent1"/>
-          </a:effectRef>
-          <a:fontRef idx="minor">
-            <a:schemeClr val="lt1"/>
-          </a:fontRef>
-        </p:style>
-        <p:txBody>
-          <a:bodyPr rtlCol="0" anchor="ctr"/>
-          <a:lstStyle/>
-          <a:p>
-            <a:pPr algn="ctr"/>
-            <a:endParaRPr lang="en-US"/>
-          </a:p>
-        </p:txBody>
-      </p:sp>
-      <p:sp>
-        <p:nvSpPr>
-          <p:cNvPr id="122" name="Flowchart: Connector 121">
-            <a:extLst>
-              <a:ext uri="{FF2B5EF4-FFF2-40B4-BE49-F238E27FC236}">
-                <a16:creationId xmlns:a16="http://schemas.microsoft.com/office/drawing/2014/main" id="{35ADAC05-7BAB-403F-9A35-F30BB905AB4E}"/>
-              </a:ext>
-            </a:extLst>
-          </p:cNvPr>
-          <p:cNvSpPr/>
-          <p:nvPr/>
-        </p:nvSpPr>
-        <p:spPr>
-          <a:xfrm>
-            <a:off x="9772725" y="3654885"/>
-            <a:ext cx="87481" cy="87481"/>
-          </a:xfrm>
-          <a:prstGeom prst="flowChartConnector">
-            <a:avLst/>
-          </a:prstGeom>
-          <a:solidFill>
-            <a:schemeClr val="tx1"/>
-          </a:solidFill>
-        </p:spPr>
-        <p:style>
-          <a:lnRef idx="2">
-            <a:schemeClr val="accent1">
-              <a:shade val="50000"/>
-            </a:schemeClr>
-          </a:lnRef>
-          <a:fillRef idx="1">
-            <a:schemeClr val="accent1"/>
-          </a:fillRef>
-          <a:effectRef idx="0">
-            <a:schemeClr val="accent1"/>
-          </a:effectRef>
-          <a:fontRef idx="minor">
-            <a:schemeClr val="lt1"/>
-          </a:fontRef>
-        </p:style>
-        <p:txBody>
-          <a:bodyPr rtlCol="0" anchor="ctr"/>
-          <a:lstStyle/>
-          <a:p>
-            <a:pPr algn="ctr"/>
-            <a:endParaRPr lang="en-US"/>
-          </a:p>
-        </p:txBody>
-      </p:sp>
-      <p:sp>
-        <p:nvSpPr>
-          <p:cNvPr id="123" name="Flowchart: Connector 122">
-            <a:extLst>
-              <a:ext uri="{FF2B5EF4-FFF2-40B4-BE49-F238E27FC236}">
-                <a16:creationId xmlns:a16="http://schemas.microsoft.com/office/drawing/2014/main" id="{CFB617DC-233E-40E4-871D-70CBA5E43200}"/>
-              </a:ext>
-            </a:extLst>
-          </p:cNvPr>
-          <p:cNvSpPr/>
-          <p:nvPr/>
-        </p:nvSpPr>
-        <p:spPr>
-          <a:xfrm>
-            <a:off x="9772725" y="3897617"/>
-            <a:ext cx="87481" cy="87481"/>
-          </a:xfrm>
-          <a:prstGeom prst="flowChartConnector">
-            <a:avLst/>
-          </a:prstGeom>
-          <a:solidFill>
-            <a:schemeClr val="tx1"/>
-          </a:solidFill>
-        </p:spPr>
-        <p:style>
-          <a:lnRef idx="2">
-            <a:schemeClr val="accent1">
-              <a:shade val="50000"/>
-            </a:schemeClr>
-          </a:lnRef>
-          <a:fillRef idx="1">
-            <a:schemeClr val="accent1"/>
-          </a:fillRef>
-          <a:effectRef idx="0">
-            <a:schemeClr val="accent1"/>
-          </a:effectRef>
-          <a:fontRef idx="minor">
-            <a:schemeClr val="lt1"/>
-          </a:fontRef>
-        </p:style>
-        <p:txBody>
-          <a:bodyPr rtlCol="0" anchor="ctr"/>
-          <a:lstStyle/>
-          <a:p>
-            <a:pPr algn="ctr"/>
-            <a:endParaRPr lang="en-US"/>
-          </a:p>
-        </p:txBody>
-      </p:sp>
-      <p:sp>
-        <p:nvSpPr>
-          <p:cNvPr id="124" name="Flowchart: Connector 123">
-            <a:extLst>
-              <a:ext uri="{FF2B5EF4-FFF2-40B4-BE49-F238E27FC236}">
-                <a16:creationId xmlns:a16="http://schemas.microsoft.com/office/drawing/2014/main" id="{D9EAF4A4-9DC2-4212-943E-960794D4C61B}"/>
-              </a:ext>
-            </a:extLst>
-          </p:cNvPr>
-          <p:cNvSpPr/>
-          <p:nvPr/>
-        </p:nvSpPr>
-        <p:spPr>
-          <a:xfrm>
-            <a:off x="11134485" y="3169423"/>
-            <a:ext cx="87481" cy="87481"/>
-          </a:xfrm>
-          <a:prstGeom prst="flowChartConnector">
-            <a:avLst/>
-          </a:prstGeom>
-          <a:solidFill>
-            <a:schemeClr val="tx1"/>
-          </a:solidFill>
-        </p:spPr>
-        <p:style>
-          <a:lnRef idx="2">
-            <a:schemeClr val="accent1">
-              <a:shade val="50000"/>
-            </a:schemeClr>
-          </a:lnRef>
-          <a:fillRef idx="1">
-            <a:schemeClr val="accent1"/>
-          </a:fillRef>
-          <a:effectRef idx="0">
-            <a:schemeClr val="accent1"/>
-          </a:effectRef>
-          <a:fontRef idx="minor">
-            <a:schemeClr val="lt1"/>
-          </a:fontRef>
-        </p:style>
-        <p:txBody>
-          <a:bodyPr rtlCol="0" anchor="ctr"/>
-          <a:lstStyle/>
-          <a:p>
-            <a:pPr algn="ctr"/>
-            <a:endParaRPr lang="en-US"/>
-          </a:p>
-        </p:txBody>
-      </p:sp>
-      <p:sp>
-        <p:nvSpPr>
-          <p:cNvPr id="125" name="Flowchart: Connector 124">
-            <a:extLst>
-              <a:ext uri="{FF2B5EF4-FFF2-40B4-BE49-F238E27FC236}">
-                <a16:creationId xmlns:a16="http://schemas.microsoft.com/office/drawing/2014/main" id="{28FA60B8-A8D5-45D5-9352-143565761093}"/>
-              </a:ext>
-            </a:extLst>
-          </p:cNvPr>
-          <p:cNvSpPr/>
-          <p:nvPr/>
-        </p:nvSpPr>
-        <p:spPr>
-          <a:xfrm>
-            <a:off x="11134485" y="3412154"/>
-            <a:ext cx="87481" cy="87481"/>
-          </a:xfrm>
-          <a:prstGeom prst="flowChartConnector">
-            <a:avLst/>
-          </a:prstGeom>
-          <a:solidFill>
-            <a:schemeClr val="tx1"/>
-          </a:solidFill>
-        </p:spPr>
-        <p:style>
-          <a:lnRef idx="2">
-            <a:schemeClr val="accent1">
-              <a:shade val="50000"/>
-            </a:schemeClr>
-          </a:lnRef>
-          <a:fillRef idx="1">
-            <a:schemeClr val="accent1"/>
-          </a:fillRef>
-          <a:effectRef idx="0">
-            <a:schemeClr val="accent1"/>
-          </a:effectRef>
-          <a:fontRef idx="minor">
-            <a:schemeClr val="lt1"/>
-          </a:fontRef>
-        </p:style>
-        <p:txBody>
-          <a:bodyPr rtlCol="0" anchor="ctr"/>
-          <a:lstStyle/>
-          <a:p>
-            <a:pPr algn="ctr"/>
-            <a:endParaRPr lang="en-US"/>
-          </a:p>
-        </p:txBody>
-      </p:sp>
-      <p:sp>
-        <p:nvSpPr>
-          <p:cNvPr id="126" name="Flowchart: Connector 125">
-            <a:extLst>
-              <a:ext uri="{FF2B5EF4-FFF2-40B4-BE49-F238E27FC236}">
-                <a16:creationId xmlns:a16="http://schemas.microsoft.com/office/drawing/2014/main" id="{938FA89C-B449-431A-8CE7-947FE043BCFF}"/>
-              </a:ext>
-            </a:extLst>
-          </p:cNvPr>
-          <p:cNvSpPr/>
-          <p:nvPr/>
-        </p:nvSpPr>
-        <p:spPr>
-          <a:xfrm>
-            <a:off x="11134485" y="3654885"/>
-            <a:ext cx="87481" cy="87481"/>
-          </a:xfrm>
-          <a:prstGeom prst="flowChartConnector">
-            <a:avLst/>
-          </a:prstGeom>
-          <a:solidFill>
-            <a:schemeClr val="tx1"/>
-          </a:solidFill>
-        </p:spPr>
-        <p:style>
-          <a:lnRef idx="2">
-            <a:schemeClr val="accent1">
-              <a:shade val="50000"/>
-            </a:schemeClr>
-          </a:lnRef>
-          <a:fillRef idx="1">
-            <a:schemeClr val="accent1"/>
-          </a:fillRef>
-          <a:effectRef idx="0">
-            <a:schemeClr val="accent1"/>
-          </a:effectRef>
-          <a:fontRef idx="minor">
-            <a:schemeClr val="lt1"/>
-          </a:fontRef>
-        </p:style>
-        <p:txBody>
-          <a:bodyPr rtlCol="0" anchor="ctr"/>
-          <a:lstStyle/>
-          <a:p>
-            <a:pPr algn="ctr"/>
-            <a:endParaRPr lang="en-US"/>
-          </a:p>
-        </p:txBody>
-      </p:sp>
-      <p:sp>
-        <p:nvSpPr>
-          <p:cNvPr id="127" name="Flowchart: Connector 126">
-            <a:extLst>
-              <a:ext uri="{FF2B5EF4-FFF2-40B4-BE49-F238E27FC236}">
-                <a16:creationId xmlns:a16="http://schemas.microsoft.com/office/drawing/2014/main" id="{5C389245-05D6-4134-831E-48DA8D4A0BB1}"/>
-              </a:ext>
-            </a:extLst>
-          </p:cNvPr>
-          <p:cNvSpPr/>
-          <p:nvPr/>
-        </p:nvSpPr>
-        <p:spPr>
-          <a:xfrm>
-            <a:off x="11134485" y="3897617"/>
-            <a:ext cx="87481" cy="87481"/>
-          </a:xfrm>
-          <a:prstGeom prst="flowChartConnector">
-            <a:avLst/>
-          </a:prstGeom>
-          <a:solidFill>
-            <a:schemeClr val="tx1"/>
-          </a:solidFill>
-        </p:spPr>
-        <p:style>
-          <a:lnRef idx="2">
-            <a:schemeClr val="accent1">
-              <a:shade val="50000"/>
-            </a:schemeClr>
-          </a:lnRef>
-          <a:fillRef idx="1">
-            <a:schemeClr val="accent1"/>
-          </a:fillRef>
-          <a:effectRef idx="0">
-            <a:schemeClr val="accent1"/>
-          </a:effectRef>
-          <a:fontRef idx="minor">
-            <a:schemeClr val="lt1"/>
-          </a:fontRef>
-        </p:style>
-        <p:txBody>
-          <a:bodyPr rtlCol="0" anchor="ctr"/>
-          <a:lstStyle/>
-          <a:p>
-            <a:pPr algn="ctr"/>
-            <a:endParaRPr lang="en-US"/>
-          </a:p>
-        </p:txBody>
-      </p:sp>
-      <p:cxnSp>
-        <p:nvCxnSpPr>
-          <p:cNvPr id="128" name="Straight Arrow Connector 127">
-            <a:extLst>
-              <a:ext uri="{FF2B5EF4-FFF2-40B4-BE49-F238E27FC236}">
-                <a16:creationId xmlns:a16="http://schemas.microsoft.com/office/drawing/2014/main" id="{8214B9B3-F0B6-4F08-8581-1DD26D40C3AA}"/>
-              </a:ext>
-            </a:extLst>
-          </p:cNvPr>
-          <p:cNvCxnSpPr>
-            <a:cxnSpLocks/>
-          </p:cNvCxnSpPr>
-          <p:nvPr/>
-        </p:nvCxnSpPr>
-        <p:spPr>
-          <a:xfrm>
-            <a:off x="9816465" y="3213162"/>
-            <a:ext cx="1318020" cy="1"/>
-          </a:xfrm>
-          <a:prstGeom prst="straightConnector1">
-            <a:avLst/>
-          </a:prstGeom>
-          <a:ln>
-            <a:tailEnd type="triangle"/>
-          </a:ln>
-        </p:spPr>
-        <p:style>
-          <a:lnRef idx="1">
-            <a:schemeClr val="accent1"/>
-          </a:lnRef>
-          <a:fillRef idx="0">
-            <a:schemeClr val="accent1"/>
-          </a:fillRef>
-          <a:effectRef idx="0">
-            <a:schemeClr val="accent1"/>
-          </a:effectRef>
-          <a:fontRef idx="minor">
-            <a:schemeClr val="tx1"/>
-          </a:fontRef>
-        </p:style>
-      </p:cxnSp>
-      <p:cxnSp>
-        <p:nvCxnSpPr>
-          <p:cNvPr id="129" name="Straight Arrow Connector 128">
-            <a:extLst>
-              <a:ext uri="{FF2B5EF4-FFF2-40B4-BE49-F238E27FC236}">
-                <a16:creationId xmlns:a16="http://schemas.microsoft.com/office/drawing/2014/main" id="{B64C585F-F894-4DCC-9974-48C1D5CA105C}"/>
-              </a:ext>
-            </a:extLst>
-          </p:cNvPr>
-          <p:cNvCxnSpPr>
-            <a:cxnSpLocks/>
-          </p:cNvCxnSpPr>
-          <p:nvPr/>
-        </p:nvCxnSpPr>
-        <p:spPr>
-          <a:xfrm>
-            <a:off x="9816465" y="3442832"/>
-            <a:ext cx="1318020" cy="1"/>
-          </a:xfrm>
-          <a:prstGeom prst="straightConnector1">
-            <a:avLst/>
-          </a:prstGeom>
-          <a:ln>
-            <a:tailEnd type="triangle"/>
-          </a:ln>
-        </p:spPr>
-        <p:style>
-          <a:lnRef idx="1">
-            <a:schemeClr val="accent1"/>
-          </a:lnRef>
-          <a:fillRef idx="0">
-            <a:schemeClr val="accent1"/>
-          </a:fillRef>
-          <a:effectRef idx="0">
-            <a:schemeClr val="accent1"/>
-          </a:effectRef>
-          <a:fontRef idx="minor">
-            <a:schemeClr val="tx1"/>
-          </a:fontRef>
-        </p:style>
-      </p:cxnSp>
-      <p:cxnSp>
-        <p:nvCxnSpPr>
-          <p:cNvPr id="130" name="Straight Arrow Connector 129">
-            <a:extLst>
-              <a:ext uri="{FF2B5EF4-FFF2-40B4-BE49-F238E27FC236}">
-                <a16:creationId xmlns:a16="http://schemas.microsoft.com/office/drawing/2014/main" id="{530246E2-AC7E-4D9E-A516-455ACC862A64}"/>
-              </a:ext>
-            </a:extLst>
-          </p:cNvPr>
-          <p:cNvCxnSpPr>
-            <a:cxnSpLocks/>
-          </p:cNvCxnSpPr>
-          <p:nvPr/>
-        </p:nvCxnSpPr>
-        <p:spPr>
-          <a:xfrm>
-            <a:off x="9816465" y="3683187"/>
-            <a:ext cx="1318020" cy="1"/>
-          </a:xfrm>
-          <a:prstGeom prst="straightConnector1">
-            <a:avLst/>
-          </a:prstGeom>
-          <a:ln>
-            <a:tailEnd type="triangle"/>
-          </a:ln>
-        </p:spPr>
-        <p:style>
-          <a:lnRef idx="1">
-            <a:schemeClr val="accent1"/>
-          </a:lnRef>
-          <a:fillRef idx="0">
-            <a:schemeClr val="accent1"/>
-          </a:fillRef>
-          <a:effectRef idx="0">
-            <a:schemeClr val="accent1"/>
-          </a:effectRef>
-          <a:fontRef idx="minor">
-            <a:schemeClr val="tx1"/>
-          </a:fontRef>
-        </p:style>
-      </p:cxnSp>
-      <p:cxnSp>
-        <p:nvCxnSpPr>
-          <p:cNvPr id="131" name="Straight Arrow Connector 130">
-            <a:extLst>
-              <a:ext uri="{FF2B5EF4-FFF2-40B4-BE49-F238E27FC236}">
-                <a16:creationId xmlns:a16="http://schemas.microsoft.com/office/drawing/2014/main" id="{B70E6DA8-06A4-40A3-8F21-89525E5F3199}"/>
-              </a:ext>
-            </a:extLst>
-          </p:cNvPr>
-          <p:cNvCxnSpPr>
-            <a:cxnSpLocks/>
-          </p:cNvCxnSpPr>
-          <p:nvPr/>
-        </p:nvCxnSpPr>
-        <p:spPr>
-          <a:xfrm>
-            <a:off x="9816465" y="3937863"/>
-            <a:ext cx="1318020" cy="1"/>
-          </a:xfrm>
-          <a:prstGeom prst="straightConnector1">
-            <a:avLst/>
-          </a:prstGeom>
-          <a:ln>
-            <a:tailEnd type="triangle"/>
-          </a:ln>
-        </p:spPr>
-        <p:style>
-          <a:lnRef idx="1">
-            <a:schemeClr val="accent1"/>
-          </a:lnRef>
-          <a:fillRef idx="0">
-            <a:schemeClr val="accent1"/>
-          </a:fillRef>
-          <a:effectRef idx="0">
-            <a:schemeClr val="accent1"/>
-          </a:effectRef>
-          <a:fontRef idx="minor">
-            <a:schemeClr val="tx1"/>
-          </a:fontRef>
-        </p:style>
-      </p:cxnSp>
-      <p:sp>
-        <p:nvSpPr>
-          <p:cNvPr id="145" name="Freeform: Shape 144">
-            <a:extLst>
-              <a:ext uri="{FF2B5EF4-FFF2-40B4-BE49-F238E27FC236}">
-                <a16:creationId xmlns:a16="http://schemas.microsoft.com/office/drawing/2014/main" id="{A9B5897A-96FB-44AF-AADD-DFB85CCC7FB2}"/>
-              </a:ext>
-            </a:extLst>
-          </p:cNvPr>
-          <p:cNvSpPr/>
-          <p:nvPr/>
-        </p:nvSpPr>
-        <p:spPr>
-          <a:xfrm>
-            <a:off x="9240250" y="5150596"/>
-            <a:ext cx="2197769" cy="681789"/>
-          </a:xfrm>
-          <a:custGeom>
-            <a:avLst/>
-            <a:gdLst>
-              <a:gd name="connsiteX0" fmla="*/ 2197769 w 2197769"/>
-              <a:gd name="connsiteY0" fmla="*/ 0 h 681789"/>
-              <a:gd name="connsiteX1" fmla="*/ 521369 w 2197769"/>
-              <a:gd name="connsiteY1" fmla="*/ 0 h 681789"/>
-              <a:gd name="connsiteX2" fmla="*/ 0 w 2197769"/>
-              <a:gd name="connsiteY2" fmla="*/ 681789 h 681789"/>
-              <a:gd name="connsiteX3" fmla="*/ 1828800 w 2197769"/>
-              <a:gd name="connsiteY3" fmla="*/ 681789 h 681789"/>
-              <a:gd name="connsiteX4" fmla="*/ 2197769 w 2197769"/>
-              <a:gd name="connsiteY4" fmla="*/ 0 h 681789"/>
-            </a:gdLst>
-            <a:ahLst/>
-            <a:cxnLst>
-              <a:cxn ang="0">
-                <a:pos x="connsiteX0" y="connsiteY0"/>
-              </a:cxn>
-              <a:cxn ang="0">
-                <a:pos x="connsiteX1" y="connsiteY1"/>
-              </a:cxn>
-              <a:cxn ang="0">
-                <a:pos x="connsiteX2" y="connsiteY2"/>
-              </a:cxn>
-              <a:cxn ang="0">
-                <a:pos x="connsiteX3" y="connsiteY3"/>
-              </a:cxn>
-              <a:cxn ang="0">
-                <a:pos x="connsiteX4" y="connsiteY4"/>
-              </a:cxn>
-            </a:cxnLst>
-            <a:rect l="l" t="t" r="r" b="b"/>
-            <a:pathLst>
-              <a:path w="2197769" h="681789">
-                <a:moveTo>
-                  <a:pt x="2197769" y="0"/>
-                </a:moveTo>
-                <a:lnTo>
-                  <a:pt x="521369" y="0"/>
-                </a:lnTo>
-                <a:lnTo>
-                  <a:pt x="0" y="681789"/>
-                </a:lnTo>
-                <a:lnTo>
-                  <a:pt x="1828800" y="681789"/>
-                </a:lnTo>
-                <a:lnTo>
-                  <a:pt x="2197769" y="0"/>
-                </a:lnTo>
-                <a:close/>
-              </a:path>
-            </a:pathLst>
-          </a:custGeom>
-          <a:noFill/>
-        </p:spPr>
-        <p:style>
-          <a:lnRef idx="2">
-            <a:schemeClr val="accent1">
-              <a:shade val="50000"/>
-            </a:schemeClr>
-          </a:lnRef>
-          <a:fillRef idx="1">
-            <a:schemeClr val="accent1"/>
-          </a:fillRef>
-          <a:effectRef idx="0">
-            <a:schemeClr val="accent1"/>
-          </a:effectRef>
-          <a:fontRef idx="minor">
-            <a:schemeClr val="lt1"/>
-          </a:fontRef>
-        </p:style>
-        <p:txBody>
-          <a:bodyPr rtlCol="0" anchor="ctr"/>
-          <a:lstStyle/>
-          <a:p>
-            <a:pPr algn="ctr"/>
-            <a:endParaRPr lang="en-US"/>
-          </a:p>
-        </p:txBody>
-      </p:sp>
-      <p:sp>
-        <p:nvSpPr>
-          <p:cNvPr id="146" name="Freeform: Shape 145">
-            <a:extLst>
-              <a:ext uri="{FF2B5EF4-FFF2-40B4-BE49-F238E27FC236}">
-                <a16:creationId xmlns:a16="http://schemas.microsoft.com/office/drawing/2014/main" id="{3E75E2BA-A646-4C8D-9F6B-BBB357C7B18D}"/>
-              </a:ext>
-            </a:extLst>
-          </p:cNvPr>
-          <p:cNvSpPr/>
-          <p:nvPr/>
-        </p:nvSpPr>
-        <p:spPr>
-          <a:xfrm>
-            <a:off x="9240250" y="4942049"/>
-            <a:ext cx="2197769" cy="681789"/>
-          </a:xfrm>
-          <a:custGeom>
-            <a:avLst/>
-            <a:gdLst>
-              <a:gd name="connsiteX0" fmla="*/ 2197769 w 2197769"/>
-              <a:gd name="connsiteY0" fmla="*/ 0 h 681789"/>
-              <a:gd name="connsiteX1" fmla="*/ 521369 w 2197769"/>
-              <a:gd name="connsiteY1" fmla="*/ 0 h 681789"/>
-              <a:gd name="connsiteX2" fmla="*/ 0 w 2197769"/>
-              <a:gd name="connsiteY2" fmla="*/ 681789 h 681789"/>
-              <a:gd name="connsiteX3" fmla="*/ 1828800 w 2197769"/>
-              <a:gd name="connsiteY3" fmla="*/ 681789 h 681789"/>
-              <a:gd name="connsiteX4" fmla="*/ 2197769 w 2197769"/>
-              <a:gd name="connsiteY4" fmla="*/ 0 h 681789"/>
-            </a:gdLst>
-            <a:ahLst/>
-            <a:cxnLst>
-              <a:cxn ang="0">
-                <a:pos x="connsiteX0" y="connsiteY0"/>
-              </a:cxn>
-              <a:cxn ang="0">
-                <a:pos x="connsiteX1" y="connsiteY1"/>
-              </a:cxn>
-              <a:cxn ang="0">
-                <a:pos x="connsiteX2" y="connsiteY2"/>
-              </a:cxn>
-              <a:cxn ang="0">
-                <a:pos x="connsiteX3" y="connsiteY3"/>
-              </a:cxn>
-              <a:cxn ang="0">
-                <a:pos x="connsiteX4" y="connsiteY4"/>
-              </a:cxn>
-            </a:cxnLst>
-            <a:rect l="l" t="t" r="r" b="b"/>
-            <a:pathLst>
-              <a:path w="2197769" h="681789">
-                <a:moveTo>
-                  <a:pt x="2197769" y="0"/>
-                </a:moveTo>
-                <a:lnTo>
-                  <a:pt x="521369" y="0"/>
-                </a:lnTo>
-                <a:lnTo>
-                  <a:pt x="0" y="681789"/>
-                </a:lnTo>
-                <a:lnTo>
-                  <a:pt x="1828800" y="681789"/>
-                </a:lnTo>
-                <a:lnTo>
-                  <a:pt x="2197769" y="0"/>
-                </a:lnTo>
-                <a:close/>
-              </a:path>
-            </a:pathLst>
-          </a:custGeom>
-          <a:noFill/>
-        </p:spPr>
-        <p:style>
-          <a:lnRef idx="2">
-            <a:schemeClr val="accent1">
-              <a:shade val="50000"/>
-            </a:schemeClr>
-          </a:lnRef>
-          <a:fillRef idx="1">
-            <a:schemeClr val="accent1"/>
-          </a:fillRef>
-          <a:effectRef idx="0">
-            <a:schemeClr val="accent1"/>
-          </a:effectRef>
-          <a:fontRef idx="minor">
-            <a:schemeClr val="lt1"/>
-          </a:fontRef>
-        </p:style>
-        <p:txBody>
-          <a:bodyPr rtlCol="0" anchor="ctr"/>
-          <a:lstStyle/>
-          <a:p>
-            <a:pPr algn="ctr"/>
-            <a:endParaRPr lang="en-US"/>
-          </a:p>
-        </p:txBody>
-      </p:sp>
-      <p:sp>
-        <p:nvSpPr>
-          <p:cNvPr id="147" name="Freeform: Shape 146">
-            <a:extLst>
-              <a:ext uri="{FF2B5EF4-FFF2-40B4-BE49-F238E27FC236}">
-                <a16:creationId xmlns:a16="http://schemas.microsoft.com/office/drawing/2014/main" id="{FB232BAF-7D4B-4AA1-B139-502BC6FE77F9}"/>
-              </a:ext>
-            </a:extLst>
-          </p:cNvPr>
-          <p:cNvSpPr/>
-          <p:nvPr/>
-        </p:nvSpPr>
-        <p:spPr>
-          <a:xfrm>
-            <a:off x="9240250" y="4673344"/>
-            <a:ext cx="2197769" cy="681789"/>
-          </a:xfrm>
-          <a:custGeom>
-            <a:avLst/>
-            <a:gdLst>
-              <a:gd name="connsiteX0" fmla="*/ 2197769 w 2197769"/>
-              <a:gd name="connsiteY0" fmla="*/ 0 h 681789"/>
-              <a:gd name="connsiteX1" fmla="*/ 521369 w 2197769"/>
-              <a:gd name="connsiteY1" fmla="*/ 0 h 681789"/>
-              <a:gd name="connsiteX2" fmla="*/ 0 w 2197769"/>
-              <a:gd name="connsiteY2" fmla="*/ 681789 h 681789"/>
-              <a:gd name="connsiteX3" fmla="*/ 1828800 w 2197769"/>
-              <a:gd name="connsiteY3" fmla="*/ 681789 h 681789"/>
-              <a:gd name="connsiteX4" fmla="*/ 2197769 w 2197769"/>
-              <a:gd name="connsiteY4" fmla="*/ 0 h 681789"/>
-            </a:gdLst>
-            <a:ahLst/>
-            <a:cxnLst>
-              <a:cxn ang="0">
-                <a:pos x="connsiteX0" y="connsiteY0"/>
-              </a:cxn>
-              <a:cxn ang="0">
-                <a:pos x="connsiteX1" y="connsiteY1"/>
-              </a:cxn>
-              <a:cxn ang="0">
-                <a:pos x="connsiteX2" y="connsiteY2"/>
-              </a:cxn>
-              <a:cxn ang="0">
-                <a:pos x="connsiteX3" y="connsiteY3"/>
-              </a:cxn>
-              <a:cxn ang="0">
-                <a:pos x="connsiteX4" y="connsiteY4"/>
-              </a:cxn>
-            </a:cxnLst>
-            <a:rect l="l" t="t" r="r" b="b"/>
-            <a:pathLst>
-              <a:path w="2197769" h="681789">
-                <a:moveTo>
-                  <a:pt x="2197769" y="0"/>
-                </a:moveTo>
-                <a:lnTo>
-                  <a:pt x="521369" y="0"/>
-                </a:lnTo>
-                <a:lnTo>
-                  <a:pt x="0" y="681789"/>
-                </a:lnTo>
-                <a:lnTo>
-                  <a:pt x="1828800" y="681789"/>
-                </a:lnTo>
-                <a:lnTo>
-                  <a:pt x="2197769" y="0"/>
-                </a:lnTo>
-                <a:close/>
-              </a:path>
-            </a:pathLst>
-          </a:custGeom>
-          <a:noFill/>
-        </p:spPr>
-        <p:style>
-          <a:lnRef idx="2">
-            <a:schemeClr val="accent1">
-              <a:shade val="50000"/>
-            </a:schemeClr>
-          </a:lnRef>
-          <a:fillRef idx="1">
-            <a:schemeClr val="accent1"/>
-          </a:fillRef>
-          <a:effectRef idx="0">
-            <a:schemeClr val="accent1"/>
-          </a:effectRef>
-          <a:fontRef idx="minor">
-            <a:schemeClr val="lt1"/>
-          </a:fontRef>
-        </p:style>
-        <p:txBody>
-          <a:bodyPr rtlCol="0" anchor="ctr"/>
-          <a:lstStyle/>
-          <a:p>
-            <a:pPr algn="ctr"/>
-            <a:endParaRPr lang="en-US"/>
-          </a:p>
-        </p:txBody>
-      </p:sp>
-      <p:sp>
-        <p:nvSpPr>
-          <p:cNvPr id="148" name="Freeform: Shape 147">
-            <a:extLst>
-              <a:ext uri="{FF2B5EF4-FFF2-40B4-BE49-F238E27FC236}">
-                <a16:creationId xmlns:a16="http://schemas.microsoft.com/office/drawing/2014/main" id="{C1CD9877-208F-4ED5-9BA9-AF98AB15572A}"/>
-              </a:ext>
-            </a:extLst>
-          </p:cNvPr>
-          <p:cNvSpPr/>
-          <p:nvPr/>
-        </p:nvSpPr>
-        <p:spPr>
-          <a:xfrm>
-            <a:off x="9240249" y="4404639"/>
-            <a:ext cx="2197769" cy="681789"/>
-          </a:xfrm>
-          <a:custGeom>
-            <a:avLst/>
-            <a:gdLst>
-              <a:gd name="connsiteX0" fmla="*/ 2197769 w 2197769"/>
-              <a:gd name="connsiteY0" fmla="*/ 0 h 681789"/>
-              <a:gd name="connsiteX1" fmla="*/ 521369 w 2197769"/>
-              <a:gd name="connsiteY1" fmla="*/ 0 h 681789"/>
-              <a:gd name="connsiteX2" fmla="*/ 0 w 2197769"/>
-              <a:gd name="connsiteY2" fmla="*/ 681789 h 681789"/>
-              <a:gd name="connsiteX3" fmla="*/ 1828800 w 2197769"/>
-              <a:gd name="connsiteY3" fmla="*/ 681789 h 681789"/>
-              <a:gd name="connsiteX4" fmla="*/ 2197769 w 2197769"/>
-              <a:gd name="connsiteY4" fmla="*/ 0 h 681789"/>
-            </a:gdLst>
-            <a:ahLst/>
-            <a:cxnLst>
-              <a:cxn ang="0">
-                <a:pos x="connsiteX0" y="connsiteY0"/>
-              </a:cxn>
-              <a:cxn ang="0">
-                <a:pos x="connsiteX1" y="connsiteY1"/>
-              </a:cxn>
-              <a:cxn ang="0">
-                <a:pos x="connsiteX2" y="connsiteY2"/>
-              </a:cxn>
-              <a:cxn ang="0">
-                <a:pos x="connsiteX3" y="connsiteY3"/>
-              </a:cxn>
-              <a:cxn ang="0">
-                <a:pos x="connsiteX4" y="connsiteY4"/>
-              </a:cxn>
-            </a:cxnLst>
-            <a:rect l="l" t="t" r="r" b="b"/>
-            <a:pathLst>
-              <a:path w="2197769" h="681789">
-                <a:moveTo>
-                  <a:pt x="2197769" y="0"/>
-                </a:moveTo>
-                <a:lnTo>
-                  <a:pt x="521369" y="0"/>
-                </a:lnTo>
-                <a:lnTo>
-                  <a:pt x="0" y="681789"/>
-                </a:lnTo>
-                <a:lnTo>
-                  <a:pt x="1828800" y="681789"/>
-                </a:lnTo>
-                <a:lnTo>
-                  <a:pt x="2197769" y="0"/>
-                </a:lnTo>
-                <a:close/>
-              </a:path>
-            </a:pathLst>
-          </a:custGeom>
-          <a:noFill/>
-        </p:spPr>
-        <p:style>
-          <a:lnRef idx="2">
-            <a:schemeClr val="accent1">
-              <a:shade val="50000"/>
-            </a:schemeClr>
-          </a:lnRef>
-          <a:fillRef idx="1">
-            <a:schemeClr val="accent1"/>
-          </a:fillRef>
-          <a:effectRef idx="0">
-            <a:schemeClr val="accent1"/>
-          </a:effectRef>
-          <a:fontRef idx="minor">
-            <a:schemeClr val="lt1"/>
-          </a:fontRef>
-        </p:style>
-        <p:txBody>
-          <a:bodyPr rtlCol="0" anchor="ctr"/>
-          <a:lstStyle/>
-          <a:p>
-            <a:pPr algn="ctr"/>
-            <a:endParaRPr lang="en-US"/>
-          </a:p>
-        </p:txBody>
-      </p:sp>
-      <p:cxnSp>
-        <p:nvCxnSpPr>
-          <p:cNvPr id="149" name="Straight Connector 148">
-            <a:extLst>
-              <a:ext uri="{FF2B5EF4-FFF2-40B4-BE49-F238E27FC236}">
-                <a16:creationId xmlns:a16="http://schemas.microsoft.com/office/drawing/2014/main" id="{4844AC33-97DA-41A4-B929-A8FA41BA7612}"/>
-              </a:ext>
-            </a:extLst>
-          </p:cNvPr>
-          <p:cNvCxnSpPr>
-            <a:cxnSpLocks/>
-          </p:cNvCxnSpPr>
-          <p:nvPr/>
-        </p:nvCxnSpPr>
-        <p:spPr>
-          <a:xfrm flipV="1">
-            <a:off x="9457334" y="4767920"/>
-            <a:ext cx="1764632" cy="12025"/>
-          </a:xfrm>
-          <a:prstGeom prst="line">
-            <a:avLst/>
-          </a:prstGeom>
-          <a:ln w="28575">
-            <a:solidFill>
-              <a:srgbClr val="FF0000"/>
-            </a:solidFill>
-          </a:ln>
-        </p:spPr>
-        <p:style>
-          <a:lnRef idx="1">
-            <a:schemeClr val="accent1"/>
-          </a:lnRef>
-          <a:fillRef idx="0">
-            <a:schemeClr val="accent1"/>
-          </a:fillRef>
-          <a:effectRef idx="0">
-            <a:schemeClr val="accent1"/>
-          </a:effectRef>
-          <a:fontRef idx="minor">
-            <a:schemeClr val="tx1"/>
-          </a:fontRef>
-        </p:style>
-      </p:cxnSp>
-      <p:cxnSp>
-        <p:nvCxnSpPr>
-          <p:cNvPr id="150" name="Straight Connector 149">
-            <a:extLst>
-              <a:ext uri="{FF2B5EF4-FFF2-40B4-BE49-F238E27FC236}">
-                <a16:creationId xmlns:a16="http://schemas.microsoft.com/office/drawing/2014/main" id="{00C97A34-7C23-42B3-A003-E3A7CF0C043F}"/>
-              </a:ext>
-            </a:extLst>
-          </p:cNvPr>
-          <p:cNvCxnSpPr>
-            <a:cxnSpLocks/>
-          </p:cNvCxnSpPr>
-          <p:nvPr/>
-        </p:nvCxnSpPr>
-        <p:spPr>
-          <a:xfrm>
-            <a:off x="11221966" y="4767920"/>
-            <a:ext cx="0" cy="729789"/>
-          </a:xfrm>
-          <a:prstGeom prst="line">
-            <a:avLst/>
-          </a:prstGeom>
-          <a:ln w="28575">
-            <a:solidFill>
-              <a:srgbClr val="FF0000"/>
-            </a:solidFill>
-          </a:ln>
-        </p:spPr>
-        <p:style>
-          <a:lnRef idx="1">
-            <a:schemeClr val="accent1"/>
-          </a:lnRef>
-          <a:fillRef idx="0">
-            <a:schemeClr val="accent1"/>
-          </a:fillRef>
-          <a:effectRef idx="0">
-            <a:schemeClr val="accent1"/>
-          </a:effectRef>
-          <a:fontRef idx="minor">
-            <a:schemeClr val="tx1"/>
-          </a:fontRef>
-        </p:style>
-      </p:cxnSp>
-      <p:cxnSp>
-        <p:nvCxnSpPr>
-          <p:cNvPr id="151" name="Straight Connector 150">
-            <a:extLst>
-              <a:ext uri="{FF2B5EF4-FFF2-40B4-BE49-F238E27FC236}">
-                <a16:creationId xmlns:a16="http://schemas.microsoft.com/office/drawing/2014/main" id="{71C03D65-7441-4632-A1F4-35921440AB50}"/>
-              </a:ext>
-            </a:extLst>
-          </p:cNvPr>
-          <p:cNvCxnSpPr>
-            <a:cxnSpLocks/>
-          </p:cNvCxnSpPr>
-          <p:nvPr/>
-        </p:nvCxnSpPr>
-        <p:spPr>
-          <a:xfrm>
-            <a:off x="9457334" y="4763783"/>
-            <a:ext cx="0" cy="745957"/>
-          </a:xfrm>
-          <a:prstGeom prst="line">
-            <a:avLst/>
-          </a:prstGeom>
-          <a:ln w="28575">
-            <a:solidFill>
-              <a:srgbClr val="FF0000"/>
-            </a:solidFill>
-          </a:ln>
-        </p:spPr>
-        <p:style>
-          <a:lnRef idx="1">
-            <a:schemeClr val="accent1"/>
-          </a:lnRef>
-          <a:fillRef idx="0">
-            <a:schemeClr val="accent1"/>
-          </a:fillRef>
-          <a:effectRef idx="0">
-            <a:schemeClr val="accent1"/>
-          </a:effectRef>
-          <a:fontRef idx="minor">
-            <a:schemeClr val="tx1"/>
-          </a:fontRef>
-        </p:style>
-      </p:cxnSp>
-      <p:cxnSp>
-        <p:nvCxnSpPr>
-          <p:cNvPr id="152" name="Straight Connector 151">
-            <a:extLst>
-              <a:ext uri="{FF2B5EF4-FFF2-40B4-BE49-F238E27FC236}">
-                <a16:creationId xmlns:a16="http://schemas.microsoft.com/office/drawing/2014/main" id="{994337FA-95ED-4527-84CB-3B632DE1ADDD}"/>
-              </a:ext>
-            </a:extLst>
-          </p:cNvPr>
-          <p:cNvCxnSpPr>
-            <a:cxnSpLocks/>
-          </p:cNvCxnSpPr>
-          <p:nvPr/>
-        </p:nvCxnSpPr>
-        <p:spPr>
-          <a:xfrm>
-            <a:off x="9457334" y="5479661"/>
-            <a:ext cx="1764632" cy="18048"/>
-          </a:xfrm>
-          <a:prstGeom prst="line">
-            <a:avLst/>
-          </a:prstGeom>
-          <a:ln w="28575">
-            <a:solidFill>
-              <a:srgbClr val="FF0000"/>
-            </a:solidFill>
-          </a:ln>
-        </p:spPr>
-        <p:style>
-          <a:lnRef idx="1">
-            <a:schemeClr val="accent1"/>
-          </a:lnRef>
-          <a:fillRef idx="0">
-            <a:schemeClr val="accent1"/>
-          </a:fillRef>
-          <a:effectRef idx="0">
-            <a:schemeClr val="accent1"/>
-          </a:effectRef>
-          <a:fontRef idx="minor">
-            <a:schemeClr val="tx1"/>
-          </a:fontRef>
-        </p:style>
-      </p:cxnSp>
-      <p:sp>
-        <p:nvSpPr>
-          <p:cNvPr id="156" name="TextBox 155">
-            <a:extLst>
-              <a:ext uri="{FF2B5EF4-FFF2-40B4-BE49-F238E27FC236}">
-                <a16:creationId xmlns:a16="http://schemas.microsoft.com/office/drawing/2014/main" id="{7E9D14F3-3E76-4B60-BB08-7B3FB9B0D08B}"/>
-              </a:ext>
-            </a:extLst>
-          </p:cNvPr>
-          <p:cNvSpPr txBox="1"/>
-          <p:nvPr/>
-        </p:nvSpPr>
-        <p:spPr>
-          <a:xfrm>
-            <a:off x="788286" y="3256904"/>
-            <a:ext cx="2606425" cy="646331"/>
-          </a:xfrm>
-          <a:prstGeom prst="rect">
-            <a:avLst/>
-          </a:prstGeom>
-          <a:noFill/>
-        </p:spPr>
-        <p:txBody>
-          <a:bodyPr wrap="square" rtlCol="0">
-            <a:spAutoFit/>
-          </a:bodyPr>
-          <a:lstStyle/>
-          <a:p>
-            <a:r>
-              <a:rPr lang="en-US" dirty="0"/>
-              <a:t>Every set index in this example is == 0</a:t>
-            </a:r>
-          </a:p>
-        </p:txBody>
-      </p:sp>
     </p:spTree>
     <p:extLst>
       <p:ext uri="{BB962C8B-B14F-4D97-AF65-F5344CB8AC3E}">
-        <p14:creationId xmlns:p14="http://schemas.microsoft.com/office/powerpoint/2010/main" val="219554290"/>
+        <p14:creationId xmlns:p14="http://schemas.microsoft.com/office/powerpoint/2010/main" val="2194687120"/>
+      </p:ext>
+    </p:extLst>
+  </p:cSld>
+  <p:clrMapOvr>
+    <a:masterClrMapping/>
+  </p:clrMapOvr>
+</p:sld>
+</file>
+
+<file path=ppt/slides/slide7.xml><?xml version="1.0" encoding="utf-8"?>
+<p:sld xmlns:a="http://schemas.openxmlformats.org/drawingml/2006/main" xmlns:r="http://schemas.openxmlformats.org/officeDocument/2006/relationships" xmlns:p="http://schemas.openxmlformats.org/presentationml/2006/main">
+  <p:cSld>
+    <p:spTree>
+      <p:nvGrpSpPr>
+        <p:cNvPr id="1" name=""/>
+        <p:cNvGrpSpPr/>
+        <p:nvPr/>
+      </p:nvGrpSpPr>
+      <p:grpSpPr>
+        <a:xfrm>
+          <a:off x="0" y="0"/>
+          <a:ext cx="0" cy="0"/>
+          <a:chOff x="0" y="0"/>
+          <a:chExt cx="0" cy="0"/>
+        </a:xfrm>
+      </p:grpSpPr>
+      <p:sp>
+        <p:nvSpPr>
+          <p:cNvPr id="3" name="Content Placeholder 2">
+            <a:extLst>
+              <a:ext uri="{FF2B5EF4-FFF2-40B4-BE49-F238E27FC236}">
+                <a16:creationId xmlns:a16="http://schemas.microsoft.com/office/drawing/2014/main" id="{6FAA7773-60AA-4D7E-8E32-89057818F233}"/>
+              </a:ext>
+            </a:extLst>
+          </p:cNvPr>
+          <p:cNvSpPr>
+            <a:spLocks noGrp="1"/>
+          </p:cNvSpPr>
+          <p:nvPr>
+            <p:ph idx="1"/>
+          </p:nvPr>
+        </p:nvSpPr>
+        <p:spPr>
+          <a:xfrm>
+            <a:off x="838200" y="41959"/>
+            <a:ext cx="10841182" cy="6816041"/>
+          </a:xfrm>
+        </p:spPr>
+        <p:txBody>
+          <a:bodyPr>
+            <a:normAutofit fontScale="47500" lnSpcReduction="20000"/>
+          </a:bodyPr>
+          <a:lstStyle/>
+          <a:p>
+            <a:r>
+              <a:rPr lang="en-US" dirty="0" err="1"/>
+              <a:t>previousPairs</a:t>
+            </a:r>
+            <a:r>
+              <a:rPr lang="en-US" dirty="0"/>
+              <a:t> = null;</a:t>
+            </a:r>
+          </a:p>
+          <a:p>
+            <a:r>
+              <a:rPr lang="en-US" dirty="0" err="1"/>
+              <a:t>previousDistanceAlong</a:t>
+            </a:r>
+            <a:endParaRPr lang="en-US" dirty="0"/>
+          </a:p>
+          <a:p>
+            <a:r>
+              <a:rPr lang="en-US" dirty="0"/>
+              <a:t>Foreach(var layer in layer)</a:t>
+            </a:r>
+          </a:p>
+          <a:p>
+            <a:pPr lvl="1"/>
+            <a:r>
+              <a:rPr lang="en-US" dirty="0"/>
+              <a:t>var </a:t>
+            </a:r>
+            <a:r>
+              <a:rPr lang="en-US" dirty="0" err="1"/>
+              <a:t>sortedVertices</a:t>
+            </a:r>
+            <a:r>
+              <a:rPr lang="en-US" dirty="0"/>
+              <a:t> = </a:t>
+            </a:r>
+            <a:r>
+              <a:rPr lang="en-US" dirty="0" err="1"/>
+              <a:t>intersectionsByLayer</a:t>
+            </a:r>
+            <a:r>
+              <a:rPr lang="en-US" dirty="0"/>
+              <a:t>[layer].</a:t>
+            </a:r>
+            <a:r>
+              <a:rPr lang="en-US" dirty="0" err="1"/>
+              <a:t>SortAlong</a:t>
+            </a:r>
+            <a:r>
+              <a:rPr lang="en-US" dirty="0"/>
+              <a:t>(perpendicular, out </a:t>
+            </a:r>
+            <a:r>
+              <a:rPr lang="en-US" dirty="0" err="1"/>
+              <a:t>distanceAlong</a:t>
+            </a:r>
+            <a:r>
+              <a:rPr lang="en-US" dirty="0"/>
+              <a:t>)</a:t>
+            </a:r>
+          </a:p>
+          <a:p>
+            <a:pPr lvl="1"/>
+            <a:r>
+              <a:rPr lang="en-US" dirty="0"/>
+              <a:t>var </a:t>
+            </a:r>
+            <a:r>
+              <a:rPr lang="en-US" dirty="0" err="1"/>
+              <a:t>pairsByLayer.Add</a:t>
+            </a:r>
+            <a:r>
+              <a:rPr lang="en-US" dirty="0"/>
+              <a:t>(layer, new List&lt;(vertex, vertex)&gt;())</a:t>
+            </a:r>
+          </a:p>
+          <a:p>
+            <a:pPr lvl="1"/>
+            <a:r>
+              <a:rPr lang="en-US" dirty="0"/>
+              <a:t>For(</a:t>
+            </a:r>
+            <a:r>
+              <a:rPr lang="en-US" dirty="0" err="1"/>
+              <a:t>i</a:t>
+            </a:r>
+            <a:r>
+              <a:rPr lang="en-US" dirty="0"/>
+              <a:t> = 0; </a:t>
+            </a:r>
+            <a:r>
+              <a:rPr lang="en-US" dirty="0" err="1"/>
+              <a:t>i</a:t>
+            </a:r>
+            <a:r>
+              <a:rPr lang="en-US" dirty="0"/>
+              <a:t> &lt; </a:t>
+            </a:r>
+            <a:r>
+              <a:rPr lang="en-US" dirty="0" err="1"/>
+              <a:t>sortedVertices.Count</a:t>
+            </a:r>
+            <a:r>
+              <a:rPr lang="en-US" dirty="0"/>
+              <a:t>; </a:t>
+            </a:r>
+            <a:r>
+              <a:rPr lang="en-US" dirty="0" err="1"/>
+              <a:t>i</a:t>
+            </a:r>
+            <a:r>
+              <a:rPr lang="en-US" dirty="0"/>
+              <a:t>+=2)</a:t>
+            </a:r>
+          </a:p>
+          <a:p>
+            <a:pPr lvl="2"/>
+            <a:r>
+              <a:rPr lang="en-US" dirty="0" err="1"/>
+              <a:t>pairsByLayer</a:t>
+            </a:r>
+            <a:r>
+              <a:rPr lang="en-US" dirty="0"/>
+              <a:t>[layer].Add((</a:t>
+            </a:r>
+            <a:r>
+              <a:rPr lang="en-US" dirty="0" err="1"/>
+              <a:t>sortedVertices</a:t>
+            </a:r>
+            <a:r>
+              <a:rPr lang="en-US" dirty="0"/>
+              <a:t>[</a:t>
+            </a:r>
+            <a:r>
+              <a:rPr lang="en-US" dirty="0" err="1"/>
+              <a:t>i</a:t>
+            </a:r>
+            <a:r>
+              <a:rPr lang="en-US" dirty="0"/>
+              <a:t>], </a:t>
+            </a:r>
+            <a:r>
+              <a:rPr lang="en-US" dirty="0" err="1"/>
+              <a:t>sortedVertices</a:t>
+            </a:r>
+            <a:r>
+              <a:rPr lang="en-US" dirty="0"/>
+              <a:t>[i+1]));</a:t>
+            </a:r>
+          </a:p>
+          <a:p>
+            <a:pPr lvl="1"/>
+            <a:r>
+              <a:rPr lang="en-US" dirty="0" err="1"/>
+              <a:t>previousToConnections</a:t>
+            </a:r>
+            <a:r>
+              <a:rPr lang="en-US" dirty="0"/>
+              <a:t> = new Dictionary&lt;Pair, List&lt;(</a:t>
+            </a:r>
+            <a:r>
+              <a:rPr lang="en-US" dirty="0" err="1"/>
+              <a:t>PreviousPair</a:t>
+            </a:r>
+            <a:r>
+              <a:rPr lang="en-US" dirty="0"/>
+              <a:t>)&gt;();</a:t>
+            </a:r>
+          </a:p>
+          <a:p>
+            <a:pPr lvl="1"/>
+            <a:r>
+              <a:rPr lang="en-US" dirty="0" err="1"/>
+              <a:t>previousFromConnections</a:t>
+            </a:r>
+            <a:r>
+              <a:rPr lang="en-US" dirty="0"/>
+              <a:t> = new Dictionary&lt;</a:t>
+            </a:r>
+            <a:r>
+              <a:rPr lang="en-US" dirty="0" err="1"/>
+              <a:t>PreviousPair</a:t>
+            </a:r>
+            <a:r>
+              <a:rPr lang="en-US" dirty="0"/>
+              <a:t>, Pair&gt;();</a:t>
+            </a:r>
+          </a:p>
+          <a:p>
+            <a:pPr lvl="1"/>
+            <a:r>
+              <a:rPr lang="en-US" dirty="0"/>
+              <a:t>unconnected= new List&lt;Pair&gt;();</a:t>
+            </a:r>
+          </a:p>
+          <a:p>
+            <a:pPr lvl="1"/>
+            <a:r>
+              <a:rPr lang="en-US" dirty="0"/>
+              <a:t>foreach(pair in </a:t>
+            </a:r>
+            <a:r>
+              <a:rPr lang="en-US" dirty="0" err="1"/>
+              <a:t>pairsByLayer</a:t>
+            </a:r>
+            <a:r>
+              <a:rPr lang="en-US" dirty="0"/>
+              <a:t>[layer])</a:t>
+            </a:r>
+          </a:p>
+          <a:p>
+            <a:pPr lvl="2"/>
+            <a:r>
+              <a:rPr lang="en-US" dirty="0"/>
+              <a:t>//Get the perpendicular distances </a:t>
+            </a:r>
+          </a:p>
+          <a:p>
+            <a:pPr lvl="2"/>
+            <a:r>
+              <a:rPr lang="en-US" dirty="0"/>
+              <a:t>a = </a:t>
+            </a:r>
+            <a:r>
+              <a:rPr lang="en-US" dirty="0" err="1"/>
+              <a:t>distanceAlong</a:t>
+            </a:r>
+            <a:r>
+              <a:rPr lang="en-US" dirty="0"/>
+              <a:t>[pair.Item1];</a:t>
+            </a:r>
+          </a:p>
+          <a:p>
+            <a:pPr lvl="2"/>
+            <a:r>
+              <a:rPr lang="en-US" dirty="0"/>
+              <a:t>b = </a:t>
+            </a:r>
+            <a:r>
+              <a:rPr lang="en-US" dirty="0" err="1"/>
+              <a:t>distanceAlong</a:t>
+            </a:r>
+            <a:r>
+              <a:rPr lang="en-US" dirty="0"/>
+              <a:t>[pair.Item2];</a:t>
+            </a:r>
+          </a:p>
+          <a:p>
+            <a:pPr lvl="2"/>
+            <a:r>
+              <a:rPr lang="en-US" dirty="0"/>
+              <a:t>If(</a:t>
+            </a:r>
+            <a:r>
+              <a:rPr lang="en-US" dirty="0" err="1"/>
+              <a:t>previousPairs</a:t>
+            </a:r>
+            <a:r>
+              <a:rPr lang="en-US" dirty="0"/>
+              <a:t> == null) TODO: start new segments</a:t>
+            </a:r>
+          </a:p>
+          <a:p>
+            <a:pPr lvl="2"/>
+            <a:r>
+              <a:rPr lang="en-US" dirty="0"/>
+              <a:t>Foreach(</a:t>
+            </a:r>
+            <a:r>
+              <a:rPr lang="en-US" dirty="0" err="1"/>
+              <a:t>previousPair</a:t>
+            </a:r>
+            <a:r>
+              <a:rPr lang="en-US" dirty="0"/>
+              <a:t> in </a:t>
+            </a:r>
+            <a:r>
+              <a:rPr lang="en-US" dirty="0" err="1"/>
+              <a:t>previousPairs</a:t>
+            </a:r>
+            <a:r>
+              <a:rPr lang="en-US" dirty="0"/>
+              <a:t>)</a:t>
+            </a:r>
+          </a:p>
+          <a:p>
+            <a:pPr lvl="3"/>
+            <a:r>
+              <a:rPr lang="en-US" dirty="0"/>
+              <a:t>c = </a:t>
+            </a:r>
+            <a:r>
+              <a:rPr lang="en-US" dirty="0" err="1"/>
+              <a:t>previousDistanceAlong</a:t>
+            </a:r>
+            <a:r>
+              <a:rPr lang="en-US" dirty="0"/>
+              <a:t>[previousPair.Item1];</a:t>
+            </a:r>
+          </a:p>
+          <a:p>
+            <a:pPr lvl="3"/>
+            <a:r>
+              <a:rPr lang="en-US" dirty="0"/>
+              <a:t>d = </a:t>
+            </a:r>
+            <a:r>
+              <a:rPr lang="en-US" dirty="0" err="1"/>
+              <a:t>previousDistanceAlong</a:t>
+            </a:r>
+            <a:r>
+              <a:rPr lang="en-US" dirty="0"/>
+              <a:t>[previousPair.Item1];</a:t>
+            </a:r>
+          </a:p>
+          <a:p>
+            <a:pPr lvl="2"/>
+            <a:r>
+              <a:rPr lang="en-US" dirty="0"/>
+              <a:t>If((c &lt;= b &amp;&amp; c &gt;= a) || d &lt;= b &amp;&amp; d &gt;= a || a &lt;= c &amp;&amp; a &gt;= d|| b &lt;=c &amp;&amp; b &gt;= d)</a:t>
+            </a:r>
+          </a:p>
+          <a:p>
+            <a:pPr lvl="3"/>
+            <a:r>
+              <a:rPr lang="en-US" dirty="0"/>
+              <a:t>//</a:t>
+            </a:r>
+            <a:r>
+              <a:rPr lang="en-US" dirty="0" err="1"/>
+              <a:t>ToDo</a:t>
+            </a:r>
+            <a:r>
+              <a:rPr lang="en-US" dirty="0"/>
+              <a:t>: check if contains first.</a:t>
+            </a:r>
+          </a:p>
+          <a:p>
+            <a:pPr lvl="3"/>
+            <a:r>
+              <a:rPr lang="en-US" dirty="0" err="1"/>
+              <a:t>previousToConnections</a:t>
+            </a:r>
+            <a:r>
+              <a:rPr lang="en-US" dirty="0"/>
+              <a:t>[pair].Add(</a:t>
+            </a:r>
+            <a:r>
+              <a:rPr lang="en-US" dirty="0" err="1"/>
+              <a:t>previousPair</a:t>
+            </a:r>
+            <a:r>
+              <a:rPr lang="en-US" dirty="0"/>
+              <a:t>)</a:t>
+            </a:r>
+          </a:p>
+          <a:p>
+            <a:pPr lvl="3"/>
+            <a:r>
+              <a:rPr lang="en-US" dirty="0" err="1"/>
+              <a:t>previousFromConnections</a:t>
+            </a:r>
+            <a:r>
+              <a:rPr lang="en-US" dirty="0"/>
+              <a:t>[</a:t>
+            </a:r>
+            <a:r>
+              <a:rPr lang="en-US" dirty="0" err="1"/>
+              <a:t>previousPair</a:t>
+            </a:r>
+            <a:r>
+              <a:rPr lang="en-US" dirty="0"/>
+              <a:t>].Add(pair);</a:t>
+            </a:r>
+          </a:p>
+          <a:p>
+            <a:pPr lvl="2"/>
+            <a:r>
+              <a:rPr lang="en-US" dirty="0"/>
+              <a:t>Else </a:t>
+            </a:r>
+            <a:r>
+              <a:rPr lang="en-US" dirty="0" err="1"/>
+              <a:t>unconnected.Add</a:t>
+            </a:r>
+            <a:r>
+              <a:rPr lang="en-US" dirty="0"/>
+              <a:t>(pair) </a:t>
+            </a:r>
+          </a:p>
+          <a:p>
+            <a:pPr lvl="1"/>
+            <a:r>
+              <a:rPr lang="en-US" dirty="0"/>
+              <a:t>Foreach(pair in unconnected)</a:t>
+            </a:r>
+          </a:p>
+          <a:p>
+            <a:pPr lvl="2"/>
+            <a:r>
+              <a:rPr lang="en-US" dirty="0" err="1"/>
+              <a:t>Segments.Add</a:t>
+            </a:r>
+            <a:r>
+              <a:rPr lang="en-US" dirty="0"/>
+              <a:t>(new List&lt;Vertex&gt;{pair.Item1, pair.Item2} //ordered along the perpendicular</a:t>
+            </a:r>
+          </a:p>
+          <a:p>
+            <a:pPr lvl="1"/>
+            <a:r>
+              <a:rPr lang="en-US" dirty="0"/>
+              <a:t>//If this pair is only connected to one </a:t>
+            </a:r>
+            <a:r>
+              <a:rPr lang="en-US" dirty="0" err="1"/>
+              <a:t>previousPair</a:t>
+            </a:r>
+            <a:r>
+              <a:rPr lang="en-US" dirty="0"/>
+              <a:t>, and that previous pair is only connected to one new pair</a:t>
+            </a:r>
+          </a:p>
+          <a:p>
+            <a:pPr lvl="1"/>
+            <a:r>
+              <a:rPr lang="en-US" dirty="0"/>
+              <a:t>//then add it</a:t>
+            </a:r>
+          </a:p>
+          <a:p>
+            <a:pPr lvl="1"/>
+            <a:r>
+              <a:rPr lang="en-US" dirty="0"/>
+              <a:t>Foreach(var pair in </a:t>
+            </a:r>
+            <a:r>
+              <a:rPr lang="en-US" dirty="0" err="1"/>
+              <a:t>previousToConnections</a:t>
+            </a:r>
+            <a:r>
+              <a:rPr lang="en-US" dirty="0"/>
+              <a:t>)</a:t>
+            </a:r>
+          </a:p>
+          <a:p>
+            <a:pPr lvl="2"/>
+            <a:r>
+              <a:rPr lang="en-US" dirty="0"/>
+              <a:t>If(</a:t>
+            </a:r>
+            <a:r>
+              <a:rPr lang="en-US" dirty="0" err="1"/>
+              <a:t>pair.Value.Count</a:t>
+            </a:r>
+            <a:r>
+              <a:rPr lang="en-US" dirty="0"/>
+              <a:t> == 1 &amp;&amp; </a:t>
+            </a:r>
+            <a:r>
+              <a:rPr lang="en-US" dirty="0" err="1"/>
+              <a:t>previousFromConnections</a:t>
+            </a:r>
+            <a:r>
+              <a:rPr lang="en-US" dirty="0"/>
+              <a:t>[</a:t>
+            </a:r>
+            <a:r>
+              <a:rPr lang="en-US" dirty="0" err="1"/>
+              <a:t>pair.Value.First</a:t>
+            </a:r>
+            <a:r>
+              <a:rPr lang="en-US" dirty="0"/>
+              <a:t>()].Count == 1)</a:t>
+            </a:r>
+          </a:p>
+          <a:p>
+            <a:pPr lvl="3"/>
+            <a:r>
+              <a:rPr lang="en-US" dirty="0"/>
+              <a:t>Find the segment that the previous points belong to (where segment[0] = previous[0] &amp;&amp; </a:t>
+            </a:r>
+            <a:r>
+              <a:rPr lang="en-US" dirty="0" err="1"/>
+              <a:t>segment.Last</a:t>
+            </a:r>
+            <a:r>
+              <a:rPr lang="en-US" dirty="0"/>
+              <a:t> = previous[1];</a:t>
+            </a:r>
+          </a:p>
+          <a:p>
+            <a:pPr lvl="3"/>
+            <a:r>
+              <a:rPr lang="en-US" dirty="0"/>
+              <a:t>Insert pair[0] at the start of the segment and add pair[1] to the end </a:t>
+            </a:r>
+          </a:p>
+          <a:p>
+            <a:pPr lvl="2"/>
+            <a:r>
+              <a:rPr lang="en-US" dirty="0"/>
+              <a:t>Else If(</a:t>
+            </a:r>
+            <a:r>
+              <a:rPr lang="en-US" dirty="0" err="1"/>
+              <a:t>pair.Value.Count</a:t>
+            </a:r>
+            <a:r>
+              <a:rPr lang="en-US" dirty="0"/>
+              <a:t> &gt; 1 &amp;&amp; </a:t>
+            </a:r>
+            <a:r>
+              <a:rPr lang="en-US" dirty="0" err="1"/>
+              <a:t>previousFromConnections</a:t>
+            </a:r>
+            <a:r>
+              <a:rPr lang="en-US" dirty="0"/>
+              <a:t>[</a:t>
+            </a:r>
+            <a:r>
+              <a:rPr lang="en-US" dirty="0" err="1"/>
+              <a:t>pair.Value.First</a:t>
+            </a:r>
+            <a:r>
+              <a:rPr lang="en-US" dirty="0"/>
+              <a:t>()].Count &gt; 1) </a:t>
+            </a:r>
+            <a:r>
+              <a:rPr lang="en-US" b="1" dirty="0"/>
+              <a:t>Error(Step size too small)</a:t>
+            </a:r>
+          </a:p>
+          <a:p>
+            <a:pPr lvl="2"/>
+            <a:r>
+              <a:rPr lang="en-US" dirty="0"/>
+              <a:t>Else If(</a:t>
+            </a:r>
+            <a:r>
+              <a:rPr lang="en-US" dirty="0" err="1"/>
+              <a:t>pair.Value.Count</a:t>
+            </a:r>
+            <a:r>
+              <a:rPr lang="en-US" dirty="0"/>
+              <a:t> &gt; 1 ) </a:t>
+            </a:r>
+            <a:r>
+              <a:rPr lang="en-US" b="1" dirty="0"/>
+              <a:t>Merge;</a:t>
+            </a:r>
+          </a:p>
+          <a:p>
+            <a:pPr lvl="2"/>
+            <a:r>
+              <a:rPr lang="en-US" dirty="0"/>
+              <a:t>Else If(</a:t>
+            </a:r>
+            <a:r>
+              <a:rPr lang="en-US" dirty="0" err="1"/>
+              <a:t>previousFromConnections</a:t>
+            </a:r>
+            <a:r>
+              <a:rPr lang="en-US" dirty="0"/>
+              <a:t>[</a:t>
+            </a:r>
+            <a:r>
+              <a:rPr lang="en-US" dirty="0" err="1"/>
+              <a:t>pair.Value.First</a:t>
+            </a:r>
+            <a:r>
+              <a:rPr lang="en-US" dirty="0"/>
+              <a:t>()].Count &gt; 1) continue //we will branch later; </a:t>
+            </a:r>
+          </a:p>
+          <a:p>
+            <a:pPr lvl="1"/>
+            <a:r>
+              <a:rPr lang="en-US" dirty="0"/>
+              <a:t>Foreach(previous in </a:t>
+            </a:r>
+            <a:r>
+              <a:rPr lang="en-US" dirty="0" err="1"/>
+              <a:t>previousFromConnections.Where</a:t>
+            </a:r>
+            <a:r>
+              <a:rPr lang="en-US" dirty="0"/>
+              <a:t>(</a:t>
+            </a:r>
+            <a:r>
+              <a:rPr lang="en-US" dirty="0" err="1"/>
+              <a:t>Value.Count</a:t>
+            </a:r>
+            <a:r>
+              <a:rPr lang="en-US" dirty="0"/>
+              <a:t> &gt; 1)</a:t>
+            </a:r>
+          </a:p>
+          <a:p>
+            <a:pPr lvl="2"/>
+            <a:r>
+              <a:rPr lang="en-US" b="1" dirty="0"/>
+              <a:t>Branch</a:t>
+            </a:r>
+          </a:p>
+          <a:p>
+            <a:pPr lvl="1"/>
+            <a:r>
+              <a:rPr lang="en-US" dirty="0" err="1"/>
+              <a:t>previousPairs</a:t>
+            </a:r>
+            <a:r>
+              <a:rPr lang="en-US" dirty="0"/>
+              <a:t> = </a:t>
+            </a:r>
+            <a:r>
+              <a:rPr lang="en-US" dirty="0" err="1"/>
+              <a:t>pairsByLayer</a:t>
+            </a:r>
+            <a:r>
+              <a:rPr lang="en-US" dirty="0"/>
+              <a:t>[layer];</a:t>
+            </a:r>
+          </a:p>
+          <a:p>
+            <a:pPr lvl="1"/>
+            <a:r>
+              <a:rPr lang="en-US" dirty="0" err="1"/>
+              <a:t>previousDistanceAlong</a:t>
+            </a:r>
+            <a:r>
+              <a:rPr lang="en-US" dirty="0"/>
+              <a:t> = </a:t>
+            </a:r>
+            <a:r>
+              <a:rPr lang="en-US" dirty="0" err="1"/>
+              <a:t>distanceAlong</a:t>
+            </a:r>
+            <a:r>
+              <a:rPr lang="en-US" dirty="0"/>
+              <a:t>;</a:t>
+            </a:r>
+          </a:p>
+          <a:p>
+            <a:pPr lvl="3"/>
+            <a:endParaRPr lang="en-US" dirty="0"/>
+          </a:p>
+          <a:p>
+            <a:pPr lvl="3"/>
+            <a:endParaRPr lang="en-US" dirty="0"/>
+          </a:p>
+        </p:txBody>
+      </p:sp>
+      <p:sp>
+        <p:nvSpPr>
+          <p:cNvPr id="4" name="Rectangle 3">
+            <a:extLst>
+              <a:ext uri="{FF2B5EF4-FFF2-40B4-BE49-F238E27FC236}">
+                <a16:creationId xmlns:a16="http://schemas.microsoft.com/office/drawing/2014/main" id="{72F1F24D-493B-406A-A028-C5ECF462699A}"/>
+              </a:ext>
+            </a:extLst>
+          </p:cNvPr>
+          <p:cNvSpPr/>
+          <p:nvPr/>
+        </p:nvSpPr>
+        <p:spPr>
+          <a:xfrm>
+            <a:off x="6545350" y="41959"/>
+            <a:ext cx="5646650" cy="646331"/>
+          </a:xfrm>
+          <a:prstGeom prst="rect">
+            <a:avLst/>
+          </a:prstGeom>
+        </p:spPr>
+        <p:txBody>
+          <a:bodyPr wrap="square">
+            <a:spAutoFit/>
+          </a:bodyPr>
+          <a:lstStyle/>
+          <a:p>
+            <a:r>
+              <a:rPr lang="en-US" dirty="0" err="1"/>
+              <a:t>PairsByLayer</a:t>
+            </a:r>
+            <a:r>
+              <a:rPr lang="en-US" dirty="0"/>
+              <a:t> = Dictionary&lt;int, List&lt;(Vertex, Vertex)&gt;&gt;</a:t>
+            </a:r>
+          </a:p>
+          <a:p>
+            <a:r>
+              <a:rPr lang="en-US" dirty="0"/>
+              <a:t>Segment = List&lt;Vertex&gt;</a:t>
+            </a:r>
+          </a:p>
+        </p:txBody>
+      </p:sp>
+    </p:spTree>
+    <p:extLst>
+      <p:ext uri="{BB962C8B-B14F-4D97-AF65-F5344CB8AC3E}">
+        <p14:creationId xmlns:p14="http://schemas.microsoft.com/office/powerpoint/2010/main" val="1499810636"/>
       </p:ext>
     </p:extLst>
   </p:cSld>
